--- a/Notes and Slides/CIS399Wk3Day2-ListViews.pptx
+++ b/Notes and Slides/CIS399Wk3Day2-ListViews.pptx
@@ -131,7 +131,7 @@
   </p:defaultTextStyle>
   <p:extLst>
     <p:ext uri="{EFAFB233-063F-42B5-8137-9DF3F51BA10A}">
-      <p15:sldGuideLst xmlns:p15="http://schemas.microsoft.com/office/powerpoint/2012/main" xmlns="">
+      <p15:sldGuideLst xmlns:p15="http://schemas.microsoft.com/office/powerpoint/2012/main">
         <p15:guide id="1" orient="horz" pos="2160">
           <p15:clr>
             <a:srgbClr val="A4A3A4"/>
@@ -230,7 +230,7 @@
           <a:p>
             <a:fld id="{1FC32AA1-1225-9048-80C3-2B6F58548154}" type="datetimeFigureOut">
               <a:rPr lang="en-US" smtClean="0"/>
-              <a:t>7/10/16</a:t>
+              <a:t>7/14/17</a:t>
             </a:fld>
             <a:endParaRPr lang="en-US"/>
           </a:p>
@@ -870,11 +870,7 @@
             </a:r>
             <a:r>
               <a:rPr lang="en-US" dirty="0" smtClean="0"/>
-              <a:t>https</a:t>
-            </a:r>
-            <a:r>
-              <a:rPr lang="en-US" dirty="0" smtClean="0"/>
-              <a:t>://</a:t>
+              <a:t>https://</a:t>
             </a:r>
             <a:r>
               <a:rPr lang="en-US" dirty="0" err="1" smtClean="0"/>
@@ -886,11 +882,7 @@
             </a:r>
             <a:r>
               <a:rPr lang="en-US" dirty="0" err="1" smtClean="0"/>
-              <a:t>R.attr.html#</a:t>
-            </a:r>
-            <a:r>
-              <a:rPr lang="en-US" dirty="0" err="1" smtClean="0"/>
-              <a:t>fastScrollEnabled</a:t>
+              <a:t>R.attr.html#fastScrollEnabled</a:t>
             </a:r>
             <a:endParaRPr lang="en-US" dirty="0" smtClean="0"/>
           </a:p>
@@ -1631,7 +1623,7 @@
           <a:p>
             <a:fld id="{12110144-19AD-4D4E-902D-E18AF93089D3}" type="datetimeFigureOut">
               <a:rPr lang="en-US" smtClean="0"/>
-              <a:t>7/10/16</a:t>
+              <a:t>7/14/17</a:t>
             </a:fld>
             <a:endParaRPr lang="en-US"/>
           </a:p>
@@ -1801,7 +1793,7 @@
           <a:p>
             <a:fld id="{12110144-19AD-4D4E-902D-E18AF93089D3}" type="datetimeFigureOut">
               <a:rPr lang="en-US" smtClean="0"/>
-              <a:t>7/10/16</a:t>
+              <a:t>7/14/17</a:t>
             </a:fld>
             <a:endParaRPr lang="en-US"/>
           </a:p>
@@ -1981,7 +1973,7 @@
           <a:p>
             <a:fld id="{12110144-19AD-4D4E-902D-E18AF93089D3}" type="datetimeFigureOut">
               <a:rPr lang="en-US" smtClean="0"/>
-              <a:t>7/10/16</a:t>
+              <a:t>7/14/17</a:t>
             </a:fld>
             <a:endParaRPr lang="en-US"/>
           </a:p>
@@ -2151,7 +2143,7 @@
           <a:p>
             <a:fld id="{12110144-19AD-4D4E-902D-E18AF93089D3}" type="datetimeFigureOut">
               <a:rPr lang="en-US" smtClean="0"/>
-              <a:t>7/10/16</a:t>
+              <a:t>7/14/17</a:t>
             </a:fld>
             <a:endParaRPr lang="en-US"/>
           </a:p>
@@ -2397,7 +2389,7 @@
           <a:p>
             <a:fld id="{12110144-19AD-4D4E-902D-E18AF93089D3}" type="datetimeFigureOut">
               <a:rPr lang="en-US" smtClean="0"/>
-              <a:t>7/10/16</a:t>
+              <a:t>7/14/17</a:t>
             </a:fld>
             <a:endParaRPr lang="en-US"/>
           </a:p>
@@ -2685,7 +2677,7 @@
           <a:p>
             <a:fld id="{12110144-19AD-4D4E-902D-E18AF93089D3}" type="datetimeFigureOut">
               <a:rPr lang="en-US" smtClean="0"/>
-              <a:t>7/10/16</a:t>
+              <a:t>7/14/17</a:t>
             </a:fld>
             <a:endParaRPr lang="en-US"/>
           </a:p>
@@ -3107,7 +3099,7 @@
           <a:p>
             <a:fld id="{12110144-19AD-4D4E-902D-E18AF93089D3}" type="datetimeFigureOut">
               <a:rPr lang="en-US" smtClean="0"/>
-              <a:t>7/10/16</a:t>
+              <a:t>7/14/17</a:t>
             </a:fld>
             <a:endParaRPr lang="en-US"/>
           </a:p>
@@ -3225,7 +3217,7 @@
           <a:p>
             <a:fld id="{12110144-19AD-4D4E-902D-E18AF93089D3}" type="datetimeFigureOut">
               <a:rPr lang="en-US" smtClean="0"/>
-              <a:t>7/10/16</a:t>
+              <a:t>7/14/17</a:t>
             </a:fld>
             <a:endParaRPr lang="en-US"/>
           </a:p>
@@ -3320,7 +3312,7 @@
           <a:p>
             <a:fld id="{12110144-19AD-4D4E-902D-E18AF93089D3}" type="datetimeFigureOut">
               <a:rPr lang="en-US" smtClean="0"/>
-              <a:t>7/10/16</a:t>
+              <a:t>7/14/17</a:t>
             </a:fld>
             <a:endParaRPr lang="en-US"/>
           </a:p>
@@ -3597,7 +3589,7 @@
           <a:p>
             <a:fld id="{12110144-19AD-4D4E-902D-E18AF93089D3}" type="datetimeFigureOut">
               <a:rPr lang="en-US" smtClean="0"/>
-              <a:t>7/10/16</a:t>
+              <a:t>7/14/17</a:t>
             </a:fld>
             <a:endParaRPr lang="en-US"/>
           </a:p>
@@ -3850,7 +3842,7 @@
           <a:p>
             <a:fld id="{12110144-19AD-4D4E-902D-E18AF93089D3}" type="datetimeFigureOut">
               <a:rPr lang="en-US" smtClean="0"/>
-              <a:t>7/10/16</a:t>
+              <a:t>7/14/17</a:t>
             </a:fld>
             <a:endParaRPr lang="en-US"/>
           </a:p>
@@ -4081,7 +4073,7 @@
           <a:p>
             <a:fld id="{12110144-19AD-4D4E-902D-E18AF93089D3}" type="datetimeFigureOut">
               <a:rPr lang="en-US" smtClean="0"/>
-              <a:t>7/10/16</a:t>
+              <a:t>7/14/17</a:t>
             </a:fld>
             <a:endParaRPr lang="en-US"/>
           </a:p>
@@ -4568,7 +4560,7 @@
   <p:timing>
     <p:tnLst>
       <p:par>
-        <p:cTn xmlns:p14="http://schemas.microsoft.com/office/powerpoint/2010/main" id="1" dur="indefinite" restart="never" nodeType="tmRoot"/>
+        <p:cTn id="1" dur="indefinite" restart="never" nodeType="tmRoot"/>
       </p:par>
     </p:tnLst>
   </p:timing>
@@ -4641,7 +4633,7 @@
         </p:spPr>
         <p:txBody>
           <a:bodyPr>
-            <a:normAutofit fontScale="92500" lnSpcReduction="10000"/>
+            <a:normAutofit fontScale="92500"/>
           </a:bodyPr>
           <a:lstStyle/>
           <a:p>
@@ -4755,7 +4747,7 @@
   <p:timing>
     <p:tnLst>
       <p:par>
-        <p:cTn xmlns:p14="http://schemas.microsoft.com/office/powerpoint/2010/main" id="1" dur="indefinite" restart="never" nodeType="tmRoot"/>
+        <p:cTn id="1" dur="indefinite" restart="never" nodeType="tmRoot"/>
       </p:par>
     </p:tnLst>
   </p:timing>
@@ -4902,7 +4894,7 @@
   <p:timing>
     <p:tnLst>
       <p:par>
-        <p:cTn xmlns:p14="http://schemas.microsoft.com/office/powerpoint/2010/main" id="1" dur="indefinite" restart="never" nodeType="tmRoot"/>
+        <p:cTn id="1" dur="indefinite" restart="never" nodeType="tmRoot"/>
       </p:par>
     </p:tnLst>
   </p:timing>
@@ -5045,12 +5037,12 @@
           <a:graphicData uri="http://schemas.openxmlformats.org/presentationml/2006/ole">
             <mc:AlternateContent xmlns:mc="http://schemas.openxmlformats.org/markup-compatibility/2006">
               <mc:Choice xmlns:v="urn:schemas-microsoft-com:vml" Requires="v">
-                <p:oleObj spid="_x0000_s24599" name="Document" r:id="rId3" imgW="7296144" imgH="1781401" progId="Word.Document.12">
+                <p:oleObj spid="_x0000_s24606" name="Document" r:id="rId4" imgW="7296144" imgH="1781401" progId="Word.Document.12">
                   <p:embed/>
                 </p:oleObj>
               </mc:Choice>
               <mc:Fallback>
-                <p:oleObj name="Document" r:id="rId3" imgW="7296144" imgH="1781401" progId="Word.Document.12">
+                <p:oleObj name="Document" r:id="rId4" imgW="7296144" imgH="1781401" progId="Word.Document.12">
                   <p:embed/>
                   <p:pic>
                     <p:nvPicPr>
@@ -5059,7 +5051,7 @@
                       <p:nvPr/>
                     </p:nvPicPr>
                     <p:blipFill>
-                      <a:blip r:embed="rId4"/>
+                      <a:blip r:embed="rId5"/>
                       <a:stretch>
                         <a:fillRect/>
                       </a:stretch>
@@ -5093,7 +5085,7 @@
   <p:timing>
     <p:tnLst>
       <p:par>
-        <p:cTn xmlns:p14="http://schemas.microsoft.com/office/powerpoint/2010/main" id="1" dur="indefinite" restart="never" nodeType="tmRoot"/>
+        <p:cTn id="1" dur="indefinite" restart="never" nodeType="tmRoot"/>
       </p:par>
     </p:tnLst>
   </p:timing>
@@ -5236,12 +5228,12 @@
           <a:graphicData uri="http://schemas.openxmlformats.org/presentationml/2006/ole">
             <mc:AlternateContent xmlns:mc="http://schemas.openxmlformats.org/markup-compatibility/2006">
               <mc:Choice xmlns:v="urn:schemas-microsoft-com:vml" Requires="v">
-                <p:oleObj spid="_x0000_s1035" name="Document" r:id="rId3" imgW="6864202" imgH="5422047" progId="Word.Document.12">
+                <p:oleObj spid="_x0000_s1042" name="Document" r:id="rId4" imgW="6864202" imgH="5422047" progId="Word.Document.12">
                   <p:embed/>
                 </p:oleObj>
               </mc:Choice>
               <mc:Fallback>
-                <p:oleObj name="Document" r:id="rId3" imgW="6864202" imgH="5422047" progId="Word.Document.12">
+                <p:oleObj name="Document" r:id="rId4" imgW="6864202" imgH="5422047" progId="Word.Document.12">
                   <p:embed/>
                   <p:pic>
                     <p:nvPicPr>
@@ -5250,7 +5242,7 @@
                       <p:nvPr/>
                     </p:nvPicPr>
                     <p:blipFill>
-                      <a:blip r:embed="rId4"/>
+                      <a:blip r:embed="rId5"/>
                       <a:stretch>
                         <a:fillRect/>
                       </a:stretch>
@@ -5420,12 +5412,12 @@
           <a:graphicData uri="http://schemas.openxmlformats.org/presentationml/2006/ole">
             <mc:AlternateContent xmlns:mc="http://schemas.openxmlformats.org/markup-compatibility/2006">
               <mc:Choice xmlns:v="urn:schemas-microsoft-com:vml" Requires="v">
-                <p:oleObj spid="_x0000_s36876" name="Document" r:id="rId3" imgW="6959600" imgH="1282700" progId="Word.Document.12">
+                <p:oleObj spid="_x0000_s36883" name="Document" r:id="rId4" imgW="6959600" imgH="1282700" progId="Word.Document.12">
                   <p:embed/>
                 </p:oleObj>
               </mc:Choice>
               <mc:Fallback>
-                <p:oleObj name="Document" r:id="rId3" imgW="6959600" imgH="1282700" progId="Word.Document.12">
+                <p:oleObj name="Document" r:id="rId4" imgW="6959600" imgH="1282700" progId="Word.Document.12">
                   <p:embed/>
                   <p:pic>
                     <p:nvPicPr>
@@ -5434,7 +5426,7 @@
                       <p:nvPr/>
                     </p:nvPicPr>
                     <p:blipFill>
-                      <a:blip r:embed="rId4"/>
+                      <a:blip r:embed="rId5"/>
                       <a:stretch>
                         <a:fillRect/>
                       </a:stretch>
@@ -5464,7 +5456,7 @@
           <p:nvPr/>
         </p:nvPicPr>
         <p:blipFill>
-          <a:blip r:embed="rId5">
+          <a:blip r:embed="rId6">
             <a:extLst>
               <a:ext uri="{28A0092B-C50C-407E-A947-70E740481C1C}">
                 <a14:useLocalDpi xmlns:a14="http://schemas.microsoft.com/office/drawing/2010/main" val="0"/>
@@ -5494,7 +5486,7 @@
           <p:nvPr/>
         </p:nvPicPr>
         <p:blipFill>
-          <a:blip r:embed="rId6">
+          <a:blip r:embed="rId7">
             <a:extLst>
               <a:ext uri="{28A0092B-C50C-407E-A947-70E740481C1C}">
                 <a14:useLocalDpi xmlns:a14="http://schemas.microsoft.com/office/drawing/2010/main" val="0"/>
@@ -5664,12 +5656,12 @@
           <a:graphicData uri="http://schemas.openxmlformats.org/presentationml/2006/ole">
             <mc:AlternateContent xmlns:mc="http://schemas.openxmlformats.org/markup-compatibility/2006">
               <mc:Choice xmlns:v="urn:schemas-microsoft-com:vml" Requires="v">
-                <p:oleObj spid="_x0000_s35855" name="Document" r:id="rId3" imgW="6864202" imgH="4073648" progId="Word.Document.12">
+                <p:oleObj spid="_x0000_s35862" name="Document" r:id="rId4" imgW="6864202" imgH="4073648" progId="Word.Document.12">
                   <p:embed/>
                 </p:oleObj>
               </mc:Choice>
               <mc:Fallback>
-                <p:oleObj name="Document" r:id="rId3" imgW="6864202" imgH="4073648" progId="Word.Document.12">
+                <p:oleObj name="Document" r:id="rId4" imgW="6864202" imgH="4073648" progId="Word.Document.12">
                   <p:embed/>
                   <p:pic>
                     <p:nvPicPr>
@@ -5678,7 +5670,7 @@
                       <p:nvPr/>
                     </p:nvPicPr>
                     <p:blipFill>
-                      <a:blip r:embed="rId4"/>
+                      <a:blip r:embed="rId5"/>
                       <a:stretch>
                         <a:fillRect/>
                       </a:stretch>
@@ -5712,7 +5704,7 @@
   <p:timing>
     <p:tnLst>
       <p:par>
-        <p:cTn xmlns:p14="http://schemas.microsoft.com/office/powerpoint/2010/main" id="1" dur="indefinite" restart="never" nodeType="tmRoot"/>
+        <p:cTn id="1" dur="indefinite" restart="never" nodeType="tmRoot"/>
       </p:par>
     </p:tnLst>
   </p:timing>
@@ -5834,7 +5826,7 @@
   <p:timing>
     <p:tnLst>
       <p:par>
-        <p:cTn xmlns:p14="http://schemas.microsoft.com/office/powerpoint/2010/main" id="1" dur="indefinite" restart="never" nodeType="tmRoot"/>
+        <p:cTn id="1" dur="indefinite" restart="never" nodeType="tmRoot"/>
       </p:par>
     </p:tnLst>
   </p:timing>
@@ -5909,8 +5901,37 @@
           <a:p>
             <a:r>
               <a:rPr lang="en-US" dirty="0" smtClean="0"/>
-              <a:t>SimpleAdapter – source is a List of JavaDictionary objects </a:t>
-            </a:r>
+              <a:t>SimpleAdapter – source is </a:t>
+            </a:r>
+            <a:r>
+              <a:rPr lang="en-US" dirty="0" smtClean="0"/>
+              <a:t>an </a:t>
+            </a:r>
+            <a:r>
+              <a:rPr lang="en-US" dirty="0" err="1" smtClean="0"/>
+              <a:t>ArrayList</a:t>
+            </a:r>
+            <a:r>
+              <a:rPr lang="en-US" dirty="0" smtClean="0"/>
+              <a:t> </a:t>
+            </a:r>
+            <a:r>
+              <a:rPr lang="en-US" dirty="0" smtClean="0"/>
+              <a:t>of </a:t>
+            </a:r>
+            <a:r>
+              <a:rPr lang="en-US" dirty="0" smtClean="0"/>
+              <a:t>Java </a:t>
+            </a:r>
+            <a:r>
+              <a:rPr lang="en-US" dirty="0" err="1" smtClean="0"/>
+              <a:t>HashMap</a:t>
+            </a:r>
+            <a:r>
+              <a:rPr lang="en-US" dirty="0" smtClean="0"/>
+              <a:t> objects </a:t>
+            </a:r>
+            <a:endParaRPr lang="en-US" dirty="0" smtClean="0"/>
           </a:p>
           <a:p>
             <a:r>
@@ -5944,8 +5965,17 @@
           <a:p>
             <a:r>
               <a:rPr lang="en-US" dirty="0" smtClean="0"/>
-              <a:t>BaseAdapter – subclass this to make your own</a:t>
-            </a:r>
+              <a:t>BaseAdapter – subclass this to make your </a:t>
+            </a:r>
+            <a:r>
+              <a:rPr lang="en-US" dirty="0" smtClean="0"/>
+              <a:t>own </a:t>
+            </a:r>
+            <a:r>
+              <a:rPr lang="en-US" smtClean="0"/>
+              <a:t>custom adapter</a:t>
+            </a:r>
+            <a:endParaRPr lang="en-US" dirty="0" smtClean="0"/>
           </a:p>
         </p:txBody>
       </p:sp>
@@ -5962,7 +5992,7 @@
   <p:timing>
     <p:tnLst>
       <p:par>
-        <p:cTn xmlns:p14="http://schemas.microsoft.com/office/powerpoint/2010/main" id="1" dur="indefinite" restart="never" nodeType="tmRoot"/>
+        <p:cTn id="1" dur="indefinite" restart="never" nodeType="tmRoot"/>
       </p:par>
     </p:tnLst>
   </p:timing>
@@ -6061,7 +6091,7 @@
   <p:timing>
     <p:tnLst>
       <p:par>
-        <p:cTn xmlns:p14="http://schemas.microsoft.com/office/powerpoint/2010/main" id="1" dur="indefinite" restart="never" nodeType="tmRoot"/>
+        <p:cTn id="1" dur="indefinite" restart="never" nodeType="tmRoot"/>
       </p:par>
     </p:tnLst>
   </p:timing>
@@ -6181,7 +6211,7 @@
   <p:timing>
     <p:tnLst>
       <p:par>
-        <p:cTn xmlns:p14="http://schemas.microsoft.com/office/powerpoint/2010/main" id="1" dur="indefinite" restart="never" nodeType="tmRoot"/>
+        <p:cTn id="1" dur="indefinite" restart="never" nodeType="tmRoot"/>
       </p:par>
     </p:tnLst>
   </p:timing>
@@ -6251,14 +6281,14 @@
             <p:ph sz="half" idx="1"/>
             <p:extLst>
               <p:ext uri="{D42A27DB-BD31-4B8C-83A1-F6EECF244321}">
-                <p14:modId xmlns:p14="http://schemas.microsoft.com/office/powerpoint/2010/main" val="3712319773"/>
+                <p14:modId xmlns:p14="http://schemas.microsoft.com/office/powerpoint/2010/main" val="1204929804"/>
               </p:ext>
             </p:extLst>
           </p:nvPr>
         </p:nvGraphicFramePr>
         <p:xfrm>
           <a:off x="457200" y="1404470"/>
-          <a:ext cx="3811200" cy="5152683"/>
+          <a:ext cx="3811200" cy="4725964"/>
         </p:xfrm>
         <a:graphic>
           <a:graphicData uri="http://schemas.openxmlformats.org/drawingml/2006/table">
@@ -6632,15 +6662,7 @@
                       </a:r>
                       <a:r>
                         <a:rPr lang="en-US" sz="2800" baseline="0" dirty="0" smtClean="0"/>
-                        <a:t> apps, </a:t>
-                      </a:r>
-                      <a:r>
-                        <a:rPr lang="en-US" sz="2800" u="none" baseline="0" dirty="0" smtClean="0">
-                          <a:solidFill>
-                            <a:schemeClr val="tx1"/>
-                          </a:solidFill>
-                        </a:rPr>
-                        <a:t>Fragments</a:t>
+                        <a:t> apps</a:t>
                       </a:r>
                       <a:endParaRPr lang="en-US" sz="2800" u="none" dirty="0" smtClean="0">
                         <a:solidFill>
@@ -6673,14 +6695,14 @@
             <p:ph sz="half" idx="2"/>
             <p:extLst>
               <p:ext uri="{D42A27DB-BD31-4B8C-83A1-F6EECF244321}">
-                <p14:modId xmlns:p14="http://schemas.microsoft.com/office/powerpoint/2010/main" val="449334309"/>
+                <p14:modId xmlns:p14="http://schemas.microsoft.com/office/powerpoint/2010/main" val="417848756"/>
               </p:ext>
             </p:extLst>
           </p:nvPr>
         </p:nvGraphicFramePr>
         <p:xfrm>
           <a:off x="4412426" y="1404470"/>
-          <a:ext cx="4274374" cy="3866745"/>
+          <a:ext cx="4274374" cy="4725964"/>
         </p:xfrm>
         <a:graphic>
           <a:graphicData uri="http://schemas.openxmlformats.org/drawingml/2006/table">
@@ -6692,7 +6714,7 @@
                 <a:gridCol w="589196"/>
                 <a:gridCol w="3685178"/>
               </a:tblGrid>
-              <a:tr h="375862">
+              <a:tr h="388258">
                 <a:tc>
                   <a:txBody>
                     <a:bodyPr/>
@@ -6722,7 +6744,67 @@
                   <a:tcPr/>
                 </a:tc>
               </a:tr>
-              <a:tr h="957676">
+              <a:tr h="572350">
+                <a:tc>
+                  <a:txBody>
+                    <a:bodyPr/>
+                    <a:lstStyle/>
+                    <a:p>
+                      <a:r>
+                        <a:rPr lang="en-US" sz="2800" dirty="0" smtClean="0"/>
+                        <a:t>3</a:t>
+                      </a:r>
+                      <a:endParaRPr lang="en-US" sz="2800" dirty="0"/>
+                    </a:p>
+                  </a:txBody>
+                  <a:tcPr>
+                    <a:solidFill>
+                      <a:schemeClr val="accent1">
+                        <a:lumMod val="40000"/>
+                        <a:lumOff val="60000"/>
+                      </a:schemeClr>
+                    </a:solidFill>
+                  </a:tcPr>
+                </a:tc>
+                <a:tc>
+                  <a:txBody>
+                    <a:bodyPr/>
+                    <a:lstStyle/>
+                    <a:p>
+                      <a:pPr marL="0" marR="0" indent="0" algn="l" defTabSz="457200" rtl="0" eaLnBrk="1" fontAlgn="auto" latinLnBrk="0" hangingPunct="1">
+                        <a:lnSpc>
+                          <a:spcPct val="100000"/>
+                        </a:lnSpc>
+                        <a:spcBef>
+                          <a:spcPts val="0"/>
+                        </a:spcBef>
+                        <a:spcAft>
+                          <a:spcPts val="0"/>
+                        </a:spcAft>
+                        <a:buClrTx/>
+                        <a:buSzTx/>
+                        <a:buFontTx/>
+                        <a:buNone/>
+                        <a:tabLst/>
+                        <a:defRPr/>
+                      </a:pPr>
+                      <a:r>
+                        <a:rPr lang="en-US" sz="2800" dirty="0" smtClean="0"/>
+                        <a:t>Fragments</a:t>
+                      </a:r>
+                    </a:p>
+                  </a:txBody>
+                  <a:tcPr>
+                    <a:solidFill>
+                      <a:schemeClr val="accent1">
+                        <a:lumMod val="40000"/>
+                        <a:lumOff val="60000"/>
+                      </a:schemeClr>
+                    </a:solidFill>
+                  </a:tcPr>
+                </a:tc>
+              </a:tr>
+              <a:tr h="989260">
                 <a:tc>
                   <a:txBody>
                     <a:bodyPr/>
@@ -6806,7 +6888,7 @@
                   </a:tcPr>
                 </a:tc>
               </a:tr>
-              <a:tr h="525177">
+              <a:tr h="655380">
                 <a:tc>
                   <a:txBody>
                     <a:bodyPr/>
@@ -6860,7 +6942,7 @@
                   </a:tcPr>
                 </a:tc>
               </a:tr>
-              <a:tr h="525177">
+              <a:tr h="588959">
                 <a:tc>
                   <a:txBody>
                     <a:bodyPr/>
@@ -6911,7 +6993,7 @@
                   <a:tcPr/>
                 </a:tc>
               </a:tr>
-              <a:tr h="957676">
+              <a:tr h="989260">
                 <a:tc>
                   <a:txBody>
                     <a:bodyPr/>
@@ -6957,7 +7039,7 @@
                   <a:tcPr/>
                 </a:tc>
               </a:tr>
-              <a:tr h="525177">
+              <a:tr h="542497">
                 <a:tc>
                   <a:txBody>
                     <a:bodyPr/>
@@ -7020,7 +7102,7 @@
   <p:timing>
     <p:tnLst>
       <p:par>
-        <p:cTn xmlns:p14="http://schemas.microsoft.com/office/powerpoint/2010/main" id="1" dur="indefinite" restart="never" nodeType="tmRoot"/>
+        <p:cTn id="1" dur="indefinite" restart="never" nodeType="tmRoot"/>
       </p:par>
     </p:tnLst>
   </p:timing>
@@ -7224,7 +7306,7 @@
   <p:timing>
     <p:tnLst>
       <p:par>
-        <p:cTn xmlns:p14="http://schemas.microsoft.com/office/powerpoint/2010/main" id="1" dur="indefinite" restart="never" nodeType="tmRoot"/>
+        <p:cTn id="1" dur="indefinite" restart="never" nodeType="tmRoot"/>
       </p:par>
     </p:tnLst>
   </p:timing>
@@ -7351,7 +7433,7 @@
   <p:timing>
     <p:tnLst>
       <p:par>
-        <p:cTn xmlns:p14="http://schemas.microsoft.com/office/powerpoint/2010/main" id="1" dur="indefinite" restart="never" nodeType="tmRoot"/>
+        <p:cTn id="1" dur="indefinite" restart="never" nodeType="tmRoot"/>
       </p:par>
     </p:tnLst>
   </p:timing>
@@ -7494,12 +7576,12 @@
           <a:graphicData uri="http://schemas.openxmlformats.org/presentationml/2006/ole">
             <mc:AlternateContent xmlns:mc="http://schemas.openxmlformats.org/markup-compatibility/2006">
               <mc:Choice xmlns:v="urn:schemas-microsoft-com:vml" Requires="v">
-                <p:oleObj spid="_x0000_s29719" name="Document" r:id="rId3" imgW="7423428" imgH="5323366" progId="Word.Document.12">
+                <p:oleObj spid="_x0000_s29726" name="Document" r:id="rId4" imgW="7423428" imgH="5323366" progId="Word.Document.12">
                   <p:embed/>
                 </p:oleObj>
               </mc:Choice>
               <mc:Fallback>
-                <p:oleObj name="Document" r:id="rId3" imgW="7423428" imgH="5323366" progId="Word.Document.12">
+                <p:oleObj name="Document" r:id="rId4" imgW="7423428" imgH="5323366" progId="Word.Document.12">
                   <p:embed/>
                   <p:pic>
                     <p:nvPicPr>
@@ -7508,7 +7590,7 @@
                       <p:nvPr/>
                     </p:nvPicPr>
                     <p:blipFill>
-                      <a:blip r:embed="rId4"/>
+                      <a:blip r:embed="rId5"/>
                       <a:stretch>
                         <a:fillRect/>
                       </a:stretch>
@@ -7542,7 +7624,7 @@
   <p:timing>
     <p:tnLst>
       <p:par>
-        <p:cTn xmlns:p14="http://schemas.microsoft.com/office/powerpoint/2010/main" id="1" dur="indefinite" restart="never" nodeType="tmRoot"/>
+        <p:cTn id="1" dur="indefinite" restart="never" nodeType="tmRoot"/>
       </p:par>
     </p:tnLst>
   </p:timing>
@@ -7595,9 +7677,16 @@
             <p:ph type="title"/>
           </p:nvPr>
         </p:nvSpPr>
-        <p:spPr/>
-        <p:txBody>
-          <a:bodyPr/>
+        <p:spPr>
+          <a:xfrm>
+            <a:off x="457200" y="274638"/>
+            <a:ext cx="8229600" cy="672035"/>
+          </a:xfrm>
+        </p:spPr>
+        <p:txBody>
+          <a:bodyPr>
+            <a:normAutofit fontScale="90000"/>
+          </a:bodyPr>
           <a:lstStyle/>
           <a:p>
             <a:r>
@@ -7626,10 +7715,15 @@
             <p:ph idx="1"/>
           </p:nvPr>
         </p:nvSpPr>
-        <p:spPr/>
+        <p:spPr>
+          <a:xfrm>
+            <a:off x="457200" y="1245198"/>
+            <a:ext cx="8229600" cy="4736054"/>
+          </a:xfrm>
+        </p:spPr>
         <p:txBody>
           <a:bodyPr>
-            <a:normAutofit fontScale="92500" lnSpcReduction="10000"/>
+            <a:normAutofit fontScale="85000" lnSpcReduction="20000"/>
           </a:bodyPr>
           <a:lstStyle/>
           <a:p>
@@ -7668,15 +7762,7 @@
           <a:p>
             <a:r>
               <a:rPr lang="en-US" dirty="0" smtClean="0"/>
-              <a:t>Fast scroll </a:t>
-            </a:r>
-            <a:r>
-              <a:rPr lang="en-US" smtClean="0"/>
-              <a:t>and Section indexer </a:t>
-            </a:r>
-            <a:r>
-              <a:rPr lang="en-US" dirty="0" smtClean="0"/>
-              <a:t>tutorial</a:t>
+              <a:t>Fast scroll and Section indexer tutorial</a:t>
             </a:r>
           </a:p>
           <a:p>
@@ -7697,7 +7783,6 @@
               <a:rPr lang="en-US" dirty="0" smtClean="0"/>
               <a:t> </a:t>
             </a:r>
-            <a:endParaRPr lang="en-US" dirty="0" smtClean="0"/>
           </a:p>
           <a:p>
             <a:r>
@@ -7711,15 +7796,40 @@
               <a:rPr lang="en-US" dirty="0">
                 <a:hlinkClick r:id="rId4"/>
               </a:rPr>
-              <a:t>https://developer.android.com/guide/topics/ui/layout/</a:t>
+              <a:t>https://</a:t>
             </a:r>
             <a:r>
               <a:rPr lang="en-US" dirty="0" smtClean="0">
                 <a:hlinkClick r:id="rId4"/>
               </a:rPr>
-              <a:t>listview.html</a:t>
+              <a:t>developer.android.com/guide/topics/ui/layout/listview.html</a:t>
             </a:r>
             <a:endParaRPr lang="en-US" dirty="0" smtClean="0"/>
+          </a:p>
+          <a:p>
+            <a:r>
+              <a:rPr lang="en-US" dirty="0" smtClean="0"/>
+              <a:t>Android Developers: Recycler View</a:t>
+            </a:r>
+          </a:p>
+          <a:p>
+            <a:pPr lvl="1"/>
+            <a:r>
+              <a:rPr lang="en-US" dirty="0">
+                <a:hlinkClick r:id="rId5"/>
+              </a:rPr>
+              <a:t>https://</a:t>
+            </a:r>
+            <a:r>
+              <a:rPr lang="en-US" dirty="0" smtClean="0">
+                <a:hlinkClick r:id="rId5"/>
+              </a:rPr>
+              <a:t>developer.android.com/guide/topics/ui/layout/recyclerview.html</a:t>
+            </a:r>
+            <a:r>
+              <a:rPr lang="en-US" dirty="0" smtClean="0"/>
+              <a:t> </a:t>
+            </a:r>
           </a:p>
         </p:txBody>
       </p:sp>
@@ -7851,7 +7961,7 @@
   <p:timing>
     <p:tnLst>
       <p:par>
-        <p:cTn xmlns:p14="http://schemas.microsoft.com/office/powerpoint/2010/main" id="1" dur="indefinite" restart="never" nodeType="tmRoot"/>
+        <p:cTn id="1" dur="indefinite" restart="never" nodeType="tmRoot"/>
       </p:par>
     </p:tnLst>
   </p:timing>
@@ -7974,7 +8084,7 @@
   <p:timing>
     <p:tnLst>
       <p:par>
-        <p:cTn xmlns:p14="http://schemas.microsoft.com/office/powerpoint/2010/main" id="1" dur="indefinite" restart="never" nodeType="tmRoot"/>
+        <p:cTn id="1" dur="indefinite" restart="never" nodeType="tmRoot"/>
       </p:par>
     </p:tnLst>
   </p:timing>
@@ -8110,7 +8220,7 @@
   <p:timing>
     <p:tnLst>
       <p:par>
-        <p:cTn xmlns:p14="http://schemas.microsoft.com/office/powerpoint/2010/main" id="1" dur="indefinite" restart="never" nodeType="tmRoot"/>
+        <p:cTn id="1" dur="indefinite" restart="never" nodeType="tmRoot"/>
       </p:par>
     </p:tnLst>
   </p:timing>
@@ -8194,7 +8304,7 @@
           <a:p>
             <a:r>
               <a:rPr lang="en-US" dirty="0" smtClean="0"/>
-              <a:t>Can be a pre-defined from </a:t>
+              <a:t>Can be a pre-defined layout from </a:t>
             </a:r>
             <a:r>
               <a:rPr lang="en-US" i="1" dirty="0" err="1" smtClean="0"/>
@@ -8202,7 +8312,18 @@
             </a:r>
             <a:r>
               <a:rPr lang="en-US" dirty="0" smtClean="0"/>
-              <a:t>, like:</a:t>
+              <a:t>.</a:t>
+            </a:r>
+            <a:r>
+              <a:rPr lang="en-US" dirty="0"/>
+              <a:t/>
+            </a:r>
+            <a:br>
+              <a:rPr lang="en-US" dirty="0"/>
+            </a:br>
+            <a:r>
+              <a:rPr lang="en-US" dirty="0" smtClean="0"/>
+              <a:t>For example:</a:t>
             </a:r>
           </a:p>
           <a:p>
@@ -8348,7 +8469,7 @@
         </p:spPr>
         <p:txBody>
           <a:bodyPr>
-            <a:normAutofit fontScale="77500" lnSpcReduction="20000"/>
+            <a:normAutofit lnSpcReduction="10000"/>
           </a:bodyPr>
           <a:lstStyle/>
           <a:p>
@@ -8428,13 +8549,6 @@
             </a:r>
           </a:p>
           <a:p>
-            <a:pPr lvl="1"/>
-            <a:r>
-              <a:rPr lang="en-US" dirty="0" smtClean="0"/>
-              <a:t>The layout resource can be a standard row layout defined in the R.layout class, or a custom XML layout.</a:t>
-            </a:r>
-          </a:p>
-          <a:p>
             <a:r>
               <a:rPr lang="en-US" dirty="0" smtClean="0"/>
               <a:t>Binding to Data</a:t>
@@ -8443,58 +8557,33 @@
           <a:p>
             <a:pPr lvl="1"/>
             <a:r>
+              <a:rPr lang="en-US" dirty="0" smtClean="0"/>
+              <a:t>Done the same way as a </a:t>
+            </a:r>
+            <a:r>
+              <a:rPr lang="en-US" dirty="0" err="1" smtClean="0"/>
+              <a:t>ListView</a:t>
+            </a:r>
+            <a:r>
+              <a:rPr lang="en-US" dirty="0" smtClean="0"/>
+              <a:t>-- bind the </a:t>
+            </a:r>
+            <a:r>
               <a:rPr lang="en-US" dirty="0"/>
-              <a:t>bind the ListActivity's ListView object to data using a class that implements the ListAdapter </a:t>
+              <a:t>ListActivity's ListView object to </a:t>
             </a:r>
             <a:r>
               <a:rPr lang="en-US" dirty="0" smtClean="0"/>
-              <a:t>interface</a:t>
-            </a:r>
-          </a:p>
-          <a:p>
-            <a:pPr lvl="1"/>
+              <a:t>a data source </a:t>
+            </a:r>
+            <a:r>
+              <a:rPr lang="en-US" dirty="0"/>
+              <a:t>using </a:t>
+            </a:r>
             <a:r>
               <a:rPr lang="en-US" dirty="0" smtClean="0"/>
-              <a:t>Two </a:t>
-            </a:r>
-            <a:r>
-              <a:rPr lang="en-US" dirty="0"/>
-              <a:t>standard list adapters: </a:t>
-            </a:r>
-            <a:endParaRPr lang="en-US" dirty="0" smtClean="0"/>
-          </a:p>
-          <a:p>
-            <a:pPr lvl="2"/>
-            <a:r>
-              <a:rPr lang="en-US" dirty="0" smtClean="0"/>
-              <a:t>SimpleAdapter </a:t>
-            </a:r>
-            <a:r>
-              <a:rPr lang="en-US" dirty="0"/>
-              <a:t>for static data (Maps</a:t>
-            </a:r>
-            <a:r>
-              <a:rPr lang="en-US" dirty="0" smtClean="0"/>
-              <a:t>)</a:t>
-            </a:r>
-          </a:p>
-          <a:p>
-            <a:pPr lvl="2"/>
-            <a:r>
-              <a:rPr lang="en-US" dirty="0" smtClean="0"/>
-              <a:t>SimpleCursorAdapter </a:t>
-            </a:r>
-            <a:r>
-              <a:rPr lang="en-US" dirty="0"/>
-              <a:t>for Cursor query </a:t>
-            </a:r>
-            <a:r>
-              <a:rPr lang="en-US" dirty="0" smtClean="0"/>
-              <a:t>results</a:t>
-            </a:r>
-          </a:p>
-          <a:p>
-            <a:endParaRPr lang="en-US" dirty="0" smtClean="0"/>
+              <a:t>an adapter</a:t>
+            </a:r>
           </a:p>
           <a:p>
             <a:endParaRPr lang="en-US" dirty="0" smtClean="0"/>
@@ -8601,7 +8690,7 @@
   <p:timing>
     <p:tnLst>
       <p:par>
-        <p:cTn xmlns:p14="http://schemas.microsoft.com/office/powerpoint/2010/main" id="1" dur="indefinite" restart="never" nodeType="tmRoot"/>
+        <p:cTn id="1" dur="indefinite" restart="never" nodeType="tmRoot"/>
       </p:par>
     </p:tnLst>
   </p:timing>
@@ -8744,12 +8833,12 @@
           <a:graphicData uri="http://schemas.openxmlformats.org/presentationml/2006/ole">
             <mc:AlternateContent xmlns:mc="http://schemas.openxmlformats.org/markup-compatibility/2006">
               <mc:Choice xmlns:v="urn:schemas-microsoft-com:vml" Requires="v">
-                <p:oleObj spid="_x0000_s31767" name="Document" r:id="rId3" imgW="6864202" imgH="4685182" progId="Word.Document.12">
+                <p:oleObj spid="_x0000_s31774" name="Document" r:id="rId4" imgW="6864202" imgH="4685182" progId="Word.Document.12">
                   <p:embed/>
                 </p:oleObj>
               </mc:Choice>
               <mc:Fallback>
-                <p:oleObj name="Document" r:id="rId3" imgW="6864202" imgH="4685182" progId="Word.Document.12">
+                <p:oleObj name="Document" r:id="rId4" imgW="6864202" imgH="4685182" progId="Word.Document.12">
                   <p:embed/>
                   <p:pic>
                     <p:nvPicPr>
@@ -8758,7 +8847,7 @@
                       <p:nvPr/>
                     </p:nvPicPr>
                     <p:blipFill>
-                      <a:blip r:embed="rId4"/>
+                      <a:blip r:embed="rId5"/>
                       <a:stretch>
                         <a:fillRect/>
                       </a:stretch>
@@ -8792,7 +8881,7 @@
   <p:timing>
     <p:tnLst>
       <p:par>
-        <p:cTn xmlns:p14="http://schemas.microsoft.com/office/powerpoint/2010/main" id="1" dur="indefinite" restart="never" nodeType="tmRoot"/>
+        <p:cTn id="1" dur="indefinite" restart="never" nodeType="tmRoot"/>
       </p:par>
     </p:tnLst>
   </p:timing>

--- a/Notes and Slides/CIS399Wk3Day2-ListViews.pptx
+++ b/Notes and Slides/CIS399Wk3Day2-ListViews.pptx
@@ -5,7 +5,7 @@
     <p:sldMasterId id="2147483648" r:id="rId1"/>
   </p:sldMasterIdLst>
   <p:notesMasterIdLst>
-    <p:notesMasterId r:id="rId25"/>
+    <p:notesMasterId r:id="rId26"/>
   </p:notesMasterIdLst>
   <p:sldIdLst>
     <p:sldId id="269" r:id="rId2"/>
@@ -14,23 +14,24 @@
     <p:sldId id="365" r:id="rId5"/>
     <p:sldId id="367" r:id="rId6"/>
     <p:sldId id="390" r:id="rId7"/>
-    <p:sldId id="391" r:id="rId8"/>
-    <p:sldId id="371" r:id="rId9"/>
-    <p:sldId id="385" r:id="rId10"/>
+    <p:sldId id="393" r:id="rId8"/>
+    <p:sldId id="391" r:id="rId9"/>
+    <p:sldId id="371" r:id="rId10"/>
     <p:sldId id="369" r:id="rId11"/>
     <p:sldId id="363" r:id="rId12"/>
     <p:sldId id="380" r:id="rId13"/>
     <p:sldId id="388" r:id="rId14"/>
     <p:sldId id="389" r:id="rId15"/>
-    <p:sldId id="387" r:id="rId16"/>
-    <p:sldId id="376" r:id="rId17"/>
-    <p:sldId id="375" r:id="rId18"/>
-    <p:sldId id="373" r:id="rId19"/>
-    <p:sldId id="377" r:id="rId20"/>
-    <p:sldId id="378" r:id="rId21"/>
-    <p:sldId id="382" r:id="rId22"/>
-    <p:sldId id="383" r:id="rId23"/>
-    <p:sldId id="392" r:id="rId24"/>
+    <p:sldId id="376" r:id="rId16"/>
+    <p:sldId id="375" r:id="rId17"/>
+    <p:sldId id="373" r:id="rId18"/>
+    <p:sldId id="377" r:id="rId19"/>
+    <p:sldId id="378" r:id="rId20"/>
+    <p:sldId id="382" r:id="rId21"/>
+    <p:sldId id="383" r:id="rId22"/>
+    <p:sldId id="385" r:id="rId23"/>
+    <p:sldId id="387" r:id="rId24"/>
+    <p:sldId id="392" r:id="rId25"/>
   </p:sldIdLst>
   <p:sldSz cx="9144000" cy="6858000" type="screen4x3"/>
   <p:notesSz cx="6858000" cy="9144000"/>
@@ -230,7 +231,7 @@
           <a:p>
             <a:fld id="{1FC32AA1-1225-9048-80C3-2B6F58548154}" type="datetimeFigureOut">
               <a:rPr lang="en-US" smtClean="0"/>
-              <a:t>7/14/17</a:t>
+              <a:t>7/11/18</a:t>
             </a:fld>
             <a:endParaRPr lang="en-US"/>
           </a:p>
@@ -294,38 +295,37 @@
           <a:p>
             <a:pPr lvl="0"/>
             <a:r>
-              <a:rPr lang="en-US" smtClean="0"/>
+              <a:rPr lang="en-US"/>
               <a:t>Click to edit Master text styles</a:t>
             </a:r>
           </a:p>
           <a:p>
             <a:pPr lvl="1"/>
             <a:r>
-              <a:rPr lang="en-US" smtClean="0"/>
+              <a:rPr lang="en-US"/>
               <a:t>Second level</a:t>
             </a:r>
           </a:p>
           <a:p>
             <a:pPr lvl="2"/>
             <a:r>
-              <a:rPr lang="en-US" smtClean="0"/>
+              <a:rPr lang="en-US"/>
               <a:t>Third level</a:t>
             </a:r>
           </a:p>
           <a:p>
             <a:pPr lvl="3"/>
             <a:r>
-              <a:rPr lang="en-US" smtClean="0"/>
+              <a:rPr lang="en-US"/>
               <a:t>Fourth level</a:t>
             </a:r>
           </a:p>
           <a:p>
             <a:pPr lvl="4"/>
             <a:r>
-              <a:rPr lang="en-US" smtClean="0"/>
+              <a:rPr lang="en-US"/>
               <a:t>Fifth level</a:t>
             </a:r>
-            <a:endParaRPr lang="en-US"/>
           </a:p>
         </p:txBody>
       </p:sp>
@@ -543,30 +543,30 @@
           <a:lstStyle/>
           <a:p>
             <a:r>
-              <a:rPr lang="en-US" dirty="0" smtClean="0"/>
+              <a:rPr lang="en-US" dirty="0"/>
               <a:t>https://</a:t>
             </a:r>
             <a:r>
-              <a:rPr lang="en-US" dirty="0" err="1" smtClean="0"/>
+              <a:rPr lang="en-US" dirty="0" err="1"/>
               <a:t>developer.android.com</a:t>
             </a:r>
             <a:r>
-              <a:rPr lang="en-US" dirty="0" smtClean="0"/>
+              <a:rPr lang="en-US" dirty="0"/>
               <a:t>/guide/topics/</a:t>
             </a:r>
             <a:r>
-              <a:rPr lang="en-US" dirty="0" err="1" smtClean="0"/>
+              <a:rPr lang="en-US" dirty="0" err="1"/>
               <a:t>ui</a:t>
             </a:r>
             <a:r>
-              <a:rPr lang="en-US" dirty="0" smtClean="0"/>
+              <a:rPr lang="en-US" dirty="0"/>
               <a:t>/layout/</a:t>
             </a:r>
             <a:r>
-              <a:rPr lang="en-US" dirty="0" err="1" smtClean="0"/>
+              <a:rPr lang="en-US" dirty="0" err="1"/>
               <a:t>listview.html</a:t>
             </a:r>
-            <a:endParaRPr lang="en-US" dirty="0" smtClean="0"/>
+            <a:endParaRPr lang="en-US" dirty="0"/>
           </a:p>
           <a:p>
             <a:endParaRPr lang="en-US" dirty="0"/>
@@ -654,19 +654,19 @@
           <a:lstStyle/>
           <a:p>
             <a:r>
-              <a:rPr lang="en-US" dirty="0" smtClean="0"/>
+              <a:rPr lang="en-US" dirty="0"/>
               <a:t>https://</a:t>
             </a:r>
             <a:r>
-              <a:rPr lang="en-US" dirty="0" err="1" smtClean="0"/>
+              <a:rPr lang="en-US" dirty="0" err="1"/>
               <a:t>developer.android.com</a:t>
             </a:r>
             <a:r>
-              <a:rPr lang="en-US" dirty="0" smtClean="0"/>
+              <a:rPr lang="en-US" dirty="0"/>
               <a:t>/reference/android/</a:t>
             </a:r>
             <a:r>
-              <a:rPr lang="en-US" dirty="0" err="1" smtClean="0"/>
+              <a:rPr lang="en-US" dirty="0" err="1"/>
               <a:t>R.layout.html</a:t>
             </a:r>
             <a:endParaRPr lang="en-US" dirty="0"/>
@@ -754,27 +754,20 @@
           <a:lstStyle/>
           <a:p>
             <a:r>
-              <a:rPr lang="en-US" dirty="0" smtClean="0"/>
+              <a:rPr lang="en-US" dirty="0"/>
               <a:t>https://</a:t>
             </a:r>
             <a:r>
-              <a:rPr lang="en-US" dirty="0" err="1" smtClean="0"/>
+              <a:rPr lang="en-US" dirty="0" err="1"/>
               <a:t>developer.android.com</a:t>
             </a:r>
             <a:r>
-              <a:rPr lang="en-US" dirty="0" smtClean="0"/>
-              <a:t>/reference/android/app/</a:t>
-            </a:r>
-            <a:r>
-              <a:rPr lang="en-US" dirty="0" err="1" smtClean="0"/>
-              <a:t>ListActivity.html</a:t>
-            </a:r>
-            <a:endParaRPr lang="en-US" dirty="0" smtClean="0"/>
-          </a:p>
-          <a:p>
-            <a:r>
-              <a:rPr lang="en-US" dirty="0" smtClean="0"/>
-              <a:t>Note: the screen layout view and the row layout views could also be created programmatically instead of being defined in XML</a:t>
+              <a:rPr lang="en-US" dirty="0"/>
+              <a:t>/reference/android/</a:t>
+            </a:r>
+            <a:r>
+              <a:rPr lang="en-US" dirty="0" err="1"/>
+              <a:t>R.layout.html</a:t>
             </a:r>
             <a:endParaRPr lang="en-US" dirty="0"/>
           </a:p>
@@ -806,7 +799,7 @@
     </p:spTree>
     <p:extLst>
       <p:ext uri="{BB962C8B-B14F-4D97-AF65-F5344CB8AC3E}">
-        <p14:creationId xmlns:p14="http://schemas.microsoft.com/office/powerpoint/2010/main" val="3447744487"/>
+        <p14:creationId xmlns:p14="http://schemas.microsoft.com/office/powerpoint/2010/main" val="1366621953"/>
       </p:ext>
     </p:extLst>
   </p:cSld>
@@ -861,64 +854,28 @@
           <a:lstStyle/>
           <a:p>
             <a:r>
-              <a:rPr lang="en-US" dirty="0" smtClean="0"/>
-              <a:t>Reference:</a:t>
-            </a:r>
-            <a:r>
-              <a:rPr lang="en-US" baseline="0" dirty="0" smtClean="0"/>
-              <a:t> </a:t>
-            </a:r>
-            <a:r>
-              <a:rPr lang="en-US" dirty="0" smtClean="0"/>
+              <a:rPr lang="en-US" dirty="0"/>
               <a:t>https://</a:t>
             </a:r>
             <a:r>
-              <a:rPr lang="en-US" dirty="0" err="1" smtClean="0"/>
+              <a:rPr lang="en-US" dirty="0" err="1"/>
               <a:t>developer.android.com</a:t>
             </a:r>
             <a:r>
-              <a:rPr lang="en-US" dirty="0" smtClean="0"/>
-              <a:t>/reference/android/</a:t>
-            </a:r>
-            <a:r>
-              <a:rPr lang="en-US" dirty="0" err="1" smtClean="0"/>
-              <a:t>R.attr.html#fastScrollEnabled</a:t>
-            </a:r>
-            <a:endParaRPr lang="en-US" dirty="0" smtClean="0"/>
-          </a:p>
-          <a:p>
-            <a:r>
-              <a:rPr lang="en-US" dirty="0" smtClean="0"/>
-              <a:t>Tutorial:</a:t>
-            </a:r>
-            <a:r>
-              <a:rPr lang="en-US" baseline="0" dirty="0" smtClean="0"/>
-              <a:t> http://</a:t>
-            </a:r>
-            <a:r>
-              <a:rPr lang="en-US" baseline="0" dirty="0" err="1" smtClean="0"/>
-              <a:t>androidopentutorials.com</a:t>
-            </a:r>
-            <a:r>
-              <a:rPr lang="en-US" baseline="0" dirty="0" smtClean="0"/>
-              <a:t>/android-</a:t>
-            </a:r>
-            <a:r>
-              <a:rPr lang="en-US" baseline="0" dirty="0" err="1" smtClean="0"/>
-              <a:t>listview</a:t>
-            </a:r>
-            <a:r>
-              <a:rPr lang="en-US" baseline="0" dirty="0" smtClean="0"/>
-              <a:t>-</a:t>
-            </a:r>
-            <a:r>
-              <a:rPr lang="en-US" baseline="0" dirty="0" err="1" smtClean="0"/>
-              <a:t>fastscroll</a:t>
-            </a:r>
-            <a:endParaRPr lang="en-US" dirty="0" smtClean="0"/>
-          </a:p>
-          <a:p>
+              <a:rPr lang="en-US" dirty="0"/>
+              <a:t>/reference/android/app/</a:t>
+            </a:r>
+            <a:r>
+              <a:rPr lang="en-US" dirty="0" err="1"/>
+              <a:t>ListActivity.html</a:t>
+            </a:r>
             <a:endParaRPr lang="en-US" dirty="0"/>
+          </a:p>
+          <a:p>
+            <a:r>
+              <a:rPr lang="en-US" dirty="0"/>
+              <a:t>Note: the screen layout view and the row layout views could also be created programmatically instead of being defined in XML</a:t>
+            </a:r>
           </a:p>
         </p:txBody>
       </p:sp>
@@ -939,7 +896,7 @@
           <a:p>
             <a:fld id="{44EB6C7D-DFD8-944D-93E3-D07F7EBDDEA8}" type="slidenum">
               <a:rPr lang="en-US" smtClean="0"/>
-              <a:t>10</a:t>
+              <a:t>8</a:t>
             </a:fld>
             <a:endParaRPr lang="en-US"/>
           </a:p>
@@ -948,7 +905,7 @@
     </p:spTree>
     <p:extLst>
       <p:ext uri="{BB962C8B-B14F-4D97-AF65-F5344CB8AC3E}">
-        <p14:creationId xmlns:p14="http://schemas.microsoft.com/office/powerpoint/2010/main" val="720099211"/>
+        <p14:creationId xmlns:p14="http://schemas.microsoft.com/office/powerpoint/2010/main" val="3447744487"/>
       </p:ext>
     </p:extLst>
   </p:cSld>
@@ -1003,21 +960,63 @@
           <a:lstStyle/>
           <a:p>
             <a:r>
-              <a:rPr lang="en-US" dirty="0" smtClean="0"/>
+              <a:rPr lang="en-US" dirty="0"/>
+              <a:t>Reference:</a:t>
+            </a:r>
+            <a:r>
+              <a:rPr lang="en-US" baseline="0" dirty="0"/>
+              <a:t> </a:t>
+            </a:r>
+            <a:r>
+              <a:rPr lang="en-US" dirty="0"/>
               <a:t>https://</a:t>
             </a:r>
             <a:r>
-              <a:rPr lang="en-US" dirty="0" err="1" smtClean="0"/>
+              <a:rPr lang="en-US" dirty="0" err="1"/>
               <a:t>developer.android.com</a:t>
             </a:r>
             <a:r>
-              <a:rPr lang="en-US" dirty="0" smtClean="0"/>
-              <a:t>/reference/android/widget/</a:t>
-            </a:r>
-            <a:r>
-              <a:rPr lang="en-US" dirty="0" err="1" smtClean="0"/>
-              <a:t>Adapter.html</a:t>
-            </a:r>
+              <a:rPr lang="en-US" dirty="0"/>
+              <a:t>/reference/android/</a:t>
+            </a:r>
+            <a:r>
+              <a:rPr lang="en-US" dirty="0" err="1"/>
+              <a:t>R.attr.html#fastScrollEnabled</a:t>
+            </a:r>
+            <a:endParaRPr lang="en-US" dirty="0"/>
+          </a:p>
+          <a:p>
+            <a:r>
+              <a:rPr lang="en-US" dirty="0"/>
+              <a:t>Tutorial:</a:t>
+            </a:r>
+            <a:r>
+              <a:rPr lang="en-US" baseline="0" dirty="0"/>
+              <a:t> http://</a:t>
+            </a:r>
+            <a:r>
+              <a:rPr lang="en-US" baseline="0" dirty="0" err="1"/>
+              <a:t>androidopentutorials.com</a:t>
+            </a:r>
+            <a:r>
+              <a:rPr lang="en-US" baseline="0" dirty="0"/>
+              <a:t>/android-</a:t>
+            </a:r>
+            <a:r>
+              <a:rPr lang="en-US" baseline="0" dirty="0" err="1"/>
+              <a:t>listview</a:t>
+            </a:r>
+            <a:r>
+              <a:rPr lang="en-US" baseline="0" dirty="0"/>
+              <a:t>-</a:t>
+            </a:r>
+            <a:r>
+              <a:rPr lang="en-US" baseline="0" dirty="0" err="1"/>
+              <a:t>fastscroll</a:t>
+            </a:r>
+            <a:endParaRPr lang="en-US" dirty="0"/>
+          </a:p>
+          <a:p>
             <a:endParaRPr lang="en-US" dirty="0"/>
           </a:p>
         </p:txBody>
@@ -1039,7 +1038,7 @@
           <a:p>
             <a:fld id="{44EB6C7D-DFD8-944D-93E3-D07F7EBDDEA8}" type="slidenum">
               <a:rPr lang="en-US" smtClean="0"/>
-              <a:t>16</a:t>
+              <a:t>10</a:t>
             </a:fld>
             <a:endParaRPr lang="en-US"/>
           </a:p>
@@ -1048,7 +1047,7 @@
     </p:spTree>
     <p:extLst>
       <p:ext uri="{BB962C8B-B14F-4D97-AF65-F5344CB8AC3E}">
-        <p14:creationId xmlns:p14="http://schemas.microsoft.com/office/powerpoint/2010/main" val="3954382307"/>
+        <p14:creationId xmlns:p14="http://schemas.microsoft.com/office/powerpoint/2010/main" val="720099211"/>
       </p:ext>
     </p:extLst>
   </p:cSld>
@@ -1103,49 +1102,20 @@
           <a:lstStyle/>
           <a:p>
             <a:r>
-              <a:rPr lang="en-US" dirty="0" smtClean="0"/>
-              <a:t>Doesn’t show SimpleAdapter, but SimpleAdapter</a:t>
-            </a:r>
-            <a:r>
-              <a:rPr lang="en-US" baseline="0" dirty="0" smtClean="0"/>
-              <a:t> extends </a:t>
-            </a:r>
-            <a:r>
-              <a:rPr lang="en-US" baseline="0" dirty="0" err="1" smtClean="0"/>
-              <a:t>BaseAdapter</a:t>
-            </a:r>
-            <a:r>
-              <a:rPr lang="en-US" baseline="0" dirty="0" smtClean="0"/>
-              <a:t> and should be shown here.</a:t>
-            </a:r>
-          </a:p>
-          <a:p>
-            <a:r>
-              <a:rPr lang="en-US" baseline="0" dirty="0" smtClean="0"/>
-              <a:t>The Java version’s indexer is named without the I, just </a:t>
-            </a:r>
-            <a:r>
-              <a:rPr lang="en-US" baseline="0" dirty="0" err="1" smtClean="0"/>
-              <a:t>SectionIndexer</a:t>
-            </a:r>
-            <a:endParaRPr lang="en-US" baseline="0" dirty="0" smtClean="0"/>
-          </a:p>
-          <a:p>
-            <a:r>
-              <a:rPr lang="en-US" dirty="0" smtClean="0"/>
+              <a:rPr lang="en-US" dirty="0"/>
               <a:t>https://</a:t>
             </a:r>
             <a:r>
-              <a:rPr lang="en-US" dirty="0" err="1" smtClean="0"/>
+              <a:rPr lang="en-US" dirty="0" err="1"/>
               <a:t>developer.android.com</a:t>
             </a:r>
             <a:r>
-              <a:rPr lang="en-US" dirty="0" smtClean="0"/>
+              <a:rPr lang="en-US" dirty="0"/>
               <a:t>/reference/android/widget/</a:t>
             </a:r>
             <a:r>
-              <a:rPr lang="en-US" dirty="0" err="1" smtClean="0"/>
-              <a:t>SectionIndexer.html</a:t>
+              <a:rPr lang="en-US" dirty="0" err="1"/>
+              <a:t>Adapter.html</a:t>
             </a:r>
             <a:endParaRPr lang="en-US" dirty="0"/>
           </a:p>
@@ -1168,7 +1138,7 @@
           <a:p>
             <a:fld id="{44EB6C7D-DFD8-944D-93E3-D07F7EBDDEA8}" type="slidenum">
               <a:rPr lang="en-US" smtClean="0"/>
-              <a:t>18</a:t>
+              <a:t>15</a:t>
             </a:fld>
             <a:endParaRPr lang="en-US"/>
           </a:p>
@@ -1177,7 +1147,7 @@
     </p:spTree>
     <p:extLst>
       <p:ext uri="{BB962C8B-B14F-4D97-AF65-F5344CB8AC3E}">
-        <p14:creationId xmlns:p14="http://schemas.microsoft.com/office/powerpoint/2010/main" val="2669591674"/>
+        <p14:creationId xmlns:p14="http://schemas.microsoft.com/office/powerpoint/2010/main" val="3954382307"/>
       </p:ext>
     </p:extLst>
   </p:cSld>
@@ -1232,31 +1202,49 @@
           <a:lstStyle/>
           <a:p>
             <a:r>
-              <a:rPr lang="en-US" dirty="0" smtClean="0"/>
-              <a:t>Android Developers API</a:t>
-            </a:r>
-            <a:r>
-              <a:rPr lang="en-US" baseline="0" dirty="0" smtClean="0"/>
-              <a:t> documentation:</a:t>
-            </a:r>
-            <a:br>
-              <a:rPr lang="en-US" baseline="0" dirty="0" smtClean="0"/>
-            </a:br>
-            <a:r>
-              <a:rPr lang="en-US" dirty="0" smtClean="0"/>
+              <a:rPr lang="en-US" dirty="0"/>
+              <a:t>Doesn’t show SimpleAdapter, but SimpleAdapter</a:t>
+            </a:r>
+            <a:r>
+              <a:rPr lang="en-US" baseline="0" dirty="0"/>
+              <a:t> extends </a:t>
+            </a:r>
+            <a:r>
+              <a:rPr lang="en-US" baseline="0" dirty="0" err="1"/>
+              <a:t>BaseAdapter</a:t>
+            </a:r>
+            <a:r>
+              <a:rPr lang="en-US" baseline="0" dirty="0"/>
+              <a:t> and should be shown here.</a:t>
+            </a:r>
+          </a:p>
+          <a:p>
+            <a:r>
+              <a:rPr lang="en-US" baseline="0" dirty="0"/>
+              <a:t>The Java version’s indexer is named without the I, just </a:t>
+            </a:r>
+            <a:r>
+              <a:rPr lang="en-US" baseline="0" dirty="0" err="1"/>
+              <a:t>SectionIndexer</a:t>
+            </a:r>
+            <a:endParaRPr lang="en-US" baseline="0" dirty="0"/>
+          </a:p>
+          <a:p>
+            <a:r>
+              <a:rPr lang="en-US" dirty="0"/>
               <a:t>https://</a:t>
             </a:r>
             <a:r>
-              <a:rPr lang="en-US" dirty="0" err="1" smtClean="0"/>
+              <a:rPr lang="en-US" dirty="0" err="1"/>
               <a:t>developer.android.com</a:t>
             </a:r>
             <a:r>
-              <a:rPr lang="en-US" dirty="0" smtClean="0"/>
+              <a:rPr lang="en-US" dirty="0"/>
               <a:t>/reference/android/widget/</a:t>
             </a:r>
             <a:r>
-              <a:rPr lang="en-US" dirty="0" err="1" smtClean="0"/>
-              <a:t>SimpleAdapter.html</a:t>
+              <a:rPr lang="en-US" dirty="0" err="1"/>
+              <a:t>SectionIndexer.html</a:t>
             </a:r>
             <a:endParaRPr lang="en-US" dirty="0"/>
           </a:p>
@@ -1277,9 +1265,9 @@
           <a:bodyPr/>
           <a:lstStyle/>
           <a:p>
-            <a:fld id="{E94675F0-C2CB-0246-91F1-0967C899A5BC}" type="slidenum">
+            <a:fld id="{44EB6C7D-DFD8-944D-93E3-D07F7EBDDEA8}" type="slidenum">
               <a:rPr lang="en-US" smtClean="0"/>
-              <a:t>19</a:t>
+              <a:t>17</a:t>
             </a:fld>
             <a:endParaRPr lang="en-US"/>
           </a:p>
@@ -1288,7 +1276,7 @@
     </p:spTree>
     <p:extLst>
       <p:ext uri="{BB962C8B-B14F-4D97-AF65-F5344CB8AC3E}">
-        <p14:creationId xmlns:p14="http://schemas.microsoft.com/office/powerpoint/2010/main" val="786882825"/>
+        <p14:creationId xmlns:p14="http://schemas.microsoft.com/office/powerpoint/2010/main" val="2669591674"/>
       </p:ext>
     </p:extLst>
   </p:cSld>
@@ -1343,66 +1331,176 @@
           <a:lstStyle/>
           <a:p>
             <a:r>
-              <a:rPr lang="en-US" dirty="0" smtClean="0"/>
+              <a:rPr lang="en-US" dirty="0"/>
+              <a:t>Android Developers API</a:t>
+            </a:r>
+            <a:r>
+              <a:rPr lang="en-US" baseline="0" dirty="0"/>
+              <a:t> documentation:</a:t>
+            </a:r>
+            <a:br>
+              <a:rPr lang="en-US" baseline="0" dirty="0"/>
+            </a:br>
+            <a:r>
+              <a:rPr lang="en-US" dirty="0"/>
               <a:t>https://</a:t>
             </a:r>
             <a:r>
-              <a:rPr lang="en-US" dirty="0" err="1" smtClean="0"/>
+              <a:rPr lang="en-US" dirty="0" err="1"/>
               <a:t>developer.android.com</a:t>
             </a:r>
             <a:r>
-              <a:rPr lang="en-US" dirty="0" smtClean="0"/>
+              <a:rPr lang="en-US" dirty="0"/>
               <a:t>/reference/android/widget/</a:t>
             </a:r>
             <a:r>
-              <a:rPr lang="en-US" dirty="0" err="1" smtClean="0"/>
+              <a:rPr lang="en-US" dirty="0" err="1"/>
+              <a:t>SimpleAdapter.html</a:t>
+            </a:r>
+            <a:endParaRPr lang="en-US" dirty="0"/>
+          </a:p>
+        </p:txBody>
+      </p:sp>
+      <p:sp>
+        <p:nvSpPr>
+          <p:cNvPr id="4" name="Slide Number Placeholder 3"/>
+          <p:cNvSpPr>
+            <a:spLocks noGrp="1"/>
+          </p:cNvSpPr>
+          <p:nvPr>
+            <p:ph type="sldNum" sz="quarter" idx="10"/>
+          </p:nvPr>
+        </p:nvSpPr>
+        <p:spPr/>
+        <p:txBody>
+          <a:bodyPr/>
+          <a:lstStyle/>
+          <a:p>
+            <a:fld id="{E94675F0-C2CB-0246-91F1-0967C899A5BC}" type="slidenum">
+              <a:rPr lang="en-US" smtClean="0"/>
+              <a:t>18</a:t>
+            </a:fld>
+            <a:endParaRPr lang="en-US"/>
+          </a:p>
+        </p:txBody>
+      </p:sp>
+    </p:spTree>
+    <p:extLst>
+      <p:ext uri="{BB962C8B-B14F-4D97-AF65-F5344CB8AC3E}">
+        <p14:creationId xmlns:p14="http://schemas.microsoft.com/office/powerpoint/2010/main" val="786882825"/>
+      </p:ext>
+    </p:extLst>
+  </p:cSld>
+  <p:clrMapOvr>
+    <a:masterClrMapping/>
+  </p:clrMapOvr>
+</p:notes>
+</file>
+
+<file path=ppt/notesSlides/notesSlide9.xml><?xml version="1.0" encoding="utf-8"?>
+<p:notes xmlns:a="http://schemas.openxmlformats.org/drawingml/2006/main" xmlns:r="http://schemas.openxmlformats.org/officeDocument/2006/relationships" xmlns:p="http://schemas.openxmlformats.org/presentationml/2006/main">
+  <p:cSld>
+    <p:spTree>
+      <p:nvGrpSpPr>
+        <p:cNvPr id="1" name=""/>
+        <p:cNvGrpSpPr/>
+        <p:nvPr/>
+      </p:nvGrpSpPr>
+      <p:grpSpPr>
+        <a:xfrm>
+          <a:off x="0" y="0"/>
+          <a:ext cx="0" cy="0"/>
+          <a:chOff x="0" y="0"/>
+          <a:chExt cx="0" cy="0"/>
+        </a:xfrm>
+      </p:grpSpPr>
+      <p:sp>
+        <p:nvSpPr>
+          <p:cNvPr id="2" name="Slide Image Placeholder 1"/>
+          <p:cNvSpPr>
+            <a:spLocks noGrp="1" noRot="1" noChangeAspect="1"/>
+          </p:cNvSpPr>
+          <p:nvPr>
+            <p:ph type="sldImg"/>
+          </p:nvPr>
+        </p:nvSpPr>
+        <p:spPr/>
+      </p:sp>
+      <p:sp>
+        <p:nvSpPr>
+          <p:cNvPr id="3" name="Notes Placeholder 2"/>
+          <p:cNvSpPr>
+            <a:spLocks noGrp="1"/>
+          </p:cNvSpPr>
+          <p:nvPr>
+            <p:ph type="body" idx="1"/>
+          </p:nvPr>
+        </p:nvSpPr>
+        <p:spPr/>
+        <p:txBody>
+          <a:bodyPr/>
+          <a:lstStyle/>
+          <a:p>
+            <a:r>
+              <a:rPr lang="en-US" dirty="0"/>
+              <a:t>https://</a:t>
+            </a:r>
+            <a:r>
+              <a:rPr lang="en-US" dirty="0" err="1"/>
+              <a:t>developer.android.com</a:t>
+            </a:r>
+            <a:r>
+              <a:rPr lang="en-US" dirty="0"/>
+              <a:t>/reference/android/widget/</a:t>
+            </a:r>
+            <a:r>
+              <a:rPr lang="en-US" dirty="0" err="1"/>
               <a:t>SimpleAdapter.html#SimpleAdapter</a:t>
             </a:r>
             <a:r>
-              <a:rPr lang="en-US" dirty="0" smtClean="0"/>
+              <a:rPr lang="en-US" dirty="0"/>
               <a:t>(</a:t>
             </a:r>
             <a:r>
-              <a:rPr lang="en-US" dirty="0" err="1" smtClean="0"/>
+              <a:rPr lang="en-US" dirty="0" err="1"/>
               <a:t>android.content.Context</a:t>
             </a:r>
             <a:r>
-              <a:rPr lang="en-US" dirty="0" smtClean="0"/>
+              <a:rPr lang="en-US" dirty="0"/>
               <a:t>, </a:t>
             </a:r>
             <a:r>
-              <a:rPr lang="en-US" dirty="0" err="1" smtClean="0"/>
+              <a:rPr lang="en-US" dirty="0" err="1"/>
               <a:t>java.util.List</a:t>
             </a:r>
             <a:r>
-              <a:rPr lang="en-US" dirty="0" smtClean="0"/>
+              <a:rPr lang="en-US" dirty="0"/>
               <a:t>&lt;? extends </a:t>
             </a:r>
             <a:r>
-              <a:rPr lang="en-US" dirty="0" err="1" smtClean="0"/>
+              <a:rPr lang="en-US" dirty="0" err="1"/>
               <a:t>java.util.Map</a:t>
             </a:r>
             <a:r>
-              <a:rPr lang="en-US" dirty="0" smtClean="0"/>
+              <a:rPr lang="en-US" dirty="0"/>
               <a:t>&lt;</a:t>
             </a:r>
             <a:r>
-              <a:rPr lang="en-US" dirty="0" err="1" smtClean="0"/>
+              <a:rPr lang="en-US" dirty="0" err="1"/>
               <a:t>java.lang.String</a:t>
             </a:r>
             <a:r>
-              <a:rPr lang="en-US" dirty="0" smtClean="0"/>
+              <a:rPr lang="en-US" dirty="0"/>
               <a:t>, ?&gt;&gt;, int, </a:t>
             </a:r>
             <a:r>
-              <a:rPr lang="en-US" dirty="0" err="1" smtClean="0"/>
+              <a:rPr lang="en-US" dirty="0" err="1"/>
               <a:t>java.lang.String</a:t>
             </a:r>
             <a:r>
-              <a:rPr lang="en-US" dirty="0" smtClean="0"/>
+              <a:rPr lang="en-US" dirty="0"/>
               <a:t>[], int[])</a:t>
             </a:r>
-            <a:endParaRPr lang="en-US" dirty="0"/>
           </a:p>
         </p:txBody>
       </p:sp>
@@ -1423,7 +1521,7 @@
           <a:p>
             <a:fld id="{44EB6C7D-DFD8-944D-93E3-D07F7EBDDEA8}" type="slidenum">
               <a:rPr lang="en-US" smtClean="0"/>
-              <a:t>20</a:t>
+              <a:t>19</a:t>
             </a:fld>
             <a:endParaRPr lang="en-US"/>
           </a:p>
@@ -1480,10 +1578,9 @@
           <a:lstStyle/>
           <a:p>
             <a:r>
-              <a:rPr lang="en-US" smtClean="0"/>
+              <a:rPr lang="en-US"/>
               <a:t>Click to edit Master title style</a:t>
             </a:r>
-            <a:endParaRPr lang="en-US"/>
           </a:p>
         </p:txBody>
       </p:sp>
@@ -1599,10 +1696,9 @@
           </a:lstStyle>
           <a:p>
             <a:r>
-              <a:rPr lang="en-US" smtClean="0"/>
+              <a:rPr lang="en-US"/>
               <a:t>Click to edit Master subtitle style</a:t>
             </a:r>
-            <a:endParaRPr lang="en-US"/>
           </a:p>
         </p:txBody>
       </p:sp>
@@ -1623,7 +1719,7 @@
           <a:p>
             <a:fld id="{12110144-19AD-4D4E-902D-E18AF93089D3}" type="datetimeFigureOut">
               <a:rPr lang="en-US" smtClean="0"/>
-              <a:t>7/14/17</a:t>
+              <a:t>7/11/18</a:t>
             </a:fld>
             <a:endParaRPr lang="en-US"/>
           </a:p>
@@ -1717,10 +1813,9 @@
           <a:lstStyle/>
           <a:p>
             <a:r>
-              <a:rPr lang="en-US" smtClean="0"/>
+              <a:rPr lang="en-US"/>
               <a:t>Click to edit Master title style</a:t>
             </a:r>
-            <a:endParaRPr lang="en-US"/>
           </a:p>
         </p:txBody>
       </p:sp>
@@ -1741,38 +1836,37 @@
           <a:p>
             <a:pPr lvl="0"/>
             <a:r>
-              <a:rPr lang="en-US" smtClean="0"/>
+              <a:rPr lang="en-US"/>
               <a:t>Click to edit Master text styles</a:t>
             </a:r>
           </a:p>
           <a:p>
             <a:pPr lvl="1"/>
             <a:r>
-              <a:rPr lang="en-US" smtClean="0"/>
+              <a:rPr lang="en-US"/>
               <a:t>Second level</a:t>
             </a:r>
           </a:p>
           <a:p>
             <a:pPr lvl="2"/>
             <a:r>
-              <a:rPr lang="en-US" smtClean="0"/>
+              <a:rPr lang="en-US"/>
               <a:t>Third level</a:t>
             </a:r>
           </a:p>
           <a:p>
             <a:pPr lvl="3"/>
             <a:r>
-              <a:rPr lang="en-US" smtClean="0"/>
+              <a:rPr lang="en-US"/>
               <a:t>Fourth level</a:t>
             </a:r>
           </a:p>
           <a:p>
             <a:pPr lvl="4"/>
             <a:r>
-              <a:rPr lang="en-US" smtClean="0"/>
+              <a:rPr lang="en-US"/>
               <a:t>Fifth level</a:t>
             </a:r>
-            <a:endParaRPr lang="en-US"/>
           </a:p>
         </p:txBody>
       </p:sp>
@@ -1793,7 +1887,7 @@
           <a:p>
             <a:fld id="{12110144-19AD-4D4E-902D-E18AF93089D3}" type="datetimeFigureOut">
               <a:rPr lang="en-US" smtClean="0"/>
-              <a:t>7/14/17</a:t>
+              <a:t>7/11/18</a:t>
             </a:fld>
             <a:endParaRPr lang="en-US"/>
           </a:p>
@@ -1892,10 +1986,9 @@
           <a:lstStyle/>
           <a:p>
             <a:r>
-              <a:rPr lang="en-US" smtClean="0"/>
+              <a:rPr lang="en-US"/>
               <a:t>Click to edit Master title style</a:t>
             </a:r>
-            <a:endParaRPr lang="en-US"/>
           </a:p>
         </p:txBody>
       </p:sp>
@@ -1921,38 +2014,37 @@
           <a:p>
             <a:pPr lvl="0"/>
             <a:r>
-              <a:rPr lang="en-US" smtClean="0"/>
+              <a:rPr lang="en-US"/>
               <a:t>Click to edit Master text styles</a:t>
             </a:r>
           </a:p>
           <a:p>
             <a:pPr lvl="1"/>
             <a:r>
-              <a:rPr lang="en-US" smtClean="0"/>
+              <a:rPr lang="en-US"/>
               <a:t>Second level</a:t>
             </a:r>
           </a:p>
           <a:p>
             <a:pPr lvl="2"/>
             <a:r>
-              <a:rPr lang="en-US" smtClean="0"/>
+              <a:rPr lang="en-US"/>
               <a:t>Third level</a:t>
             </a:r>
           </a:p>
           <a:p>
             <a:pPr lvl="3"/>
             <a:r>
-              <a:rPr lang="en-US" smtClean="0"/>
+              <a:rPr lang="en-US"/>
               <a:t>Fourth level</a:t>
             </a:r>
           </a:p>
           <a:p>
             <a:pPr lvl="4"/>
             <a:r>
-              <a:rPr lang="en-US" smtClean="0"/>
+              <a:rPr lang="en-US"/>
               <a:t>Fifth level</a:t>
             </a:r>
-            <a:endParaRPr lang="en-US"/>
           </a:p>
         </p:txBody>
       </p:sp>
@@ -1973,7 +2065,7 @@
           <a:p>
             <a:fld id="{12110144-19AD-4D4E-902D-E18AF93089D3}" type="datetimeFigureOut">
               <a:rPr lang="en-US" smtClean="0"/>
-              <a:t>7/14/17</a:t>
+              <a:t>7/11/18</a:t>
             </a:fld>
             <a:endParaRPr lang="en-US"/>
           </a:p>
@@ -2067,10 +2159,9 @@
           <a:lstStyle/>
           <a:p>
             <a:r>
-              <a:rPr lang="en-US" smtClean="0"/>
+              <a:rPr lang="en-US"/>
               <a:t>Click to edit Master title style</a:t>
             </a:r>
-            <a:endParaRPr lang="en-US"/>
           </a:p>
         </p:txBody>
       </p:sp>
@@ -2091,38 +2182,37 @@
           <a:p>
             <a:pPr lvl="0"/>
             <a:r>
-              <a:rPr lang="en-US" smtClean="0"/>
+              <a:rPr lang="en-US"/>
               <a:t>Click to edit Master text styles</a:t>
             </a:r>
           </a:p>
           <a:p>
             <a:pPr lvl="1"/>
             <a:r>
-              <a:rPr lang="en-US" smtClean="0"/>
+              <a:rPr lang="en-US"/>
               <a:t>Second level</a:t>
             </a:r>
           </a:p>
           <a:p>
             <a:pPr lvl="2"/>
             <a:r>
-              <a:rPr lang="en-US" smtClean="0"/>
+              <a:rPr lang="en-US"/>
               <a:t>Third level</a:t>
             </a:r>
           </a:p>
           <a:p>
             <a:pPr lvl="3"/>
             <a:r>
-              <a:rPr lang="en-US" smtClean="0"/>
+              <a:rPr lang="en-US"/>
               <a:t>Fourth level</a:t>
             </a:r>
           </a:p>
           <a:p>
             <a:pPr lvl="4"/>
             <a:r>
-              <a:rPr lang="en-US" smtClean="0"/>
+              <a:rPr lang="en-US"/>
               <a:t>Fifth level</a:t>
             </a:r>
-            <a:endParaRPr lang="en-US"/>
           </a:p>
         </p:txBody>
       </p:sp>
@@ -2143,7 +2233,7 @@
           <a:p>
             <a:fld id="{12110144-19AD-4D4E-902D-E18AF93089D3}" type="datetimeFigureOut">
               <a:rPr lang="en-US" smtClean="0"/>
-              <a:t>7/14/17</a:t>
+              <a:t>7/11/18</a:t>
             </a:fld>
             <a:endParaRPr lang="en-US"/>
           </a:p>
@@ -2246,10 +2336,9 @@
           </a:lstStyle>
           <a:p>
             <a:r>
-              <a:rPr lang="en-US" smtClean="0"/>
+              <a:rPr lang="en-US"/>
               <a:t>Click to edit Master title style</a:t>
             </a:r>
-            <a:endParaRPr lang="en-US"/>
           </a:p>
         </p:txBody>
       </p:sp>
@@ -2366,7 +2455,7 @@
           <a:p>
             <a:pPr lvl="0"/>
             <a:r>
-              <a:rPr lang="en-US" smtClean="0"/>
+              <a:rPr lang="en-US"/>
               <a:t>Click to edit Master text styles</a:t>
             </a:r>
           </a:p>
@@ -2389,7 +2478,7 @@
           <a:p>
             <a:fld id="{12110144-19AD-4D4E-902D-E18AF93089D3}" type="datetimeFigureOut">
               <a:rPr lang="en-US" smtClean="0"/>
-              <a:t>7/14/17</a:t>
+              <a:t>7/11/18</a:t>
             </a:fld>
             <a:endParaRPr lang="en-US"/>
           </a:p>
@@ -2483,10 +2572,9 @@
           <a:lstStyle/>
           <a:p>
             <a:r>
-              <a:rPr lang="en-US" smtClean="0"/>
+              <a:rPr lang="en-US"/>
               <a:t>Click to edit Master title style</a:t>
             </a:r>
-            <a:endParaRPr lang="en-US"/>
           </a:p>
         </p:txBody>
       </p:sp>
@@ -2540,38 +2628,37 @@
           <a:p>
             <a:pPr lvl="0"/>
             <a:r>
-              <a:rPr lang="en-US" smtClean="0"/>
+              <a:rPr lang="en-US"/>
               <a:t>Click to edit Master text styles</a:t>
             </a:r>
           </a:p>
           <a:p>
             <a:pPr lvl="1"/>
             <a:r>
-              <a:rPr lang="en-US" smtClean="0"/>
+              <a:rPr lang="en-US"/>
               <a:t>Second level</a:t>
             </a:r>
           </a:p>
           <a:p>
             <a:pPr lvl="2"/>
             <a:r>
-              <a:rPr lang="en-US" smtClean="0"/>
+              <a:rPr lang="en-US"/>
               <a:t>Third level</a:t>
             </a:r>
           </a:p>
           <a:p>
             <a:pPr lvl="3"/>
             <a:r>
-              <a:rPr lang="en-US" smtClean="0"/>
+              <a:rPr lang="en-US"/>
               <a:t>Fourth level</a:t>
             </a:r>
           </a:p>
           <a:p>
             <a:pPr lvl="4"/>
             <a:r>
-              <a:rPr lang="en-US" smtClean="0"/>
+              <a:rPr lang="en-US"/>
               <a:t>Fifth level</a:t>
             </a:r>
-            <a:endParaRPr lang="en-US"/>
           </a:p>
         </p:txBody>
       </p:sp>
@@ -2625,38 +2712,37 @@
           <a:p>
             <a:pPr lvl="0"/>
             <a:r>
-              <a:rPr lang="en-US" smtClean="0"/>
+              <a:rPr lang="en-US"/>
               <a:t>Click to edit Master text styles</a:t>
             </a:r>
           </a:p>
           <a:p>
             <a:pPr lvl="1"/>
             <a:r>
-              <a:rPr lang="en-US" smtClean="0"/>
+              <a:rPr lang="en-US"/>
               <a:t>Second level</a:t>
             </a:r>
           </a:p>
           <a:p>
             <a:pPr lvl="2"/>
             <a:r>
-              <a:rPr lang="en-US" smtClean="0"/>
+              <a:rPr lang="en-US"/>
               <a:t>Third level</a:t>
             </a:r>
           </a:p>
           <a:p>
             <a:pPr lvl="3"/>
             <a:r>
-              <a:rPr lang="en-US" smtClean="0"/>
+              <a:rPr lang="en-US"/>
               <a:t>Fourth level</a:t>
             </a:r>
           </a:p>
           <a:p>
             <a:pPr lvl="4"/>
             <a:r>
-              <a:rPr lang="en-US" smtClean="0"/>
+              <a:rPr lang="en-US"/>
               <a:t>Fifth level</a:t>
             </a:r>
-            <a:endParaRPr lang="en-US"/>
           </a:p>
         </p:txBody>
       </p:sp>
@@ -2677,7 +2763,7 @@
           <a:p>
             <a:fld id="{12110144-19AD-4D4E-902D-E18AF93089D3}" type="datetimeFigureOut">
               <a:rPr lang="en-US" smtClean="0"/>
-              <a:t>7/14/17</a:t>
+              <a:t>7/11/18</a:t>
             </a:fld>
             <a:endParaRPr lang="en-US"/>
           </a:p>
@@ -2775,10 +2861,9 @@
           </a:lstStyle>
           <a:p>
             <a:r>
-              <a:rPr lang="en-US" smtClean="0"/>
+              <a:rPr lang="en-US"/>
               <a:t>Click to edit Master title style</a:t>
             </a:r>
-            <a:endParaRPr lang="en-US"/>
           </a:p>
         </p:txBody>
       </p:sp>
@@ -2841,7 +2926,7 @@
           <a:p>
             <a:pPr lvl="0"/>
             <a:r>
-              <a:rPr lang="en-US" smtClean="0"/>
+              <a:rPr lang="en-US"/>
               <a:t>Click to edit Master text styles</a:t>
             </a:r>
           </a:p>
@@ -2897,38 +2982,37 @@
           <a:p>
             <a:pPr lvl="0"/>
             <a:r>
-              <a:rPr lang="en-US" smtClean="0"/>
+              <a:rPr lang="en-US"/>
               <a:t>Click to edit Master text styles</a:t>
             </a:r>
           </a:p>
           <a:p>
             <a:pPr lvl="1"/>
             <a:r>
-              <a:rPr lang="en-US" smtClean="0"/>
+              <a:rPr lang="en-US"/>
               <a:t>Second level</a:t>
             </a:r>
           </a:p>
           <a:p>
             <a:pPr lvl="2"/>
             <a:r>
-              <a:rPr lang="en-US" smtClean="0"/>
+              <a:rPr lang="en-US"/>
               <a:t>Third level</a:t>
             </a:r>
           </a:p>
           <a:p>
             <a:pPr lvl="3"/>
             <a:r>
-              <a:rPr lang="en-US" smtClean="0"/>
+              <a:rPr lang="en-US"/>
               <a:t>Fourth level</a:t>
             </a:r>
           </a:p>
           <a:p>
             <a:pPr lvl="4"/>
             <a:r>
-              <a:rPr lang="en-US" smtClean="0"/>
+              <a:rPr lang="en-US"/>
               <a:t>Fifth level</a:t>
             </a:r>
-            <a:endParaRPr lang="en-US"/>
           </a:p>
         </p:txBody>
       </p:sp>
@@ -2991,7 +3075,7 @@
           <a:p>
             <a:pPr lvl="0"/>
             <a:r>
-              <a:rPr lang="en-US" smtClean="0"/>
+              <a:rPr lang="en-US"/>
               <a:t>Click to edit Master text styles</a:t>
             </a:r>
           </a:p>
@@ -3047,38 +3131,37 @@
           <a:p>
             <a:pPr lvl="0"/>
             <a:r>
-              <a:rPr lang="en-US" smtClean="0"/>
+              <a:rPr lang="en-US"/>
               <a:t>Click to edit Master text styles</a:t>
             </a:r>
           </a:p>
           <a:p>
             <a:pPr lvl="1"/>
             <a:r>
-              <a:rPr lang="en-US" smtClean="0"/>
+              <a:rPr lang="en-US"/>
               <a:t>Second level</a:t>
             </a:r>
           </a:p>
           <a:p>
             <a:pPr lvl="2"/>
             <a:r>
-              <a:rPr lang="en-US" smtClean="0"/>
+              <a:rPr lang="en-US"/>
               <a:t>Third level</a:t>
             </a:r>
           </a:p>
           <a:p>
             <a:pPr lvl="3"/>
             <a:r>
-              <a:rPr lang="en-US" smtClean="0"/>
+              <a:rPr lang="en-US"/>
               <a:t>Fourth level</a:t>
             </a:r>
           </a:p>
           <a:p>
             <a:pPr lvl="4"/>
             <a:r>
-              <a:rPr lang="en-US" smtClean="0"/>
+              <a:rPr lang="en-US"/>
               <a:t>Fifth level</a:t>
             </a:r>
-            <a:endParaRPr lang="en-US"/>
           </a:p>
         </p:txBody>
       </p:sp>
@@ -3099,7 +3182,7 @@
           <a:p>
             <a:fld id="{12110144-19AD-4D4E-902D-E18AF93089D3}" type="datetimeFigureOut">
               <a:rPr lang="en-US" smtClean="0"/>
-              <a:t>7/14/17</a:t>
+              <a:t>7/11/18</a:t>
             </a:fld>
             <a:endParaRPr lang="en-US"/>
           </a:p>
@@ -3193,10 +3276,9 @@
           <a:lstStyle/>
           <a:p>
             <a:r>
-              <a:rPr lang="en-US" smtClean="0"/>
+              <a:rPr lang="en-US"/>
               <a:t>Click to edit Master title style</a:t>
             </a:r>
-            <a:endParaRPr lang="en-US"/>
           </a:p>
         </p:txBody>
       </p:sp>
@@ -3217,7 +3299,7 @@
           <a:p>
             <a:fld id="{12110144-19AD-4D4E-902D-E18AF93089D3}" type="datetimeFigureOut">
               <a:rPr lang="en-US" smtClean="0"/>
-              <a:t>7/14/17</a:t>
+              <a:t>7/11/18</a:t>
             </a:fld>
             <a:endParaRPr lang="en-US"/>
           </a:p>
@@ -3312,7 +3394,7 @@
           <a:p>
             <a:fld id="{12110144-19AD-4D4E-902D-E18AF93089D3}" type="datetimeFigureOut">
               <a:rPr lang="en-US" smtClean="0"/>
-              <a:t>7/14/17</a:t>
+              <a:t>7/11/18</a:t>
             </a:fld>
             <a:endParaRPr lang="en-US"/>
           </a:p>
@@ -3415,10 +3497,9 @@
           </a:lstStyle>
           <a:p>
             <a:r>
-              <a:rPr lang="en-US" smtClean="0"/>
+              <a:rPr lang="en-US"/>
               <a:t>Click to edit Master title style</a:t>
             </a:r>
-            <a:endParaRPr lang="en-US"/>
           </a:p>
         </p:txBody>
       </p:sp>
@@ -3472,38 +3553,37 @@
           <a:p>
             <a:pPr lvl="0"/>
             <a:r>
-              <a:rPr lang="en-US" smtClean="0"/>
+              <a:rPr lang="en-US"/>
               <a:t>Click to edit Master text styles</a:t>
             </a:r>
           </a:p>
           <a:p>
             <a:pPr lvl="1"/>
             <a:r>
-              <a:rPr lang="en-US" smtClean="0"/>
+              <a:rPr lang="en-US"/>
               <a:t>Second level</a:t>
             </a:r>
           </a:p>
           <a:p>
             <a:pPr lvl="2"/>
             <a:r>
-              <a:rPr lang="en-US" smtClean="0"/>
+              <a:rPr lang="en-US"/>
               <a:t>Third level</a:t>
             </a:r>
           </a:p>
           <a:p>
             <a:pPr lvl="3"/>
             <a:r>
-              <a:rPr lang="en-US" smtClean="0"/>
+              <a:rPr lang="en-US"/>
               <a:t>Fourth level</a:t>
             </a:r>
           </a:p>
           <a:p>
             <a:pPr lvl="4"/>
             <a:r>
-              <a:rPr lang="en-US" smtClean="0"/>
+              <a:rPr lang="en-US"/>
               <a:t>Fifth level</a:t>
             </a:r>
-            <a:endParaRPr lang="en-US"/>
           </a:p>
         </p:txBody>
       </p:sp>
@@ -3566,7 +3646,7 @@
           <a:p>
             <a:pPr lvl="0"/>
             <a:r>
-              <a:rPr lang="en-US" smtClean="0"/>
+              <a:rPr lang="en-US"/>
               <a:t>Click to edit Master text styles</a:t>
             </a:r>
           </a:p>
@@ -3589,7 +3669,7 @@
           <a:p>
             <a:fld id="{12110144-19AD-4D4E-902D-E18AF93089D3}" type="datetimeFigureOut">
               <a:rPr lang="en-US" smtClean="0"/>
-              <a:t>7/14/17</a:t>
+              <a:t>7/11/18</a:t>
             </a:fld>
             <a:endParaRPr lang="en-US"/>
           </a:p>
@@ -3692,10 +3772,9 @@
           </a:lstStyle>
           <a:p>
             <a:r>
-              <a:rPr lang="en-US" smtClean="0"/>
+              <a:rPr lang="en-US"/>
               <a:t>Click to edit Master title style</a:t>
             </a:r>
-            <a:endParaRPr lang="en-US"/>
           </a:p>
         </p:txBody>
       </p:sp>
@@ -3819,7 +3898,7 @@
           <a:p>
             <a:pPr lvl="0"/>
             <a:r>
-              <a:rPr lang="en-US" smtClean="0"/>
+              <a:rPr lang="en-US"/>
               <a:t>Click to edit Master text styles</a:t>
             </a:r>
           </a:p>
@@ -3842,7 +3921,7 @@
           <a:p>
             <a:fld id="{12110144-19AD-4D4E-902D-E18AF93089D3}" type="datetimeFigureOut">
               <a:rPr lang="en-US" smtClean="0"/>
-              <a:t>7/14/17</a:t>
+              <a:t>7/11/18</a:t>
             </a:fld>
             <a:endParaRPr lang="en-US"/>
           </a:p>
@@ -3969,10 +4048,9 @@
           <a:lstStyle/>
           <a:p>
             <a:r>
-              <a:rPr lang="en-US" smtClean="0"/>
+              <a:rPr lang="en-US"/>
               <a:t>Click to edit Master title style</a:t>
             </a:r>
-            <a:endParaRPr lang="en-US"/>
           </a:p>
         </p:txBody>
       </p:sp>
@@ -4003,38 +4081,37 @@
           <a:p>
             <a:pPr lvl="0"/>
             <a:r>
-              <a:rPr lang="en-US" smtClean="0"/>
+              <a:rPr lang="en-US"/>
               <a:t>Click to edit Master text styles</a:t>
             </a:r>
           </a:p>
           <a:p>
             <a:pPr lvl="1"/>
             <a:r>
-              <a:rPr lang="en-US" smtClean="0"/>
+              <a:rPr lang="en-US"/>
               <a:t>Second level</a:t>
             </a:r>
           </a:p>
           <a:p>
             <a:pPr lvl="2"/>
             <a:r>
-              <a:rPr lang="en-US" smtClean="0"/>
+              <a:rPr lang="en-US"/>
               <a:t>Third level</a:t>
             </a:r>
           </a:p>
           <a:p>
             <a:pPr lvl="3"/>
             <a:r>
-              <a:rPr lang="en-US" smtClean="0"/>
+              <a:rPr lang="en-US"/>
               <a:t>Fourth level</a:t>
             </a:r>
           </a:p>
           <a:p>
             <a:pPr lvl="4"/>
             <a:r>
-              <a:rPr lang="en-US" smtClean="0"/>
+              <a:rPr lang="en-US"/>
               <a:t>Fifth level</a:t>
             </a:r>
-            <a:endParaRPr lang="en-US"/>
           </a:p>
         </p:txBody>
       </p:sp>
@@ -4073,7 +4150,7 @@
           <a:p>
             <a:fld id="{12110144-19AD-4D4E-902D-E18AF93089D3}" type="datetimeFigureOut">
               <a:rPr lang="en-US" smtClean="0"/>
-              <a:t>7/14/17</a:t>
+              <a:t>7/11/18</a:t>
             </a:fld>
             <a:endParaRPr lang="en-US"/>
           </a:p>
@@ -4502,10 +4579,9 @@
               </a:spcAft>
             </a:pPr>
             <a:r>
-              <a:rPr lang="en-US" sz="9600" b="1" dirty="0" smtClean="0"/>
+              <a:rPr lang="en-US" sz="9600" b="1" dirty="0"/>
               <a:t>ListViews and Adapters</a:t>
             </a:r>
-            <a:endParaRPr lang="en-US" sz="9600" b="1" dirty="0"/>
           </a:p>
         </p:txBody>
       </p:sp>
@@ -4532,18 +4608,13 @@
           <a:lstStyle/>
           <a:p>
             <a:r>
-              <a:rPr lang="en-US" sz="4400" dirty="0" smtClean="0">
+              <a:rPr lang="en-US" sz="4400" dirty="0">
                 <a:solidFill>
                   <a:schemeClr val="tx1"/>
                 </a:solidFill>
               </a:rPr>
               <a:t>CIS 399</a:t>
             </a:r>
-            <a:endParaRPr lang="en-US" sz="4400" dirty="0">
-              <a:solidFill>
-                <a:schemeClr val="tx1"/>
-              </a:solidFill>
-            </a:endParaRPr>
           </a:p>
         </p:txBody>
       </p:sp>
@@ -4557,13 +4628,6 @@
   <p:clrMapOvr>
     <a:masterClrMapping/>
   </p:clrMapOvr>
-  <p:timing>
-    <p:tnLst>
-      <p:par>
-        <p:cTn id="1" dur="indefinite" restart="never" nodeType="tmRoot"/>
-      </p:par>
-    </p:tnLst>
-  </p:timing>
 </p:sld>
 </file>
 
@@ -4600,18 +4664,13 @@
           <a:lstStyle/>
           <a:p>
             <a:r>
-              <a:rPr lang="en-US" dirty="0" smtClean="0">
+              <a:rPr lang="en-US" dirty="0">
                 <a:solidFill>
                   <a:srgbClr val="0000FF"/>
                 </a:solidFill>
               </a:rPr>
               <a:t>More ListView Features</a:t>
             </a:r>
-            <a:endParaRPr lang="en-US" dirty="0">
-              <a:solidFill>
-                <a:srgbClr val="0000FF"/>
-              </a:solidFill>
-            </a:endParaRPr>
           </a:p>
         </p:txBody>
       </p:sp>
@@ -4638,21 +4697,21 @@
           <a:lstStyle/>
           <a:p>
             <a:r>
-              <a:rPr lang="en-US" sz="2800" dirty="0" smtClean="0"/>
+              <a:rPr lang="en-US" sz="2800" dirty="0"/>
               <a:t>Fast Scrolling</a:t>
             </a:r>
           </a:p>
           <a:p>
             <a:pPr lvl="1"/>
             <a:r>
-              <a:rPr lang="en-US" sz="2400" dirty="0" smtClean="0"/>
+              <a:rPr lang="en-US" sz="2400" dirty="0"/>
               <a:t>Dragging a scroll traverses the list</a:t>
             </a:r>
           </a:p>
           <a:p>
             <a:pPr lvl="1"/>
             <a:r>
-              <a:rPr lang="en-US" sz="2400" dirty="0" smtClean="0"/>
+              <a:rPr lang="en-US" sz="2400" dirty="0"/>
               <a:t>Customizable in API 11 and higher</a:t>
             </a:r>
           </a:p>
@@ -4662,29 +4721,23 @@
               <a:rPr lang="en-US" sz="2400" dirty="0">
                 <a:hlinkClick r:id="rId3"/>
               </a:rPr>
-              <a:t>https://developer.android.com/reference/android/R.attr.html#</a:t>
-            </a:r>
-            <a:r>
-              <a:rPr lang="en-US" sz="2400" dirty="0" smtClean="0">
-                <a:hlinkClick r:id="rId3"/>
-              </a:rPr>
-              <a:t>fastScrollEnabled</a:t>
-            </a:r>
-            <a:r>
-              <a:rPr lang="en-US" sz="2400" dirty="0" smtClean="0"/>
+              <a:t>https://developer.android.com/reference/android/R.attr.html#fastScrollEnabled</a:t>
+            </a:r>
+            <a:r>
+              <a:rPr lang="en-US" sz="2400" dirty="0"/>
               <a:t> </a:t>
             </a:r>
           </a:p>
           <a:p>
             <a:r>
-              <a:rPr lang="en-US" sz="2800" dirty="0" smtClean="0"/>
+              <a:rPr lang="en-US" sz="2800" dirty="0"/>
               <a:t>Section Index</a:t>
             </a:r>
           </a:p>
           <a:p>
             <a:pPr lvl="1"/>
             <a:r>
-              <a:rPr lang="en-US" sz="2400" dirty="0" smtClean="0"/>
+              <a:rPr lang="en-US" sz="2400" dirty="0"/>
               <a:t>Section titles appear while scrolling</a:t>
             </a:r>
           </a:p>
@@ -4694,19 +4747,12 @@
               <a:rPr lang="en-US" sz="2400" dirty="0">
                 <a:hlinkClick r:id="rId4"/>
               </a:rPr>
-              <a:t>https://developer.android.com/reference/android/widget/</a:t>
-            </a:r>
-            <a:r>
-              <a:rPr lang="en-US" sz="2400" dirty="0" smtClean="0">
-                <a:hlinkClick r:id="rId4"/>
-              </a:rPr>
-              <a:t>SectionIndexer.htm</a:t>
-            </a:r>
-            <a:r>
-              <a:rPr lang="en-US" sz="2400" dirty="0" smtClean="0"/>
+              <a:t>https://developer.android.com/reference/android/widget/SectionIndexer.htm</a:t>
+            </a:r>
+            <a:r>
+              <a:rPr lang="en-US" sz="2400" dirty="0"/>
               <a:t> </a:t>
             </a:r>
-            <a:endParaRPr lang="en-US" sz="2400" dirty="0"/>
           </a:p>
         </p:txBody>
       </p:sp>
@@ -4744,13 +4790,6 @@
   <p:clrMapOvr>
     <a:masterClrMapping/>
   </p:clrMapOvr>
-  <p:timing>
-    <p:tnLst>
-      <p:par>
-        <p:cTn id="1" dur="indefinite" restart="never" nodeType="tmRoot"/>
-      </p:par>
-    </p:tnLst>
-  </p:timing>
 </p:sld>
 </file>
 
@@ -4810,18 +4849,13 @@
           <a:lstStyle/>
           <a:p>
             <a:r>
-              <a:rPr lang="en-US" dirty="0" smtClean="0">
+              <a:rPr lang="en-US" dirty="0">
                 <a:solidFill>
                   <a:srgbClr val="0000FF"/>
                 </a:solidFill>
               </a:rPr>
               <a:t>Code Tour</a:t>
             </a:r>
-            <a:endParaRPr lang="en-US" dirty="0">
-              <a:solidFill>
-                <a:srgbClr val="0000FF"/>
-              </a:solidFill>
-            </a:endParaRPr>
           </a:p>
         </p:txBody>
       </p:sp>
@@ -4841,41 +4875,41 @@
           <a:lstStyle/>
           <a:p>
             <a:r>
-              <a:rPr lang="en-US" dirty="0" smtClean="0"/>
+              <a:rPr lang="en-US" dirty="0"/>
               <a:t>Open the Ch. 10 RSS Feed Reader App</a:t>
             </a:r>
           </a:p>
           <a:p>
             <a:r>
-              <a:rPr lang="en-US" dirty="0" smtClean="0"/>
+              <a:rPr lang="en-US" dirty="0"/>
               <a:t>In the activity_items layout, look at the ListView XML element.</a:t>
             </a:r>
           </a:p>
           <a:p>
             <a:r>
-              <a:rPr lang="en-US" dirty="0" smtClean="0"/>
+              <a:rPr lang="en-US" dirty="0"/>
               <a:t>Look at </a:t>
             </a:r>
             <a:r>
-              <a:rPr lang="en-US" dirty="0" err="1" smtClean="0"/>
+              <a:rPr lang="en-US" dirty="0" err="1"/>
               <a:t>listview_item</a:t>
             </a:r>
             <a:r>
-              <a:rPr lang="en-US" dirty="0" smtClean="0"/>
+              <a:rPr lang="en-US" dirty="0"/>
               <a:t> layout to see the layout used for the rows in the ListView</a:t>
             </a:r>
           </a:p>
           <a:p>
             <a:r>
-              <a:rPr lang="en-US" dirty="0" smtClean="0"/>
+              <a:rPr lang="en-US" dirty="0"/>
               <a:t>Look at the </a:t>
             </a:r>
             <a:r>
-              <a:rPr lang="en-US" dirty="0" err="1" smtClean="0"/>
+              <a:rPr lang="en-US" dirty="0" err="1"/>
               <a:t>onItemClick</a:t>
             </a:r>
             <a:r>
-              <a:rPr lang="en-US" dirty="0" smtClean="0"/>
+              <a:rPr lang="en-US" dirty="0"/>
               <a:t> event handler</a:t>
             </a:r>
           </a:p>
@@ -4891,13 +4925,6 @@
   <p:clrMapOvr>
     <a:masterClrMapping/>
   </p:clrMapOvr>
-  <p:timing>
-    <p:tnLst>
-      <p:par>
-        <p:cTn id="1" dur="indefinite" restart="never" nodeType="tmRoot"/>
-      </p:par>
-    </p:tnLst>
-  </p:timing>
 </p:sld>
 </file>
 
@@ -4937,10 +4964,9 @@
               <a:defRPr/>
             </a:pPr>
             <a:r>
-              <a:rPr lang="en-US" smtClean="0"/>
+              <a:rPr lang="en-US"/>
               <a:t>Murach's Android Programming, C10</a:t>
             </a:r>
-            <a:endParaRPr lang="en-US"/>
           </a:p>
         </p:txBody>
       </p:sp>
@@ -4963,10 +4989,9 @@
               <a:defRPr/>
             </a:pPr>
             <a:r>
-              <a:rPr lang="en-US" dirty="0" smtClean="0"/>
+              <a:rPr lang="en-US" dirty="0"/>
               <a:t>© 2015, Mike Murach &amp; Associates, Inc.</a:t>
             </a:r>
-            <a:endParaRPr lang="en-US" dirty="0"/>
           </a:p>
         </p:txBody>
       </p:sp>
@@ -4988,14 +5013,14 @@
             <a:pPr>
               <a:defRPr/>
             </a:pPr>
-            <a:endParaRPr lang="en-US" smtClean="0"/>
+            <a:endParaRPr lang="en-US"/>
           </a:p>
           <a:p>
             <a:pPr algn="r">
               <a:defRPr/>
             </a:pPr>
             <a:r>
-              <a:rPr lang="en-US" sz="900" smtClean="0">
+              <a:rPr lang="en-US" sz="900">
                 <a:latin typeface="Arial Narrow" pitchFamily="34" charset="0"/>
               </a:rPr>
               <a:t>Slide </a:t>
@@ -5037,12 +5062,12 @@
           <a:graphicData uri="http://schemas.openxmlformats.org/presentationml/2006/ole">
             <mc:AlternateContent xmlns:mc="http://schemas.openxmlformats.org/markup-compatibility/2006">
               <mc:Choice xmlns:v="urn:schemas-microsoft-com:vml" Requires="v">
-                <p:oleObj spid="_x0000_s24606" name="Document" r:id="rId4" imgW="7296144" imgH="1781401" progId="Word.Document.12">
+                <p:oleObj spid="_x0000_s24610" name="Document" r:id="rId3" imgW="7296144" imgH="1781401" progId="Word.Document.12">
                   <p:embed/>
                 </p:oleObj>
               </mc:Choice>
               <mc:Fallback>
-                <p:oleObj name="Document" r:id="rId4" imgW="7296144" imgH="1781401" progId="Word.Document.12">
+                <p:oleObj name="Document" r:id="rId3" imgW="7296144" imgH="1781401" progId="Word.Document.12">
                   <p:embed/>
                   <p:pic>
                     <p:nvPicPr>
@@ -5051,7 +5076,7 @@
                       <p:nvPr/>
                     </p:nvPicPr>
                     <p:blipFill>
-                      <a:blip r:embed="rId5"/>
+                      <a:blip r:embed="rId4"/>
                       <a:stretch>
                         <a:fillRect/>
                       </a:stretch>
@@ -5082,13 +5107,6 @@
   <p:clrMapOvr>
     <a:masterClrMapping/>
   </p:clrMapOvr>
-  <p:timing>
-    <p:tnLst>
-      <p:par>
-        <p:cTn id="1" dur="indefinite" restart="never" nodeType="tmRoot"/>
-      </p:par>
-    </p:tnLst>
-  </p:timing>
 </p:sld>
 </file>
 
@@ -5128,10 +5146,9 @@
               <a:defRPr/>
             </a:pPr>
             <a:r>
-              <a:rPr lang="en-US" smtClean="0"/>
+              <a:rPr lang="en-US"/>
               <a:t>Murach's Android Programming, C10</a:t>
             </a:r>
-            <a:endParaRPr lang="en-US"/>
           </a:p>
         </p:txBody>
       </p:sp>
@@ -5154,10 +5171,9 @@
               <a:defRPr/>
             </a:pPr>
             <a:r>
-              <a:rPr lang="en-US" dirty="0" smtClean="0"/>
+              <a:rPr lang="en-US" dirty="0"/>
               <a:t>© 2015, Mike Murach &amp; Associates, Inc.</a:t>
             </a:r>
-            <a:endParaRPr lang="en-US" dirty="0"/>
           </a:p>
         </p:txBody>
       </p:sp>
@@ -5179,14 +5195,14 @@
             <a:pPr>
               <a:defRPr/>
             </a:pPr>
-            <a:endParaRPr lang="en-US" smtClean="0"/>
+            <a:endParaRPr lang="en-US"/>
           </a:p>
           <a:p>
             <a:pPr algn="r">
               <a:defRPr/>
             </a:pPr>
             <a:r>
-              <a:rPr lang="en-US" sz="900" smtClean="0">
+              <a:rPr lang="en-US" sz="900">
                 <a:latin typeface="Arial Narrow" pitchFamily="34" charset="0"/>
               </a:rPr>
               <a:t>Slide </a:t>
@@ -5228,12 +5244,12 @@
           <a:graphicData uri="http://schemas.openxmlformats.org/presentationml/2006/ole">
             <mc:AlternateContent xmlns:mc="http://schemas.openxmlformats.org/markup-compatibility/2006">
               <mc:Choice xmlns:v="urn:schemas-microsoft-com:vml" Requires="v">
-                <p:oleObj spid="_x0000_s1042" name="Document" r:id="rId4" imgW="6864202" imgH="5422047" progId="Word.Document.12">
+                <p:oleObj spid="_x0000_s1046" name="Document" r:id="rId3" imgW="6864202" imgH="5422047" progId="Word.Document.12">
                   <p:embed/>
                 </p:oleObj>
               </mc:Choice>
               <mc:Fallback>
-                <p:oleObj name="Document" r:id="rId4" imgW="6864202" imgH="5422047" progId="Word.Document.12">
+                <p:oleObj name="Document" r:id="rId3" imgW="6864202" imgH="5422047" progId="Word.Document.12">
                   <p:embed/>
                   <p:pic>
                     <p:nvPicPr>
@@ -5242,7 +5258,7 @@
                       <p:nvPr/>
                     </p:nvPicPr>
                     <p:blipFill>
-                      <a:blip r:embed="rId5"/>
+                      <a:blip r:embed="rId4"/>
                       <a:stretch>
                         <a:fillRect/>
                       </a:stretch>
@@ -5312,10 +5328,9 @@
               <a:defRPr/>
             </a:pPr>
             <a:r>
-              <a:rPr lang="en-US" smtClean="0"/>
+              <a:rPr lang="en-US"/>
               <a:t>Murach's Android Programming, C10</a:t>
             </a:r>
-            <a:endParaRPr lang="en-US"/>
           </a:p>
         </p:txBody>
       </p:sp>
@@ -5338,10 +5353,9 @@
               <a:defRPr/>
             </a:pPr>
             <a:r>
-              <a:rPr lang="en-US" dirty="0" smtClean="0"/>
+              <a:rPr lang="en-US" dirty="0"/>
               <a:t>© 2015, Mike Murach &amp; Associates, Inc.</a:t>
             </a:r>
-            <a:endParaRPr lang="en-US" dirty="0"/>
           </a:p>
         </p:txBody>
       </p:sp>
@@ -5363,14 +5377,14 @@
             <a:pPr>
               <a:defRPr/>
             </a:pPr>
-            <a:endParaRPr lang="en-US" smtClean="0"/>
+            <a:endParaRPr lang="en-US"/>
           </a:p>
           <a:p>
             <a:pPr algn="r">
               <a:defRPr/>
             </a:pPr>
             <a:r>
-              <a:rPr lang="en-US" sz="900" smtClean="0">
+              <a:rPr lang="en-US" sz="900">
                 <a:latin typeface="Arial Narrow" pitchFamily="34" charset="0"/>
               </a:rPr>
               <a:t>Slide </a:t>
@@ -5412,12 +5426,12 @@
           <a:graphicData uri="http://schemas.openxmlformats.org/presentationml/2006/ole">
             <mc:AlternateContent xmlns:mc="http://schemas.openxmlformats.org/markup-compatibility/2006">
               <mc:Choice xmlns:v="urn:schemas-microsoft-com:vml" Requires="v">
-                <p:oleObj spid="_x0000_s36883" name="Document" r:id="rId4" imgW="6959600" imgH="1282700" progId="Word.Document.12">
+                <p:oleObj spid="_x0000_s36887" name="Document" r:id="rId3" imgW="6959600" imgH="1282700" progId="Word.Document.12">
                   <p:embed/>
                 </p:oleObj>
               </mc:Choice>
               <mc:Fallback>
-                <p:oleObj name="Document" r:id="rId4" imgW="6959600" imgH="1282700" progId="Word.Document.12">
+                <p:oleObj name="Document" r:id="rId3" imgW="6959600" imgH="1282700" progId="Word.Document.12">
                   <p:embed/>
                   <p:pic>
                     <p:nvPicPr>
@@ -5426,7 +5440,7 @@
                       <p:nvPr/>
                     </p:nvPicPr>
                     <p:blipFill>
-                      <a:blip r:embed="rId5"/>
+                      <a:blip r:embed="rId4"/>
                       <a:stretch>
                         <a:fillRect/>
                       </a:stretch>
@@ -5456,7 +5470,7 @@
           <p:nvPr/>
         </p:nvPicPr>
         <p:blipFill>
-          <a:blip r:embed="rId6">
+          <a:blip r:embed="rId5">
             <a:extLst>
               <a:ext uri="{28A0092B-C50C-407E-A947-70E740481C1C}">
                 <a14:useLocalDpi xmlns:a14="http://schemas.microsoft.com/office/drawing/2010/main" val="0"/>
@@ -5486,7 +5500,7 @@
           <p:nvPr/>
         </p:nvPicPr>
         <p:blipFill>
-          <a:blip r:embed="rId7">
+          <a:blip r:embed="rId6">
             <a:extLst>
               <a:ext uri="{28A0092B-C50C-407E-A947-70E740481C1C}">
                 <a14:useLocalDpi xmlns:a14="http://schemas.microsoft.com/office/drawing/2010/main" val="0"/>
@@ -5521,197 +5535,6 @@
 </file>
 
 <file path=ppt/slides/slide15.xml><?xml version="1.0" encoding="utf-8"?>
-<p:sld xmlns:a="http://schemas.openxmlformats.org/drawingml/2006/main" xmlns:r="http://schemas.openxmlformats.org/officeDocument/2006/relationships" xmlns:p="http://schemas.openxmlformats.org/presentationml/2006/main">
-  <p:cSld>
-    <p:spTree>
-      <p:nvGrpSpPr>
-        <p:cNvPr id="1" name=""/>
-        <p:cNvGrpSpPr/>
-        <p:nvPr/>
-      </p:nvGrpSpPr>
-      <p:grpSpPr>
-        <a:xfrm>
-          <a:off x="0" y="0"/>
-          <a:ext cx="0" cy="0"/>
-          <a:chOff x="0" y="0"/>
-          <a:chExt cx="0" cy="0"/>
-        </a:xfrm>
-      </p:grpSpPr>
-      <p:sp>
-        <p:nvSpPr>
-          <p:cNvPr id="2" name="Date Placeholder 1"/>
-          <p:cNvSpPr>
-            <a:spLocks noGrp="1"/>
-          </p:cNvSpPr>
-          <p:nvPr>
-            <p:ph type="dt" sz="half" idx="10"/>
-          </p:nvPr>
-        </p:nvSpPr>
-        <p:spPr/>
-        <p:txBody>
-          <a:bodyPr/>
-          <a:lstStyle/>
-          <a:p>
-            <a:pPr>
-              <a:defRPr/>
-            </a:pPr>
-            <a:r>
-              <a:rPr lang="en-US" smtClean="0"/>
-              <a:t>Murach's Android Programming, C10</a:t>
-            </a:r>
-            <a:endParaRPr lang="en-US"/>
-          </a:p>
-        </p:txBody>
-      </p:sp>
-      <p:sp>
-        <p:nvSpPr>
-          <p:cNvPr id="3" name="Footer Placeholder 2"/>
-          <p:cNvSpPr>
-            <a:spLocks noGrp="1"/>
-          </p:cNvSpPr>
-          <p:nvPr>
-            <p:ph type="ftr" sz="quarter" idx="11"/>
-          </p:nvPr>
-        </p:nvSpPr>
-        <p:spPr/>
-        <p:txBody>
-          <a:bodyPr/>
-          <a:lstStyle/>
-          <a:p>
-            <a:pPr>
-              <a:defRPr/>
-            </a:pPr>
-            <a:r>
-              <a:rPr lang="en-US" dirty="0" smtClean="0"/>
-              <a:t>© 2015, Mike Murach &amp; Associates, Inc.</a:t>
-            </a:r>
-            <a:endParaRPr lang="en-US" dirty="0"/>
-          </a:p>
-        </p:txBody>
-      </p:sp>
-      <p:sp>
-        <p:nvSpPr>
-          <p:cNvPr id="4" name="Slide Number Placeholder 3"/>
-          <p:cNvSpPr>
-            <a:spLocks noGrp="1"/>
-          </p:cNvSpPr>
-          <p:nvPr>
-            <p:ph type="sldNum" sz="quarter" idx="12"/>
-          </p:nvPr>
-        </p:nvSpPr>
-        <p:spPr/>
-        <p:txBody>
-          <a:bodyPr/>
-          <a:lstStyle/>
-          <a:p>
-            <a:pPr>
-              <a:defRPr/>
-            </a:pPr>
-            <a:endParaRPr lang="en-US" smtClean="0"/>
-          </a:p>
-          <a:p>
-            <a:pPr algn="r">
-              <a:defRPr/>
-            </a:pPr>
-            <a:r>
-              <a:rPr lang="en-US" sz="900" smtClean="0">
-                <a:latin typeface="Arial Narrow" pitchFamily="34" charset="0"/>
-              </a:rPr>
-              <a:t>Slide </a:t>
-            </a:r>
-            <a:fld id="{5ECE9829-65B2-40C6-AEFF-7C648FF56A9C}" type="slidenum">
-              <a:rPr lang="en-US" sz="900" smtClean="0">
-                <a:latin typeface="Arial Narrow" pitchFamily="34" charset="0"/>
-              </a:rPr>
-              <a:pPr algn="r">
-                <a:defRPr/>
-              </a:pPr>
-              <a:t>15</a:t>
-            </a:fld>
-            <a:endParaRPr lang="en-US" sz="900">
-              <a:latin typeface="Arial Narrow" pitchFamily="34" charset="0"/>
-            </a:endParaRPr>
-          </a:p>
-        </p:txBody>
-      </p:sp>
-      <p:graphicFrame>
-        <p:nvGraphicFramePr>
-          <p:cNvPr id="5" name="Object 4"/>
-          <p:cNvGraphicFramePr>
-            <a:graphicFrameLocks noChangeAspect="1"/>
-          </p:cNvGraphicFramePr>
-          <p:nvPr>
-            <p:extLst>
-              <p:ext uri="{D42A27DB-BD31-4B8C-83A1-F6EECF244321}">
-                <p14:modId xmlns:p14="http://schemas.microsoft.com/office/powerpoint/2010/main" val="1840230095"/>
-              </p:ext>
-            </p:extLst>
-          </p:nvPr>
-        </p:nvGraphicFramePr>
-        <p:xfrm>
-          <a:off x="914400" y="685800"/>
-          <a:ext cx="6864350" cy="4064000"/>
-        </p:xfrm>
-        <a:graphic>
-          <a:graphicData uri="http://schemas.openxmlformats.org/presentationml/2006/ole">
-            <mc:AlternateContent xmlns:mc="http://schemas.openxmlformats.org/markup-compatibility/2006">
-              <mc:Choice xmlns:v="urn:schemas-microsoft-com:vml" Requires="v">
-                <p:oleObj spid="_x0000_s35862" name="Document" r:id="rId4" imgW="6864202" imgH="4073648" progId="Word.Document.12">
-                  <p:embed/>
-                </p:oleObj>
-              </mc:Choice>
-              <mc:Fallback>
-                <p:oleObj name="Document" r:id="rId4" imgW="6864202" imgH="4073648" progId="Word.Document.12">
-                  <p:embed/>
-                  <p:pic>
-                    <p:nvPicPr>
-                      <p:cNvPr id="0" name=""/>
-                      <p:cNvPicPr/>
-                      <p:nvPr/>
-                    </p:nvPicPr>
-                    <p:blipFill>
-                      <a:blip r:embed="rId5"/>
-                      <a:stretch>
-                        <a:fillRect/>
-                      </a:stretch>
-                    </p:blipFill>
-                    <p:spPr>
-                      <a:xfrm>
-                        <a:off x="914400" y="685800"/>
-                        <a:ext cx="6864350" cy="4064000"/>
-                      </a:xfrm>
-                      <a:prstGeom prst="rect">
-                        <a:avLst/>
-                      </a:prstGeom>
-                    </p:spPr>
-                  </p:pic>
-                </p:oleObj>
-              </mc:Fallback>
-            </mc:AlternateContent>
-          </a:graphicData>
-        </a:graphic>
-      </p:graphicFrame>
-    </p:spTree>
-    <p:extLst>
-      <p:ext uri="{BB962C8B-B14F-4D97-AF65-F5344CB8AC3E}">
-        <p14:creationId xmlns:p14="http://schemas.microsoft.com/office/powerpoint/2010/main" val="3110753224"/>
-      </p:ext>
-    </p:extLst>
-  </p:cSld>
-  <p:clrMapOvr>
-    <a:masterClrMapping/>
-  </p:clrMapOvr>
-  <p:timing>
-    <p:tnLst>
-      <p:par>
-        <p:cTn id="1" dur="indefinite" restart="never" nodeType="tmRoot"/>
-      </p:par>
-    </p:tnLst>
-  </p:timing>
-</p:sld>
-</file>
-
-<file path=ppt/slides/slide16.xml><?xml version="1.0" encoding="utf-8"?>
 <p:sld xmlns:a="http://schemas.openxmlformats.org/drawingml/2006/main" xmlns:r="http://schemas.openxmlformats.org/officeDocument/2006/relationships" xmlns:p="http://schemas.openxmlformats.org/presentationml/2006/main">
   <p:cSld>
     <p:bg>
@@ -5774,18 +5597,13 @@
           <a:p>
             <a:pPr algn="ctr"/>
             <a:r>
-              <a:rPr lang="en-US" sz="6600" dirty="0" smtClean="0">
+              <a:rPr lang="en-US" sz="6600" dirty="0">
                 <a:solidFill>
                   <a:srgbClr val="2D2DB9"/>
                 </a:solidFill>
               </a:rPr>
               <a:t>Adapters</a:t>
             </a:r>
-            <a:endParaRPr lang="en-US" sz="6600" dirty="0">
-              <a:solidFill>
-                <a:srgbClr val="2D2DB9"/>
-              </a:solidFill>
-            </a:endParaRPr>
           </a:p>
         </p:txBody>
       </p:sp>
@@ -5823,13 +5641,130 @@
   <p:clrMapOvr>
     <a:masterClrMapping/>
   </p:clrMapOvr>
-  <p:timing>
-    <p:tnLst>
-      <p:par>
-        <p:cTn id="1" dur="indefinite" restart="never" nodeType="tmRoot"/>
-      </p:par>
-    </p:tnLst>
-  </p:timing>
+</p:sld>
+</file>
+
+<file path=ppt/slides/slide16.xml><?xml version="1.0" encoding="utf-8"?>
+<p:sld xmlns:a="http://schemas.openxmlformats.org/drawingml/2006/main" xmlns:r="http://schemas.openxmlformats.org/officeDocument/2006/relationships" xmlns:p="http://schemas.openxmlformats.org/presentationml/2006/main">
+  <p:cSld>
+    <p:spTree>
+      <p:nvGrpSpPr>
+        <p:cNvPr id="1" name=""/>
+        <p:cNvGrpSpPr/>
+        <p:nvPr/>
+      </p:nvGrpSpPr>
+      <p:grpSpPr>
+        <a:xfrm>
+          <a:off x="0" y="0"/>
+          <a:ext cx="0" cy="0"/>
+          <a:chOff x="0" y="0"/>
+          <a:chExt cx="0" cy="0"/>
+        </a:xfrm>
+      </p:grpSpPr>
+      <p:sp>
+        <p:nvSpPr>
+          <p:cNvPr id="2" name="Title 1"/>
+          <p:cNvSpPr>
+            <a:spLocks noGrp="1"/>
+          </p:cNvSpPr>
+          <p:nvPr>
+            <p:ph type="title"/>
+          </p:nvPr>
+        </p:nvSpPr>
+        <p:spPr/>
+        <p:txBody>
+          <a:bodyPr/>
+          <a:lstStyle/>
+          <a:p>
+            <a:r>
+              <a:rPr lang="en-US" dirty="0"/>
+              <a:t>Adapters</a:t>
+            </a:r>
+          </a:p>
+        </p:txBody>
+      </p:sp>
+      <p:sp>
+        <p:nvSpPr>
+          <p:cNvPr id="3" name="Content Placeholder 2"/>
+          <p:cNvSpPr>
+            <a:spLocks noGrp="1"/>
+          </p:cNvSpPr>
+          <p:nvPr>
+            <p:ph idx="1"/>
+          </p:nvPr>
+        </p:nvSpPr>
+        <p:spPr/>
+        <p:txBody>
+          <a:bodyPr>
+            <a:normAutofit/>
+          </a:bodyPr>
+          <a:lstStyle/>
+          <a:p>
+            <a:pPr marL="0" indent="0">
+              <a:buNone/>
+            </a:pPr>
+            <a:r>
+              <a:rPr lang="en-US" dirty="0"/>
+              <a:t>Adapters bind a data source to a ListView</a:t>
+            </a:r>
+          </a:p>
+          <a:p>
+            <a:r>
+              <a:rPr lang="en-US" dirty="0"/>
+              <a:t>SimpleAdapter – source is an </a:t>
+            </a:r>
+            <a:r>
+              <a:rPr lang="en-US" dirty="0" err="1"/>
+              <a:t>ArrayList</a:t>
+            </a:r>
+            <a:r>
+              <a:rPr lang="en-US" dirty="0"/>
+              <a:t> of Java </a:t>
+            </a:r>
+            <a:r>
+              <a:rPr lang="en-US" dirty="0" err="1"/>
+              <a:t>HashMap</a:t>
+            </a:r>
+            <a:r>
+              <a:rPr lang="en-US" dirty="0"/>
+              <a:t> objects </a:t>
+            </a:r>
+          </a:p>
+          <a:p>
+            <a:r>
+              <a:rPr lang="en-US" dirty="0"/>
+              <a:t>ArrayAdapter&lt;T&gt; – source is an array of type T</a:t>
+            </a:r>
+          </a:p>
+          <a:p>
+            <a:r>
+              <a:rPr lang="en-US" dirty="0"/>
+              <a:t>SimpleCursorAdapter – source is a SQLite query</a:t>
+            </a:r>
+          </a:p>
+          <a:p>
+            <a:r>
+              <a:rPr lang="en-US" dirty="0"/>
+              <a:t>BaseAdapter – subclass this to make your own </a:t>
+            </a:r>
+            <a:r>
+              <a:rPr lang="en-US"/>
+              <a:t>custom adapter</a:t>
+            </a:r>
+            <a:endParaRPr lang="en-US" dirty="0"/>
+          </a:p>
+        </p:txBody>
+      </p:sp>
+    </p:spTree>
+    <p:extLst>
+      <p:ext uri="{BB962C8B-B14F-4D97-AF65-F5344CB8AC3E}">
+        <p14:creationId xmlns:p14="http://schemas.microsoft.com/office/powerpoint/2010/main" val="228896987"/>
+      </p:ext>
+    </p:extLst>
+  </p:cSld>
+  <p:clrMapOvr>
+    <a:masterClrMapping/>
+  </p:clrMapOvr>
 </p:sld>
 </file>
 
@@ -5862,179 +5797,13 @@
         </p:nvSpPr>
         <p:spPr/>
         <p:txBody>
-          <a:bodyPr/>
-          <a:lstStyle/>
-          <a:p>
-            <a:r>
-              <a:rPr lang="en-US" dirty="0" smtClean="0"/>
-              <a:t>Adapters</a:t>
-            </a:r>
-            <a:endParaRPr lang="en-US" dirty="0"/>
-          </a:p>
-        </p:txBody>
-      </p:sp>
-      <p:sp>
-        <p:nvSpPr>
-          <p:cNvPr id="3" name="Content Placeholder 2"/>
-          <p:cNvSpPr>
-            <a:spLocks noGrp="1"/>
-          </p:cNvSpPr>
-          <p:nvPr>
-            <p:ph idx="1"/>
-          </p:nvPr>
-        </p:nvSpPr>
-        <p:spPr/>
-        <p:txBody>
-          <a:bodyPr>
-            <a:normAutofit/>
-          </a:bodyPr>
-          <a:lstStyle/>
-          <a:p>
-            <a:pPr marL="0" indent="0">
-              <a:buNone/>
-            </a:pPr>
-            <a:r>
-              <a:rPr lang="en-US" dirty="0" smtClean="0"/>
-              <a:t>Adapters bind a data source to a ListView</a:t>
-            </a:r>
-          </a:p>
-          <a:p>
-            <a:r>
-              <a:rPr lang="en-US" dirty="0" smtClean="0"/>
-              <a:t>SimpleAdapter – source is </a:t>
-            </a:r>
-            <a:r>
-              <a:rPr lang="en-US" dirty="0" smtClean="0"/>
-              <a:t>an </a:t>
-            </a:r>
-            <a:r>
-              <a:rPr lang="en-US" dirty="0" err="1" smtClean="0"/>
-              <a:t>ArrayList</a:t>
-            </a:r>
-            <a:r>
-              <a:rPr lang="en-US" dirty="0" smtClean="0"/>
-              <a:t> </a:t>
-            </a:r>
-            <a:r>
-              <a:rPr lang="en-US" dirty="0" smtClean="0"/>
-              <a:t>of </a:t>
-            </a:r>
-            <a:r>
-              <a:rPr lang="en-US" dirty="0" smtClean="0"/>
-              <a:t>Java </a:t>
-            </a:r>
-            <a:r>
-              <a:rPr lang="en-US" dirty="0" err="1" smtClean="0"/>
-              <a:t>HashMap</a:t>
-            </a:r>
-            <a:r>
-              <a:rPr lang="en-US" dirty="0" smtClean="0"/>
-              <a:t> objects </a:t>
-            </a:r>
-            <a:endParaRPr lang="en-US" dirty="0" smtClean="0"/>
-          </a:p>
-          <a:p>
-            <a:r>
-              <a:rPr lang="en-US" dirty="0" smtClean="0"/>
-              <a:t>ArrayAdapter</a:t>
-            </a:r>
-            <a:r>
-              <a:rPr lang="en-US" dirty="0"/>
-              <a:t>&lt;T&gt; – </a:t>
-            </a:r>
-            <a:r>
-              <a:rPr lang="en-US" dirty="0" smtClean="0"/>
-              <a:t>source is an array of type T</a:t>
-            </a:r>
-            <a:endParaRPr lang="en-US" dirty="0"/>
-          </a:p>
-          <a:p>
-            <a:r>
-              <a:rPr lang="en-US" dirty="0" smtClean="0"/>
-              <a:t>SimpleCursorAdapter – source is a </a:t>
-            </a:r>
-            <a:r>
-              <a:rPr lang="en-US" dirty="0"/>
-              <a:t>SQLite </a:t>
-            </a:r>
-            <a:r>
-              <a:rPr lang="en-US" dirty="0" smtClean="0"/>
-              <a:t>query</a:t>
-            </a:r>
-          </a:p>
-          <a:p>
-            <a:r>
-              <a:rPr lang="en-US" dirty="0" smtClean="0"/>
-              <a:t>BaseAdapter – subclass this to make your </a:t>
-            </a:r>
-            <a:r>
-              <a:rPr lang="en-US" dirty="0" smtClean="0"/>
-              <a:t>own </a:t>
-            </a:r>
-            <a:r>
-              <a:rPr lang="en-US" smtClean="0"/>
-              <a:t>custom adapter</a:t>
-            </a:r>
-            <a:endParaRPr lang="en-US" dirty="0" smtClean="0"/>
-          </a:p>
-        </p:txBody>
-      </p:sp>
-    </p:spTree>
-    <p:extLst>
-      <p:ext uri="{BB962C8B-B14F-4D97-AF65-F5344CB8AC3E}">
-        <p14:creationId xmlns:p14="http://schemas.microsoft.com/office/powerpoint/2010/main" val="228896987"/>
-      </p:ext>
-    </p:extLst>
-  </p:cSld>
-  <p:clrMapOvr>
-    <a:masterClrMapping/>
-  </p:clrMapOvr>
-  <p:timing>
-    <p:tnLst>
-      <p:par>
-        <p:cTn id="1" dur="indefinite" restart="never" nodeType="tmRoot"/>
-      </p:par>
-    </p:tnLst>
-  </p:timing>
-</p:sld>
-</file>
-
-<file path=ppt/slides/slide18.xml><?xml version="1.0" encoding="utf-8"?>
-<p:sld xmlns:a="http://schemas.openxmlformats.org/drawingml/2006/main" xmlns:r="http://schemas.openxmlformats.org/officeDocument/2006/relationships" xmlns:p="http://schemas.openxmlformats.org/presentationml/2006/main">
-  <p:cSld>
-    <p:spTree>
-      <p:nvGrpSpPr>
-        <p:cNvPr id="1" name=""/>
-        <p:cNvGrpSpPr/>
-        <p:nvPr/>
-      </p:nvGrpSpPr>
-      <p:grpSpPr>
-        <a:xfrm>
-          <a:off x="0" y="0"/>
-          <a:ext cx="0" cy="0"/>
-          <a:chOff x="0" y="0"/>
-          <a:chExt cx="0" cy="0"/>
-        </a:xfrm>
-      </p:grpSpPr>
-      <p:sp>
-        <p:nvSpPr>
-          <p:cNvPr id="2" name="Title 1"/>
-          <p:cNvSpPr>
-            <a:spLocks noGrp="1"/>
-          </p:cNvSpPr>
-          <p:nvPr>
-            <p:ph type="title"/>
-          </p:nvPr>
-        </p:nvSpPr>
-        <p:spPr/>
-        <p:txBody>
           <a:bodyPr>
             <a:normAutofit fontScale="90000"/>
           </a:bodyPr>
           <a:lstStyle/>
           <a:p>
             <a:r>
-              <a:rPr lang="en-US" dirty="0" smtClean="0">
+              <a:rPr lang="en-US" dirty="0">
                 <a:solidFill>
                   <a:srgbClr val="0000FF"/>
                 </a:solidFill>
@@ -6042,7 +5811,7 @@
               <a:t>Adapters</a:t>
             </a:r>
             <a:br>
-              <a:rPr lang="en-US" dirty="0" smtClean="0">
+              <a:rPr lang="en-US" dirty="0">
                 <a:solidFill>
                   <a:srgbClr val="0000FF"/>
                 </a:solidFill>
@@ -6088,13 +5857,110 @@
   <p:clrMapOvr>
     <a:masterClrMapping/>
   </p:clrMapOvr>
-  <p:timing>
-    <p:tnLst>
-      <p:par>
-        <p:cTn id="1" dur="indefinite" restart="never" nodeType="tmRoot"/>
-      </p:par>
-    </p:tnLst>
-  </p:timing>
+</p:sld>
+</file>
+
+<file path=ppt/slides/slide18.xml><?xml version="1.0" encoding="utf-8"?>
+<p:sld xmlns:a="http://schemas.openxmlformats.org/drawingml/2006/main" xmlns:r="http://schemas.openxmlformats.org/officeDocument/2006/relationships" xmlns:p="http://schemas.openxmlformats.org/presentationml/2006/main">
+  <p:cSld>
+    <p:spTree>
+      <p:nvGrpSpPr>
+        <p:cNvPr id="1" name=""/>
+        <p:cNvGrpSpPr/>
+        <p:nvPr/>
+      </p:nvGrpSpPr>
+      <p:grpSpPr>
+        <a:xfrm>
+          <a:off x="0" y="0"/>
+          <a:ext cx="0" cy="0"/>
+          <a:chOff x="0" y="0"/>
+          <a:chExt cx="0" cy="0"/>
+        </a:xfrm>
+      </p:grpSpPr>
+      <p:sp>
+        <p:nvSpPr>
+          <p:cNvPr id="2" name="Title 1"/>
+          <p:cNvSpPr>
+            <a:spLocks noGrp="1"/>
+          </p:cNvSpPr>
+          <p:nvPr>
+            <p:ph type="title"/>
+          </p:nvPr>
+        </p:nvSpPr>
+        <p:spPr/>
+        <p:txBody>
+          <a:bodyPr/>
+          <a:lstStyle/>
+          <a:p>
+            <a:r>
+              <a:rPr lang="en-US" dirty="0">
+                <a:solidFill>
+                  <a:srgbClr val="0000FF"/>
+                </a:solidFill>
+              </a:rPr>
+              <a:t>Using a SimpleAdapter</a:t>
+            </a:r>
+          </a:p>
+        </p:txBody>
+      </p:sp>
+      <p:sp>
+        <p:nvSpPr>
+          <p:cNvPr id="3" name="Content Placeholder 2"/>
+          <p:cNvSpPr>
+            <a:spLocks noGrp="1"/>
+          </p:cNvSpPr>
+          <p:nvPr>
+            <p:ph idx="1"/>
+          </p:nvPr>
+        </p:nvSpPr>
+        <p:spPr/>
+        <p:txBody>
+          <a:bodyPr/>
+          <a:lstStyle/>
+          <a:p>
+            <a:r>
+              <a:rPr lang="en-US" dirty="0"/>
+              <a:t>Can be used with an ArrayList of Maps</a:t>
+            </a:r>
+          </a:p>
+          <a:p>
+            <a:pPr lvl="1"/>
+            <a:r>
+              <a:rPr lang="en-US" dirty="0"/>
+              <a:t>Each entry in the ArrayList corresponds to one row in the list</a:t>
+            </a:r>
+          </a:p>
+          <a:p>
+            <a:pPr lvl="1"/>
+            <a:r>
+              <a:rPr lang="en-US" dirty="0"/>
+              <a:t>The Maps contain the data for each row</a:t>
+            </a:r>
+          </a:p>
+          <a:p>
+            <a:r>
+              <a:rPr lang="en-US" dirty="0"/>
+              <a:t>In the activity’s OnCreate method, instantiate a SimpleAdapter object.</a:t>
+            </a:r>
+          </a:p>
+          <a:p>
+            <a:pPr marL="0" indent="0">
+              <a:buNone/>
+            </a:pPr>
+            <a:endParaRPr lang="en-US" dirty="0"/>
+          </a:p>
+        </p:txBody>
+      </p:sp>
+    </p:spTree>
+    <p:extLst>
+      <p:ext uri="{BB962C8B-B14F-4D97-AF65-F5344CB8AC3E}">
+        <p14:creationId xmlns:p14="http://schemas.microsoft.com/office/powerpoint/2010/main" val="2903174407"/>
+      </p:ext>
+    </p:extLst>
+  </p:cSld>
+  <p:clrMapOvr>
+    <a:masterClrMapping/>
+  </p:clrMapOvr>
 </p:sld>
 </file>
 
@@ -6125,24 +5991,26 @@
             <p:ph type="title"/>
           </p:nvPr>
         </p:nvSpPr>
-        <p:spPr/>
-        <p:txBody>
-          <a:bodyPr/>
-          <a:lstStyle/>
-          <a:p>
-            <a:r>
-              <a:rPr lang="en-US" dirty="0" smtClean="0">
+        <p:spPr>
+          <a:xfrm>
+            <a:off x="457200" y="274638"/>
+            <a:ext cx="8229600" cy="692385"/>
+          </a:xfrm>
+        </p:spPr>
+        <p:txBody>
+          <a:bodyPr>
+            <a:normAutofit fontScale="90000"/>
+          </a:bodyPr>
+          <a:lstStyle/>
+          <a:p>
+            <a:r>
+              <a:rPr lang="en-US" dirty="0">
                 <a:solidFill>
                   <a:srgbClr val="0000FF"/>
                 </a:solidFill>
               </a:rPr>
-              <a:t>Using a SimpleAdapter</a:t>
-            </a:r>
-            <a:endParaRPr lang="en-US" dirty="0">
-              <a:solidFill>
-                <a:srgbClr val="0000FF"/>
-              </a:solidFill>
-            </a:endParaRPr>
+              <a:t>SimpleAdapter Constructor</a:t>
+            </a:r>
           </a:p>
         </p:txBody>
       </p:sp>
@@ -6156,65 +6024,94 @@
             <p:ph idx="1"/>
           </p:nvPr>
         </p:nvSpPr>
-        <p:spPr/>
-        <p:txBody>
-          <a:bodyPr/>
-          <a:lstStyle/>
-          <a:p>
-            <a:r>
-              <a:rPr lang="en-US" dirty="0" smtClean="0"/>
-              <a:t>Can be used with an ArrayList of Maps</a:t>
-            </a:r>
-          </a:p>
-          <a:p>
-            <a:pPr lvl="1"/>
-            <a:r>
-              <a:rPr lang="en-US" dirty="0"/>
-              <a:t>Each entry in the ArrayList corresponds to one row in the </a:t>
-            </a:r>
-            <a:r>
-              <a:rPr lang="en-US" dirty="0" smtClean="0"/>
-              <a:t>list</a:t>
-            </a:r>
-          </a:p>
-          <a:p>
-            <a:pPr lvl="1"/>
-            <a:r>
-              <a:rPr lang="en-US" dirty="0" smtClean="0"/>
-              <a:t>The Maps contain the data for each row</a:t>
-            </a:r>
-          </a:p>
-          <a:p>
-            <a:r>
-              <a:rPr lang="en-US" dirty="0" smtClean="0"/>
-              <a:t>In the activity’s OnCreate method, instantiate a SimpleAdapter object.</a:t>
-            </a:r>
-          </a:p>
+        <p:spPr>
+          <a:xfrm>
+            <a:off x="279651" y="1130135"/>
+            <a:ext cx="8715784" cy="5196293"/>
+          </a:xfrm>
+        </p:spPr>
+        <p:txBody>
+          <a:bodyPr>
+            <a:normAutofit/>
+          </a:bodyPr>
+          <a:lstStyle/>
           <a:p>
             <a:pPr marL="0" indent="0">
               <a:buNone/>
             </a:pPr>
-            <a:endParaRPr lang="en-US" dirty="0" smtClean="0"/>
+            <a:r>
+              <a:rPr lang="en-US" i="1" dirty="0"/>
+              <a:t>public SimpleAdapter (Context context, </a:t>
+            </a:r>
+          </a:p>
+          <a:p>
+            <a:pPr marL="0" indent="0">
+              <a:buNone/>
+            </a:pPr>
+            <a:r>
+              <a:rPr lang="en-US" i="1" dirty="0"/>
+              <a:t>	List&lt;? extends Map&lt;String, ?&gt;&gt; data,</a:t>
+            </a:r>
+          </a:p>
+          <a:p>
+            <a:pPr marL="0" indent="0">
+              <a:buNone/>
+            </a:pPr>
+            <a:r>
+              <a:rPr lang="en-US" i="1" dirty="0"/>
+              <a:t>	Int32 resource, String[] from, Int[] to)</a:t>
+            </a:r>
+          </a:p>
+          <a:p>
+            <a:r>
+              <a:rPr lang="en-US" sz="2800" dirty="0"/>
+              <a:t>context: The host Activity context</a:t>
+            </a:r>
+          </a:p>
+          <a:p>
+            <a:r>
+              <a:rPr lang="en-US" sz="2800" dirty="0"/>
+              <a:t>data: A List of Map&lt;string, ?&gt; objects</a:t>
+            </a:r>
+          </a:p>
+          <a:p>
+            <a:r>
+              <a:rPr lang="en-US" sz="2800" dirty="0"/>
+              <a:t>resource: ListView layout from </a:t>
+            </a:r>
+            <a:r>
+              <a:rPr lang="en-US" sz="2800" i="1" dirty="0" err="1"/>
+              <a:t>Android.Resource.Layout</a:t>
+            </a:r>
+            <a:endParaRPr lang="en-US" sz="2800" i="1" dirty="0"/>
+          </a:p>
+          <a:p>
+            <a:r>
+              <a:rPr lang="en-US" sz="2800" dirty="0"/>
+              <a:t>from: Map key for data source</a:t>
+            </a:r>
+          </a:p>
+          <a:p>
+            <a:r>
+              <a:rPr lang="en-US" sz="2800" dirty="0"/>
+              <a:t>to: ListView widget property for displaying data</a:t>
+            </a:r>
+          </a:p>
+          <a:p>
+            <a:endParaRPr lang="en-US" dirty="0"/>
           </a:p>
         </p:txBody>
       </p:sp>
     </p:spTree>
     <p:extLst>
       <p:ext uri="{BB962C8B-B14F-4D97-AF65-F5344CB8AC3E}">
-        <p14:creationId xmlns:p14="http://schemas.microsoft.com/office/powerpoint/2010/main" val="2903174407"/>
+        <p14:creationId xmlns:p14="http://schemas.microsoft.com/office/powerpoint/2010/main" val="2558767997"/>
       </p:ext>
     </p:extLst>
   </p:cSld>
   <p:clrMapOvr>
     <a:masterClrMapping/>
   </p:clrMapOvr>
-  <p:timing>
-    <p:tnLst>
-      <p:par>
-        <p:cTn id="1" dur="indefinite" restart="never" nodeType="tmRoot"/>
-      </p:par>
-    </p:tnLst>
-  </p:timing>
 </p:sld>
 </file>
 
@@ -6256,18 +6153,13 @@
           <a:lstStyle/>
           <a:p>
             <a:r>
-              <a:rPr lang="en-US" dirty="0" smtClean="0">
+              <a:rPr lang="en-US" dirty="0">
                 <a:solidFill>
                   <a:srgbClr val="2D2DB9"/>
                 </a:solidFill>
               </a:rPr>
               <a:t>Course Overview</a:t>
             </a:r>
-            <a:endParaRPr lang="en-US" dirty="0">
-              <a:solidFill>
-                <a:srgbClr val="2D2DB9"/>
-              </a:solidFill>
-            </a:endParaRPr>
           </a:p>
         </p:txBody>
       </p:sp>
@@ -6297,8 +6189,20 @@
                 <a:tableStyleId>{5C22544A-7EE6-4342-B048-85BDC9FD1C3A}</a:tableStyleId>
               </a:tblPr>
               <a:tblGrid>
-                <a:gridCol w="511701"/>
-                <a:gridCol w="3299499"/>
+                <a:gridCol w="511701">
+                  <a:extLst>
+                    <a:ext uri="{9D8B030D-6E8A-4147-A177-3AD203B41FA5}">
+                      <a16:colId xmlns:a16="http://schemas.microsoft.com/office/drawing/2014/main" val="20000"/>
+                    </a:ext>
+                  </a:extLst>
+                </a:gridCol>
+                <a:gridCol w="3299499">
+                  <a:extLst>
+                    <a:ext uri="{9D8B030D-6E8A-4147-A177-3AD203B41FA5}">
+                      <a16:colId xmlns:a16="http://schemas.microsoft.com/office/drawing/2014/main" val="20001"/>
+                    </a:ext>
+                  </a:extLst>
+                </a:gridCol>
               </a:tblGrid>
               <a:tr h="428284">
                 <a:tc>
@@ -6307,10 +6211,9 @@
                     <a:lstStyle/>
                     <a:p>
                       <a:r>
-                        <a:rPr lang="en-US" dirty="0" smtClean="0"/>
+                        <a:rPr lang="en-US" dirty="0"/>
                         <a:t>Wk</a:t>
                       </a:r>
-                      <a:endParaRPr lang="en-US" dirty="0"/>
                     </a:p>
                   </a:txBody>
                   <a:tcPr/>
@@ -6321,14 +6224,18 @@
                     <a:lstStyle/>
                     <a:p>
                       <a:r>
-                        <a:rPr lang="en-US" dirty="0" smtClean="0"/>
+                        <a:rPr lang="en-US" dirty="0"/>
                         <a:t>Topic</a:t>
                       </a:r>
-                      <a:endParaRPr lang="en-US" dirty="0"/>
                     </a:p>
                   </a:txBody>
                   <a:tcPr/>
                 </a:tc>
+                <a:extLst>
+                  <a:ext uri="{0D108BD9-81ED-4DB2-BD59-A6C34878D82A}">
+                    <a16:rowId xmlns:a16="http://schemas.microsoft.com/office/drawing/2014/main" val="10000"/>
+                  </a:ext>
+                </a:extLst>
               </a:tr>
               <a:tr h="428284">
                 <a:tc>
@@ -6337,10 +6244,9 @@
                     <a:lstStyle/>
                     <a:p>
                       <a:r>
-                        <a:rPr lang="en-US" sz="2800" dirty="0" smtClean="0"/>
+                        <a:rPr lang="en-US" sz="2800" dirty="0"/>
                         <a:t>1</a:t>
                       </a:r>
-                      <a:endParaRPr lang="en-US" sz="2800" dirty="0"/>
                     </a:p>
                   </a:txBody>
                   <a:tcPr>
@@ -6375,22 +6281,22 @@
                         <a:defRPr/>
                       </a:pPr>
                       <a:r>
-                        <a:rPr lang="en-US" sz="2800" dirty="0" smtClean="0"/>
+                        <a:rPr lang="en-US" sz="2800" dirty="0"/>
                         <a:t>Intro</a:t>
                       </a:r>
                       <a:r>
-                        <a:rPr lang="en-US" sz="2800" baseline="0" dirty="0" smtClean="0"/>
+                        <a:rPr lang="en-US" sz="2800" baseline="0" dirty="0"/>
                         <a:t>,</a:t>
                       </a:r>
                       <a:r>
-                        <a:rPr lang="en-US" sz="2800" dirty="0" smtClean="0"/>
+                        <a:rPr lang="en-US" sz="2800" dirty="0"/>
                         <a:t> </a:t>
                       </a:r>
                       <a:br>
-                        <a:rPr lang="en-US" sz="2800" dirty="0" smtClean="0"/>
+                        <a:rPr lang="en-US" sz="2800" dirty="0"/>
                       </a:br>
                       <a:r>
-                        <a:rPr lang="en-US" sz="2800" dirty="0" smtClean="0"/>
+                        <a:rPr lang="en-US" sz="2800" dirty="0"/>
                         <a:t>single-screen apps</a:t>
                       </a:r>
                     </a:p>
@@ -6404,6 +6310,11 @@
                     </a:solidFill>
                   </a:tcPr>
                 </a:tc>
+                <a:extLst>
+                  <a:ext uri="{0D108BD9-81ED-4DB2-BD59-A6C34878D82A}">
+                    <a16:rowId xmlns:a16="http://schemas.microsoft.com/office/drawing/2014/main" val="10001"/>
+                  </a:ext>
+                </a:extLst>
               </a:tr>
               <a:tr h="428284">
                 <a:tc>
@@ -6412,10 +6323,9 @@
                     <a:lstStyle/>
                     <a:p>
                       <a:r>
-                        <a:rPr lang="en-US" sz="2800" dirty="0" smtClean="0"/>
+                        <a:rPr lang="en-US" sz="2800" dirty="0"/>
                         <a:t>1</a:t>
                       </a:r>
-                      <a:endParaRPr lang="en-US" sz="2800" dirty="0"/>
                     </a:p>
                   </a:txBody>
                   <a:tcPr/>
@@ -6443,18 +6353,23 @@
                         <a:defRPr/>
                       </a:pPr>
                       <a:r>
-                        <a:rPr lang="en-US" sz="2800" dirty="0" smtClean="0"/>
+                        <a:rPr lang="en-US" sz="2800" dirty="0"/>
                         <a:t>Activity Lifecycle, saving</a:t>
                       </a:r>
                       <a:r>
-                        <a:rPr lang="en-US" sz="2800" baseline="0" dirty="0" smtClean="0"/>
+                        <a:rPr lang="en-US" sz="2800" baseline="0" dirty="0"/>
                         <a:t> activity state</a:t>
                       </a:r>
-                      <a:endParaRPr lang="en-US" sz="2800" dirty="0" smtClean="0"/>
+                      <a:endParaRPr lang="en-US" sz="2800" dirty="0"/>
                     </a:p>
                   </a:txBody>
                   <a:tcPr/>
                 </a:tc>
+                <a:extLst>
+                  <a:ext uri="{0D108BD9-81ED-4DB2-BD59-A6C34878D82A}">
+                    <a16:rowId xmlns:a16="http://schemas.microsoft.com/office/drawing/2014/main" val="10002"/>
+                  </a:ext>
+                </a:extLst>
               </a:tr>
               <a:tr h="428284">
                 <a:tc>
@@ -6463,10 +6378,9 @@
                     <a:lstStyle/>
                     <a:p>
                       <a:r>
-                        <a:rPr lang="en-US" sz="2800" dirty="0" smtClean="0"/>
+                        <a:rPr lang="en-US" sz="2800" dirty="0"/>
                         <a:t>2</a:t>
                       </a:r>
-                      <a:endParaRPr lang="en-US" sz="2800" dirty="0"/>
                     </a:p>
                   </a:txBody>
                   <a:tcPr/>
@@ -6494,11 +6408,11 @@
                         <a:defRPr/>
                       </a:pPr>
                       <a:r>
-                        <a:rPr lang="en-US" sz="2800" dirty="0" smtClean="0"/>
+                        <a:rPr lang="en-US" sz="2800" dirty="0"/>
                         <a:t>Layouts</a:t>
                       </a:r>
                       <a:r>
-                        <a:rPr lang="en-US" sz="2800" baseline="0" dirty="0" smtClean="0"/>
+                        <a:rPr lang="en-US" sz="2800" baseline="0" dirty="0"/>
                         <a:t> + widgets,</a:t>
                       </a:r>
                     </a:p>
@@ -6521,14 +6435,19 @@
                         <a:defRPr/>
                       </a:pPr>
                       <a:r>
-                        <a:rPr lang="en-US" sz="2800" baseline="0" dirty="0" smtClean="0"/>
+                        <a:rPr lang="en-US" sz="2800" baseline="0" dirty="0"/>
                         <a:t>Event Handlers</a:t>
                       </a:r>
-                      <a:endParaRPr lang="en-US" sz="2800" dirty="0" smtClean="0"/>
+                      <a:endParaRPr lang="en-US" sz="2800" dirty="0"/>
                     </a:p>
                   </a:txBody>
                   <a:tcPr/>
                 </a:tc>
+                <a:extLst>
+                  <a:ext uri="{0D108BD9-81ED-4DB2-BD59-A6C34878D82A}">
+                    <a16:rowId xmlns:a16="http://schemas.microsoft.com/office/drawing/2014/main" val="10003"/>
+                  </a:ext>
+                </a:extLst>
               </a:tr>
               <a:tr h="428284">
                 <a:tc>
@@ -6537,10 +6456,9 @@
                     <a:lstStyle/>
                     <a:p>
                       <a:r>
-                        <a:rPr lang="en-US" sz="2800" dirty="0" smtClean="0"/>
+                        <a:rPr lang="en-US" sz="2800" dirty="0"/>
                         <a:t>2</a:t>
                       </a:r>
-                      <a:endParaRPr lang="en-US" sz="2800" dirty="0"/>
                     </a:p>
                   </a:txBody>
                   <a:tcPr>
@@ -6574,7 +6492,7 @@
                         <a:defRPr/>
                       </a:pPr>
                       <a:r>
-                        <a:rPr lang="en-US" sz="2800" u="none" baseline="0" dirty="0" smtClean="0"/>
+                        <a:rPr lang="en-US" sz="2800" u="none" baseline="0" dirty="0"/>
                         <a:t>Themes + styles,</a:t>
                       </a:r>
                     </a:p>
@@ -6597,10 +6515,10 @@
                         <a:defRPr/>
                       </a:pPr>
                       <a:r>
-                        <a:rPr lang="en-US" sz="2800" u="none" baseline="0" dirty="0" smtClean="0"/>
+                        <a:rPr lang="en-US" sz="2800" u="none" baseline="0" dirty="0"/>
                         <a:t>Menu + settings</a:t>
                       </a:r>
-                      <a:endParaRPr lang="en-US" sz="2800" u="none" dirty="0" smtClean="0"/>
+                      <a:endParaRPr lang="en-US" sz="2800" u="none" dirty="0"/>
                     </a:p>
                   </a:txBody>
                   <a:tcPr>
@@ -6611,6 +6529,11 @@
                     </a:solidFill>
                   </a:tcPr>
                 </a:tc>
+                <a:extLst>
+                  <a:ext uri="{0D108BD9-81ED-4DB2-BD59-A6C34878D82A}">
+                    <a16:rowId xmlns:a16="http://schemas.microsoft.com/office/drawing/2014/main" val="10004"/>
+                  </a:ext>
+                </a:extLst>
               </a:tr>
               <a:tr h="428284">
                 <a:tc>
@@ -6619,10 +6542,9 @@
                     <a:lstStyle/>
                     <a:p>
                       <a:r>
-                        <a:rPr lang="en-US" sz="2800" dirty="0" smtClean="0"/>
+                        <a:rPr lang="en-US" sz="2800" dirty="0"/>
                         <a:t>2</a:t>
                       </a:r>
-                      <a:endParaRPr lang="en-US" sz="2800" dirty="0"/>
                     </a:p>
                   </a:txBody>
                   <a:tcPr>
@@ -6657,14 +6579,14 @@
                         <a:defRPr/>
                       </a:pPr>
                       <a:r>
-                        <a:rPr lang="en-US" sz="2800" dirty="0" smtClean="0"/>
+                        <a:rPr lang="en-US" sz="2800" dirty="0"/>
                         <a:t>Multi-screen</a:t>
                       </a:r>
                       <a:r>
-                        <a:rPr lang="en-US" sz="2800" baseline="0" dirty="0" smtClean="0"/>
+                        <a:rPr lang="en-US" sz="2800" baseline="0" dirty="0"/>
                         <a:t> apps</a:t>
                       </a:r>
-                      <a:endParaRPr lang="en-US" sz="2800" u="none" dirty="0" smtClean="0">
+                      <a:endParaRPr lang="en-US" sz="2800" u="none" dirty="0">
                         <a:solidFill>
                           <a:schemeClr val="tx1"/>
                         </a:solidFill>
@@ -6680,6 +6602,11 @@
                     </a:solidFill>
                   </a:tcPr>
                 </a:tc>
+                <a:extLst>
+                  <a:ext uri="{0D108BD9-81ED-4DB2-BD59-A6C34878D82A}">
+                    <a16:rowId xmlns:a16="http://schemas.microsoft.com/office/drawing/2014/main" val="10005"/>
+                  </a:ext>
+                </a:extLst>
               </a:tr>
             </a:tbl>
           </a:graphicData>
@@ -6711,8 +6638,20 @@
                 <a:tableStyleId>{5C22544A-7EE6-4342-B048-85BDC9FD1C3A}</a:tableStyleId>
               </a:tblPr>
               <a:tblGrid>
-                <a:gridCol w="589196"/>
-                <a:gridCol w="3685178"/>
+                <a:gridCol w="589196">
+                  <a:extLst>
+                    <a:ext uri="{9D8B030D-6E8A-4147-A177-3AD203B41FA5}">
+                      <a16:colId xmlns:a16="http://schemas.microsoft.com/office/drawing/2014/main" val="20000"/>
+                    </a:ext>
+                  </a:extLst>
+                </a:gridCol>
+                <a:gridCol w="3685178">
+                  <a:extLst>
+                    <a:ext uri="{9D8B030D-6E8A-4147-A177-3AD203B41FA5}">
+                      <a16:colId xmlns:a16="http://schemas.microsoft.com/office/drawing/2014/main" val="20001"/>
+                    </a:ext>
+                  </a:extLst>
+                </a:gridCol>
               </a:tblGrid>
               <a:tr h="388258">
                 <a:tc>
@@ -6721,10 +6660,9 @@
                     <a:lstStyle/>
                     <a:p>
                       <a:r>
-                        <a:rPr lang="en-US" dirty="0" smtClean="0"/>
+                        <a:rPr lang="en-US" dirty="0"/>
                         <a:t>Wk</a:t>
                       </a:r>
-                      <a:endParaRPr lang="en-US" dirty="0"/>
                     </a:p>
                   </a:txBody>
                   <a:tcPr/>
@@ -6735,14 +6673,18 @@
                     <a:lstStyle/>
                     <a:p>
                       <a:r>
-                        <a:rPr lang="en-US" dirty="0" smtClean="0"/>
+                        <a:rPr lang="en-US" dirty="0"/>
                         <a:t>Topic</a:t>
                       </a:r>
-                      <a:endParaRPr lang="en-US" dirty="0"/>
                     </a:p>
                   </a:txBody>
                   <a:tcPr/>
                 </a:tc>
+                <a:extLst>
+                  <a:ext uri="{0D108BD9-81ED-4DB2-BD59-A6C34878D82A}">
+                    <a16:rowId xmlns:a16="http://schemas.microsoft.com/office/drawing/2014/main" val="10000"/>
+                  </a:ext>
+                </a:extLst>
               </a:tr>
               <a:tr h="572350">
                 <a:tc>
@@ -6751,10 +6693,9 @@
                     <a:lstStyle/>
                     <a:p>
                       <a:r>
-                        <a:rPr lang="en-US" sz="2800" dirty="0" smtClean="0"/>
+                        <a:rPr lang="en-US" sz="2800" dirty="0"/>
                         <a:t>3</a:t>
                       </a:r>
-                      <a:endParaRPr lang="en-US" sz="2800" dirty="0"/>
                     </a:p>
                   </a:txBody>
                   <a:tcPr>
@@ -6789,7 +6730,7 @@
                         <a:defRPr/>
                       </a:pPr>
                       <a:r>
-                        <a:rPr lang="en-US" sz="2800" dirty="0" smtClean="0"/>
+                        <a:rPr lang="en-US" sz="2800" dirty="0"/>
                         <a:t>Fragments</a:t>
                       </a:r>
                     </a:p>
@@ -6803,6 +6744,11 @@
                     </a:solidFill>
                   </a:tcPr>
                 </a:tc>
+                <a:extLst>
+                  <a:ext uri="{0D108BD9-81ED-4DB2-BD59-A6C34878D82A}">
+                    <a16:rowId xmlns:a16="http://schemas.microsoft.com/office/drawing/2014/main" val="10001"/>
+                  </a:ext>
+                </a:extLst>
               </a:tr>
               <a:tr h="989260">
                 <a:tc>
@@ -6811,10 +6757,9 @@
                     <a:lstStyle/>
                     <a:p>
                       <a:r>
-                        <a:rPr lang="en-US" sz="2800" dirty="0" smtClean="0"/>
+                        <a:rPr lang="en-US" sz="2800" dirty="0"/>
                         <a:t>3</a:t>
                       </a:r>
-                      <a:endParaRPr lang="en-US" sz="2800" dirty="0"/>
                     </a:p>
                   </a:txBody>
                   <a:tcPr>
@@ -6849,7 +6794,7 @@
                         <a:defRPr/>
                       </a:pPr>
                       <a:r>
-                        <a:rPr lang="en-US" sz="2800" baseline="0" dirty="0" smtClean="0"/>
+                        <a:rPr lang="en-US" sz="2800" baseline="0" dirty="0"/>
                         <a:t>Reading XML files,</a:t>
                       </a:r>
                     </a:p>
@@ -6872,10 +6817,10 @@
                         <a:defRPr/>
                       </a:pPr>
                       <a:r>
-                        <a:rPr lang="en-US" sz="2800" baseline="0" dirty="0" smtClean="0"/>
+                        <a:rPr lang="en-US" sz="2800" baseline="0" dirty="0"/>
                         <a:t>Asynch Tasks</a:t>
                       </a:r>
-                      <a:endParaRPr lang="en-US" sz="2800" dirty="0" smtClean="0"/>
+                      <a:endParaRPr lang="en-US" sz="2800" dirty="0"/>
                     </a:p>
                   </a:txBody>
                   <a:tcPr>
@@ -6887,6 +6832,11 @@
                     </a:solidFill>
                   </a:tcPr>
                 </a:tc>
+                <a:extLst>
+                  <a:ext uri="{0D108BD9-81ED-4DB2-BD59-A6C34878D82A}">
+                    <a16:rowId xmlns:a16="http://schemas.microsoft.com/office/drawing/2014/main" val="10002"/>
+                  </a:ext>
+                </a:extLst>
               </a:tr>
               <a:tr h="655380">
                 <a:tc>
@@ -6895,10 +6845,9 @@
                     <a:lstStyle/>
                     <a:p>
                       <a:r>
-                        <a:rPr lang="en-US" sz="2800" dirty="0" smtClean="0"/>
+                        <a:rPr lang="en-US" sz="2800" dirty="0"/>
                         <a:t>3</a:t>
                       </a:r>
-                      <a:endParaRPr lang="en-US" sz="2800" dirty="0"/>
                     </a:p>
                   </a:txBody>
                   <a:tcPr>
@@ -6930,7 +6879,7 @@
                         <a:defRPr/>
                       </a:pPr>
                       <a:r>
-                        <a:rPr lang="en-US" sz="2800" dirty="0" smtClean="0"/>
+                        <a:rPr lang="en-US" sz="2800" dirty="0"/>
                         <a:t>List Views</a:t>
                       </a:r>
                     </a:p>
@@ -6941,6 +6890,11 @@
                     </a:solidFill>
                   </a:tcPr>
                 </a:tc>
+                <a:extLst>
+                  <a:ext uri="{0D108BD9-81ED-4DB2-BD59-A6C34878D82A}">
+                    <a16:rowId xmlns:a16="http://schemas.microsoft.com/office/drawing/2014/main" val="10003"/>
+                  </a:ext>
+                </a:extLst>
               </a:tr>
               <a:tr h="588959">
                 <a:tc>
@@ -6949,10 +6903,9 @@
                     <a:lstStyle/>
                     <a:p>
                       <a:r>
-                        <a:rPr lang="en-US" sz="2800" dirty="0" smtClean="0"/>
+                        <a:rPr lang="en-US" sz="2800" dirty="0"/>
                         <a:t>3</a:t>
                       </a:r>
-                      <a:endParaRPr lang="en-US" sz="2800" dirty="0"/>
                     </a:p>
                   </a:txBody>
                   <a:tcPr/>
@@ -6980,18 +6933,23 @@
                         <a:defRPr/>
                       </a:pPr>
                       <a:r>
-                        <a:rPr lang="en-US" sz="2800" dirty="0" smtClean="0"/>
+                        <a:rPr lang="en-US" sz="2800" dirty="0"/>
                         <a:t>SQLite</a:t>
                       </a:r>
                       <a:r>
-                        <a:rPr lang="en-US" sz="2800" baseline="0" dirty="0" smtClean="0"/>
+                        <a:rPr lang="en-US" sz="2800" baseline="0" dirty="0"/>
                         <a:t> Database</a:t>
                       </a:r>
-                      <a:endParaRPr lang="en-US" sz="2800" dirty="0" smtClean="0"/>
+                      <a:endParaRPr lang="en-US" sz="2800" dirty="0"/>
                     </a:p>
                   </a:txBody>
                   <a:tcPr/>
                 </a:tc>
+                <a:extLst>
+                  <a:ext uri="{0D108BD9-81ED-4DB2-BD59-A6C34878D82A}">
+                    <a16:rowId xmlns:a16="http://schemas.microsoft.com/office/drawing/2014/main" val="10004"/>
+                  </a:ext>
+                </a:extLst>
               </a:tr>
               <a:tr h="989260">
                 <a:tc>
@@ -7000,10 +6958,9 @@
                     <a:lstStyle/>
                     <a:p>
                       <a:r>
-                        <a:rPr lang="en-US" sz="2800" dirty="0" smtClean="0"/>
+                        <a:rPr lang="en-US" sz="2800" dirty="0"/>
                         <a:t>4</a:t>
                       </a:r>
-                      <a:endParaRPr lang="en-US" sz="2800" dirty="0"/>
                     </a:p>
                   </a:txBody>
                   <a:tcPr/>
@@ -7031,13 +6988,18 @@
                         <a:defRPr/>
                       </a:pPr>
                       <a:r>
-                        <a:rPr lang="en-US" sz="2800" dirty="0" smtClean="0"/>
+                        <a:rPr lang="en-US" sz="2800" dirty="0"/>
                         <a:t>Consuming a web service</a:t>
                       </a:r>
                     </a:p>
                   </a:txBody>
                   <a:tcPr/>
                 </a:tc>
+                <a:extLst>
+                  <a:ext uri="{0D108BD9-81ED-4DB2-BD59-A6C34878D82A}">
+                    <a16:rowId xmlns:a16="http://schemas.microsoft.com/office/drawing/2014/main" val="10005"/>
+                  </a:ext>
+                </a:extLst>
               </a:tr>
               <a:tr h="542497">
                 <a:tc>
@@ -7046,10 +7008,9 @@
                     <a:lstStyle/>
                     <a:p>
                       <a:r>
-                        <a:rPr lang="en-US" sz="2800" dirty="0" smtClean="0"/>
+                        <a:rPr lang="en-US" sz="2800" dirty="0"/>
                         <a:t>4</a:t>
                       </a:r>
-                      <a:endParaRPr lang="en-US" sz="2800" dirty="0"/>
                     </a:p>
                   </a:txBody>
                   <a:tcPr/>
@@ -7077,13 +7038,18 @@
                         <a:defRPr/>
                       </a:pPr>
                       <a:r>
-                        <a:rPr lang="en-US" sz="2800" dirty="0" smtClean="0"/>
+                        <a:rPr lang="en-US" sz="2800" dirty="0"/>
                         <a:t>Geolocation</a:t>
                       </a:r>
                     </a:p>
                   </a:txBody>
                   <a:tcPr/>
                 </a:tc>
+                <a:extLst>
+                  <a:ext uri="{0D108BD9-81ED-4DB2-BD59-A6C34878D82A}">
+                    <a16:rowId xmlns:a16="http://schemas.microsoft.com/office/drawing/2014/main" val="10006"/>
+                  </a:ext>
+                </a:extLst>
               </a:tr>
             </a:tbl>
           </a:graphicData>
@@ -7099,221 +7065,10 @@
   <p:clrMapOvr>
     <a:masterClrMapping/>
   </p:clrMapOvr>
-  <p:timing>
-    <p:tnLst>
-      <p:par>
-        <p:cTn id="1" dur="indefinite" restart="never" nodeType="tmRoot"/>
-      </p:par>
-    </p:tnLst>
-  </p:timing>
 </p:sld>
 </file>
 
 <file path=ppt/slides/slide20.xml><?xml version="1.0" encoding="utf-8"?>
-<p:sld xmlns:a="http://schemas.openxmlformats.org/drawingml/2006/main" xmlns:r="http://schemas.openxmlformats.org/officeDocument/2006/relationships" xmlns:p="http://schemas.openxmlformats.org/presentationml/2006/main">
-  <p:cSld>
-    <p:spTree>
-      <p:nvGrpSpPr>
-        <p:cNvPr id="1" name=""/>
-        <p:cNvGrpSpPr/>
-        <p:nvPr/>
-      </p:nvGrpSpPr>
-      <p:grpSpPr>
-        <a:xfrm>
-          <a:off x="0" y="0"/>
-          <a:ext cx="0" cy="0"/>
-          <a:chOff x="0" y="0"/>
-          <a:chExt cx="0" cy="0"/>
-        </a:xfrm>
-      </p:grpSpPr>
-      <p:sp>
-        <p:nvSpPr>
-          <p:cNvPr id="2" name="Title 1"/>
-          <p:cNvSpPr>
-            <a:spLocks noGrp="1"/>
-          </p:cNvSpPr>
-          <p:nvPr>
-            <p:ph type="title"/>
-          </p:nvPr>
-        </p:nvSpPr>
-        <p:spPr>
-          <a:xfrm>
-            <a:off x="457200" y="274638"/>
-            <a:ext cx="8229600" cy="692385"/>
-          </a:xfrm>
-        </p:spPr>
-        <p:txBody>
-          <a:bodyPr>
-            <a:normAutofit fontScale="90000"/>
-          </a:bodyPr>
-          <a:lstStyle/>
-          <a:p>
-            <a:r>
-              <a:rPr lang="en-US" dirty="0" smtClean="0">
-                <a:solidFill>
-                  <a:srgbClr val="0000FF"/>
-                </a:solidFill>
-              </a:rPr>
-              <a:t>SimpleAdapter Constructor</a:t>
-            </a:r>
-            <a:endParaRPr lang="en-US" dirty="0">
-              <a:solidFill>
-                <a:srgbClr val="0000FF"/>
-              </a:solidFill>
-            </a:endParaRPr>
-          </a:p>
-        </p:txBody>
-      </p:sp>
-      <p:sp>
-        <p:nvSpPr>
-          <p:cNvPr id="3" name="Content Placeholder 2"/>
-          <p:cNvSpPr>
-            <a:spLocks noGrp="1"/>
-          </p:cNvSpPr>
-          <p:nvPr>
-            <p:ph idx="1"/>
-          </p:nvPr>
-        </p:nvSpPr>
-        <p:spPr>
-          <a:xfrm>
-            <a:off x="279651" y="1130135"/>
-            <a:ext cx="8715784" cy="5196293"/>
-          </a:xfrm>
-        </p:spPr>
-        <p:txBody>
-          <a:bodyPr>
-            <a:normAutofit/>
-          </a:bodyPr>
-          <a:lstStyle/>
-          <a:p>
-            <a:pPr marL="0" indent="0">
-              <a:buNone/>
-            </a:pPr>
-            <a:r>
-              <a:rPr lang="en-US" i="1" dirty="0"/>
-              <a:t>public SimpleAdapter (Context context, </a:t>
-            </a:r>
-            <a:endParaRPr lang="en-US" i="1" dirty="0" smtClean="0"/>
-          </a:p>
-          <a:p>
-            <a:pPr marL="0" indent="0">
-              <a:buNone/>
-            </a:pPr>
-            <a:r>
-              <a:rPr lang="en-US" i="1" dirty="0"/>
-              <a:t>	</a:t>
-            </a:r>
-            <a:r>
-              <a:rPr lang="en-US" i="1" dirty="0" smtClean="0"/>
-              <a:t>List</a:t>
-            </a:r>
-            <a:r>
-              <a:rPr lang="en-US" i="1" dirty="0"/>
-              <a:t>&lt;? extends Map&lt;String</a:t>
-            </a:r>
-            <a:r>
-              <a:rPr lang="en-US" i="1" dirty="0" smtClean="0"/>
-              <a:t>, ?&gt;&gt; data,</a:t>
-            </a:r>
-          </a:p>
-          <a:p>
-            <a:pPr marL="0" indent="0">
-              <a:buNone/>
-            </a:pPr>
-            <a:r>
-              <a:rPr lang="en-US" i="1" dirty="0"/>
-              <a:t>	</a:t>
-            </a:r>
-            <a:r>
-              <a:rPr lang="en-US" i="1" dirty="0" smtClean="0"/>
-              <a:t>Int32 </a:t>
-            </a:r>
-            <a:r>
-              <a:rPr lang="en-US" i="1" dirty="0"/>
-              <a:t>resource, </a:t>
-            </a:r>
-            <a:r>
-              <a:rPr lang="en-US" i="1" dirty="0" smtClean="0"/>
-              <a:t>String</a:t>
-            </a:r>
-            <a:r>
-              <a:rPr lang="en-US" i="1" dirty="0"/>
-              <a:t>[] from, </a:t>
-            </a:r>
-            <a:r>
-              <a:rPr lang="en-US" i="1" dirty="0" smtClean="0"/>
-              <a:t>Int[</a:t>
-            </a:r>
-            <a:r>
-              <a:rPr lang="en-US" i="1" dirty="0"/>
-              <a:t>] to</a:t>
-            </a:r>
-            <a:r>
-              <a:rPr lang="en-US" i="1" dirty="0" smtClean="0"/>
-              <a:t>)</a:t>
-            </a:r>
-          </a:p>
-          <a:p>
-            <a:r>
-              <a:rPr lang="en-US" sz="2800" dirty="0" smtClean="0"/>
-              <a:t>context: The host Activity context</a:t>
-            </a:r>
-          </a:p>
-          <a:p>
-            <a:r>
-              <a:rPr lang="en-US" sz="2800" dirty="0" smtClean="0"/>
-              <a:t>data: A List of Map&lt;string, ?&gt; objects</a:t>
-            </a:r>
-          </a:p>
-          <a:p>
-            <a:r>
-              <a:rPr lang="en-US" sz="2800" dirty="0" smtClean="0"/>
-              <a:t>resource: ListView layout from </a:t>
-            </a:r>
-            <a:r>
-              <a:rPr lang="en-US" sz="2800" i="1" dirty="0" err="1" smtClean="0"/>
-              <a:t>Android.Resource.Layout</a:t>
-            </a:r>
-            <a:endParaRPr lang="en-US" sz="2800" i="1" dirty="0" smtClean="0"/>
-          </a:p>
-          <a:p>
-            <a:r>
-              <a:rPr lang="en-US" sz="2800" dirty="0" smtClean="0"/>
-              <a:t>from: Map key for data source</a:t>
-            </a:r>
-          </a:p>
-          <a:p>
-            <a:r>
-              <a:rPr lang="en-US" sz="2800" dirty="0" smtClean="0"/>
-              <a:t>to: ListView widget property for displaying data</a:t>
-            </a:r>
-          </a:p>
-          <a:p>
-            <a:endParaRPr lang="en-US" dirty="0"/>
-          </a:p>
-        </p:txBody>
-      </p:sp>
-    </p:spTree>
-    <p:extLst>
-      <p:ext uri="{BB962C8B-B14F-4D97-AF65-F5344CB8AC3E}">
-        <p14:creationId xmlns:p14="http://schemas.microsoft.com/office/powerpoint/2010/main" val="2558767997"/>
-      </p:ext>
-    </p:extLst>
-  </p:cSld>
-  <p:clrMapOvr>
-    <a:masterClrMapping/>
-  </p:clrMapOvr>
-  <p:timing>
-    <p:tnLst>
-      <p:par>
-        <p:cTn id="1" dur="indefinite" restart="never" nodeType="tmRoot"/>
-      </p:par>
-    </p:tnLst>
-  </p:timing>
-</p:sld>
-</file>
-
-<file path=ppt/slides/slide21.xml><?xml version="1.0" encoding="utf-8"?>
 <p:sld xmlns:a="http://schemas.openxmlformats.org/drawingml/2006/main" xmlns:r="http://schemas.openxmlformats.org/officeDocument/2006/relationships" xmlns:p="http://schemas.openxmlformats.org/presentationml/2006/main">
   <p:cSld>
     <p:bg>
@@ -7369,18 +7124,13 @@
           <a:lstStyle/>
           <a:p>
             <a:r>
-              <a:rPr lang="en-US" dirty="0" smtClean="0">
+              <a:rPr lang="en-US" dirty="0">
                 <a:solidFill>
                   <a:srgbClr val="0000FF"/>
                 </a:solidFill>
               </a:rPr>
               <a:t>Code Tour</a:t>
             </a:r>
-            <a:endParaRPr lang="en-US" dirty="0">
-              <a:solidFill>
-                <a:srgbClr val="0000FF"/>
-              </a:solidFill>
-            </a:endParaRPr>
           </a:p>
         </p:txBody>
       </p:sp>
@@ -7400,21 +7150,21 @@
           <a:lstStyle/>
           <a:p>
             <a:r>
-              <a:rPr lang="en-US" dirty="0" smtClean="0"/>
+              <a:rPr lang="en-US" dirty="0"/>
               <a:t>Open the Ch. 10 RSS Feed Reader App</a:t>
             </a:r>
           </a:p>
           <a:p>
             <a:r>
-              <a:rPr lang="en-US" dirty="0" smtClean="0"/>
+              <a:rPr lang="en-US" dirty="0"/>
               <a:t>In the </a:t>
             </a:r>
             <a:r>
-              <a:rPr lang="en-US" dirty="0" err="1" smtClean="0"/>
+              <a:rPr lang="en-US" dirty="0" err="1"/>
               <a:t>ItemsActivity</a:t>
             </a:r>
             <a:r>
-              <a:rPr lang="en-US" dirty="0" smtClean="0"/>
+              <a:rPr lang="en-US" dirty="0"/>
               <a:t> class, look at the code that creates and sets the adapter.</a:t>
             </a:r>
           </a:p>
@@ -7430,17 +7180,10 @@
   <p:clrMapOvr>
     <a:masterClrMapping/>
   </p:clrMapOvr>
-  <p:timing>
-    <p:tnLst>
-      <p:par>
-        <p:cTn id="1" dur="indefinite" restart="never" nodeType="tmRoot"/>
-      </p:par>
-    </p:tnLst>
-  </p:timing>
 </p:sld>
 </file>
 
-<file path=ppt/slides/slide22.xml><?xml version="1.0" encoding="utf-8"?>
+<file path=ppt/slides/slide21.xml><?xml version="1.0" encoding="utf-8"?>
 <p:sld xmlns:a="http://schemas.openxmlformats.org/drawingml/2006/main" xmlns:r="http://schemas.openxmlformats.org/officeDocument/2006/relationships" xmlns:p="http://schemas.openxmlformats.org/presentationml/2006/main">
   <p:cSld>
     <p:spTree>
@@ -7476,10 +7219,9 @@
               <a:defRPr/>
             </a:pPr>
             <a:r>
-              <a:rPr lang="en-US" smtClean="0"/>
+              <a:rPr lang="en-US"/>
               <a:t>Murach's Android Programming, C10</a:t>
             </a:r>
-            <a:endParaRPr lang="en-US"/>
           </a:p>
         </p:txBody>
       </p:sp>
@@ -7502,10 +7244,9 @@
               <a:defRPr/>
             </a:pPr>
             <a:r>
-              <a:rPr lang="en-US" dirty="0" smtClean="0"/>
+              <a:rPr lang="en-US" dirty="0"/>
               <a:t>© 2015, Mike Murach &amp; Associates, Inc.</a:t>
             </a:r>
-            <a:endParaRPr lang="en-US" dirty="0"/>
           </a:p>
         </p:txBody>
       </p:sp>
@@ -7527,14 +7268,14 @@
             <a:pPr>
               <a:defRPr/>
             </a:pPr>
-            <a:endParaRPr lang="en-US" smtClean="0"/>
+            <a:endParaRPr lang="en-US"/>
           </a:p>
           <a:p>
             <a:pPr algn="r">
               <a:defRPr/>
             </a:pPr>
             <a:r>
-              <a:rPr lang="en-US" sz="900" smtClean="0">
+              <a:rPr lang="en-US" sz="900">
                 <a:latin typeface="Arial Narrow" pitchFamily="34" charset="0"/>
               </a:rPr>
               <a:t>Slide </a:t>
@@ -7546,7 +7287,7 @@
               <a:pPr algn="r">
                 <a:defRPr/>
               </a:pPr>
-              <a:t>22</a:t>
+              <a:t>21</a:t>
             </a:fld>
             <a:endParaRPr lang="en-US" sz="900">
               <a:latin typeface="Arial Narrow" pitchFamily="34" charset="0"/>
@@ -7576,12 +7317,12 @@
           <a:graphicData uri="http://schemas.openxmlformats.org/presentationml/2006/ole">
             <mc:AlternateContent xmlns:mc="http://schemas.openxmlformats.org/markup-compatibility/2006">
               <mc:Choice xmlns:v="urn:schemas-microsoft-com:vml" Requires="v">
-                <p:oleObj spid="_x0000_s29726" name="Document" r:id="rId4" imgW="7423428" imgH="5323366" progId="Word.Document.12">
+                <p:oleObj spid="_x0000_s29730" name="Document" r:id="rId3" imgW="7423428" imgH="5323366" progId="Word.Document.12">
                   <p:embed/>
                 </p:oleObj>
               </mc:Choice>
               <mc:Fallback>
-                <p:oleObj name="Document" r:id="rId4" imgW="7423428" imgH="5323366" progId="Word.Document.12">
+                <p:oleObj name="Document" r:id="rId3" imgW="7423428" imgH="5323366" progId="Word.Document.12">
                   <p:embed/>
                   <p:pic>
                     <p:nvPicPr>
@@ -7590,7 +7331,7 @@
                       <p:nvPr/>
                     </p:nvPicPr>
                     <p:blipFill>
-                      <a:blip r:embed="rId5"/>
+                      <a:blip r:embed="rId4"/>
                       <a:stretch>
                         <a:fillRect/>
                       </a:stretch>
@@ -7621,17 +7362,374 @@
   <p:clrMapOvr>
     <a:masterClrMapping/>
   </p:clrMapOvr>
-  <p:timing>
-    <p:tnLst>
-      <p:par>
-        <p:cTn id="1" dur="indefinite" restart="never" nodeType="tmRoot"/>
-      </p:par>
-    </p:tnLst>
-  </p:timing>
+</p:sld>
+</file>
+
+<file path=ppt/slides/slide22.xml><?xml version="1.0" encoding="utf-8"?>
+<p:sld xmlns:a="http://schemas.openxmlformats.org/drawingml/2006/main" xmlns:r="http://schemas.openxmlformats.org/officeDocument/2006/relationships" xmlns:p="http://schemas.openxmlformats.org/presentationml/2006/main">
+  <p:cSld>
+    <p:spTree>
+      <p:nvGrpSpPr>
+        <p:cNvPr id="1" name=""/>
+        <p:cNvGrpSpPr/>
+        <p:nvPr/>
+      </p:nvGrpSpPr>
+      <p:grpSpPr>
+        <a:xfrm>
+          <a:off x="0" y="0"/>
+          <a:ext cx="0" cy="0"/>
+          <a:chOff x="0" y="0"/>
+          <a:chExt cx="0" cy="0"/>
+        </a:xfrm>
+      </p:grpSpPr>
+      <p:sp>
+        <p:nvSpPr>
+          <p:cNvPr id="2" name="Date Placeholder 1"/>
+          <p:cNvSpPr>
+            <a:spLocks noGrp="1"/>
+          </p:cNvSpPr>
+          <p:nvPr>
+            <p:ph type="dt" sz="half" idx="10"/>
+          </p:nvPr>
+        </p:nvSpPr>
+        <p:spPr/>
+        <p:txBody>
+          <a:bodyPr/>
+          <a:lstStyle/>
+          <a:p>
+            <a:pPr>
+              <a:defRPr/>
+            </a:pPr>
+            <a:r>
+              <a:rPr lang="en-US"/>
+              <a:t>Murach's Android Programming, C10</a:t>
+            </a:r>
+          </a:p>
+        </p:txBody>
+      </p:sp>
+      <p:sp>
+        <p:nvSpPr>
+          <p:cNvPr id="3" name="Footer Placeholder 2"/>
+          <p:cNvSpPr>
+            <a:spLocks noGrp="1"/>
+          </p:cNvSpPr>
+          <p:nvPr>
+            <p:ph type="ftr" sz="quarter" idx="11"/>
+          </p:nvPr>
+        </p:nvSpPr>
+        <p:spPr/>
+        <p:txBody>
+          <a:bodyPr/>
+          <a:lstStyle/>
+          <a:p>
+            <a:pPr>
+              <a:defRPr/>
+            </a:pPr>
+            <a:r>
+              <a:rPr lang="en-US" dirty="0"/>
+              <a:t>© 2015, Mike Murach &amp; Associates, Inc.</a:t>
+            </a:r>
+          </a:p>
+        </p:txBody>
+      </p:sp>
+      <p:sp>
+        <p:nvSpPr>
+          <p:cNvPr id="4" name="Slide Number Placeholder 3"/>
+          <p:cNvSpPr>
+            <a:spLocks noGrp="1"/>
+          </p:cNvSpPr>
+          <p:nvPr>
+            <p:ph type="sldNum" sz="quarter" idx="12"/>
+          </p:nvPr>
+        </p:nvSpPr>
+        <p:spPr/>
+        <p:txBody>
+          <a:bodyPr/>
+          <a:lstStyle/>
+          <a:p>
+            <a:pPr>
+              <a:defRPr/>
+            </a:pPr>
+            <a:endParaRPr lang="en-US"/>
+          </a:p>
+          <a:p>
+            <a:pPr algn="r">
+              <a:defRPr/>
+            </a:pPr>
+            <a:r>
+              <a:rPr lang="en-US" sz="900">
+                <a:latin typeface="Arial Narrow" pitchFamily="34" charset="0"/>
+              </a:rPr>
+              <a:t>Slide </a:t>
+            </a:r>
+            <a:fld id="{5ECE9829-65B2-40C6-AEFF-7C648FF56A9C}" type="slidenum">
+              <a:rPr lang="en-US" sz="900" smtClean="0">
+                <a:latin typeface="Arial Narrow" pitchFamily="34" charset="0"/>
+              </a:rPr>
+              <a:pPr algn="r">
+                <a:defRPr/>
+              </a:pPr>
+              <a:t>22</a:t>
+            </a:fld>
+            <a:endParaRPr lang="en-US" sz="900">
+              <a:latin typeface="Arial Narrow" pitchFamily="34" charset="0"/>
+            </a:endParaRPr>
+          </a:p>
+        </p:txBody>
+      </p:sp>
+      <p:graphicFrame>
+        <p:nvGraphicFramePr>
+          <p:cNvPr id="5" name="Object 4"/>
+          <p:cNvGraphicFramePr>
+            <a:graphicFrameLocks noChangeAspect="1"/>
+          </p:cNvGraphicFramePr>
+          <p:nvPr>
+            <p:extLst>
+              <p:ext uri="{D42A27DB-BD31-4B8C-83A1-F6EECF244321}">
+                <p14:modId xmlns:p14="http://schemas.microsoft.com/office/powerpoint/2010/main" val="1266589731"/>
+              </p:ext>
+            </p:extLst>
+          </p:nvPr>
+        </p:nvGraphicFramePr>
+        <p:xfrm>
+          <a:off x="914400" y="685800"/>
+          <a:ext cx="6864350" cy="4673600"/>
+        </p:xfrm>
+        <a:graphic>
+          <a:graphicData uri="http://schemas.openxmlformats.org/presentationml/2006/ole">
+            <mc:AlternateContent xmlns:mc="http://schemas.openxmlformats.org/markup-compatibility/2006">
+              <mc:Choice xmlns:v="urn:schemas-microsoft-com:vml" Requires="v">
+                <p:oleObj spid="_x0000_s31778" name="Document" r:id="rId3" imgW="6864202" imgH="4685182" progId="Word.Document.12">
+                  <p:embed/>
+                </p:oleObj>
+              </mc:Choice>
+              <mc:Fallback>
+                <p:oleObj name="Document" r:id="rId3" imgW="6864202" imgH="4685182" progId="Word.Document.12">
+                  <p:embed/>
+                  <p:pic>
+                    <p:nvPicPr>
+                      <p:cNvPr id="0" name=""/>
+                      <p:cNvPicPr/>
+                      <p:nvPr/>
+                    </p:nvPicPr>
+                    <p:blipFill>
+                      <a:blip r:embed="rId4"/>
+                      <a:stretch>
+                        <a:fillRect/>
+                      </a:stretch>
+                    </p:blipFill>
+                    <p:spPr>
+                      <a:xfrm>
+                        <a:off x="914400" y="685800"/>
+                        <a:ext cx="6864350" cy="4673600"/>
+                      </a:xfrm>
+                      <a:prstGeom prst="rect">
+                        <a:avLst/>
+                      </a:prstGeom>
+                    </p:spPr>
+                  </p:pic>
+                </p:oleObj>
+              </mc:Fallback>
+            </mc:AlternateContent>
+          </a:graphicData>
+        </a:graphic>
+      </p:graphicFrame>
+    </p:spTree>
+    <p:extLst>
+      <p:ext uri="{BB962C8B-B14F-4D97-AF65-F5344CB8AC3E}">
+        <p14:creationId xmlns:p14="http://schemas.microsoft.com/office/powerpoint/2010/main" val="4153750129"/>
+      </p:ext>
+    </p:extLst>
+  </p:cSld>
+  <p:clrMapOvr>
+    <a:masterClrMapping/>
+  </p:clrMapOvr>
 </p:sld>
 </file>
 
 <file path=ppt/slides/slide23.xml><?xml version="1.0" encoding="utf-8"?>
+<p:sld xmlns:a="http://schemas.openxmlformats.org/drawingml/2006/main" xmlns:r="http://schemas.openxmlformats.org/officeDocument/2006/relationships" xmlns:p="http://schemas.openxmlformats.org/presentationml/2006/main">
+  <p:cSld>
+    <p:spTree>
+      <p:nvGrpSpPr>
+        <p:cNvPr id="1" name=""/>
+        <p:cNvGrpSpPr/>
+        <p:nvPr/>
+      </p:nvGrpSpPr>
+      <p:grpSpPr>
+        <a:xfrm>
+          <a:off x="0" y="0"/>
+          <a:ext cx="0" cy="0"/>
+          <a:chOff x="0" y="0"/>
+          <a:chExt cx="0" cy="0"/>
+        </a:xfrm>
+      </p:grpSpPr>
+      <p:sp>
+        <p:nvSpPr>
+          <p:cNvPr id="2" name="Date Placeholder 1"/>
+          <p:cNvSpPr>
+            <a:spLocks noGrp="1"/>
+          </p:cNvSpPr>
+          <p:nvPr>
+            <p:ph type="dt" sz="half" idx="10"/>
+          </p:nvPr>
+        </p:nvSpPr>
+        <p:spPr/>
+        <p:txBody>
+          <a:bodyPr/>
+          <a:lstStyle/>
+          <a:p>
+            <a:pPr>
+              <a:defRPr/>
+            </a:pPr>
+            <a:r>
+              <a:rPr lang="en-US"/>
+              <a:t>Murach's Android Programming, C10</a:t>
+            </a:r>
+          </a:p>
+        </p:txBody>
+      </p:sp>
+      <p:sp>
+        <p:nvSpPr>
+          <p:cNvPr id="3" name="Footer Placeholder 2"/>
+          <p:cNvSpPr>
+            <a:spLocks noGrp="1"/>
+          </p:cNvSpPr>
+          <p:nvPr>
+            <p:ph type="ftr" sz="quarter" idx="11"/>
+          </p:nvPr>
+        </p:nvSpPr>
+        <p:spPr/>
+        <p:txBody>
+          <a:bodyPr/>
+          <a:lstStyle/>
+          <a:p>
+            <a:pPr>
+              <a:defRPr/>
+            </a:pPr>
+            <a:r>
+              <a:rPr lang="en-US" dirty="0"/>
+              <a:t>© 2015, Mike Murach &amp; Associates, Inc.</a:t>
+            </a:r>
+          </a:p>
+        </p:txBody>
+      </p:sp>
+      <p:sp>
+        <p:nvSpPr>
+          <p:cNvPr id="4" name="Slide Number Placeholder 3"/>
+          <p:cNvSpPr>
+            <a:spLocks noGrp="1"/>
+          </p:cNvSpPr>
+          <p:nvPr>
+            <p:ph type="sldNum" sz="quarter" idx="12"/>
+          </p:nvPr>
+        </p:nvSpPr>
+        <p:spPr/>
+        <p:txBody>
+          <a:bodyPr/>
+          <a:lstStyle/>
+          <a:p>
+            <a:pPr>
+              <a:defRPr/>
+            </a:pPr>
+            <a:endParaRPr lang="en-US"/>
+          </a:p>
+          <a:p>
+            <a:pPr algn="r">
+              <a:defRPr/>
+            </a:pPr>
+            <a:r>
+              <a:rPr lang="en-US" sz="900">
+                <a:latin typeface="Arial Narrow" pitchFamily="34" charset="0"/>
+              </a:rPr>
+              <a:t>Slide </a:t>
+            </a:r>
+            <a:fld id="{5ECE9829-65B2-40C6-AEFF-7C648FF56A9C}" type="slidenum">
+              <a:rPr lang="en-US" sz="900" smtClean="0">
+                <a:latin typeface="Arial Narrow" pitchFamily="34" charset="0"/>
+              </a:rPr>
+              <a:pPr algn="r">
+                <a:defRPr/>
+              </a:pPr>
+              <a:t>23</a:t>
+            </a:fld>
+            <a:endParaRPr lang="en-US" sz="900">
+              <a:latin typeface="Arial Narrow" pitchFamily="34" charset="0"/>
+            </a:endParaRPr>
+          </a:p>
+        </p:txBody>
+      </p:sp>
+      <p:graphicFrame>
+        <p:nvGraphicFramePr>
+          <p:cNvPr id="5" name="Object 4"/>
+          <p:cNvGraphicFramePr>
+            <a:graphicFrameLocks noChangeAspect="1"/>
+          </p:cNvGraphicFramePr>
+          <p:nvPr>
+            <p:extLst>
+              <p:ext uri="{D42A27DB-BD31-4B8C-83A1-F6EECF244321}">
+                <p14:modId xmlns:p14="http://schemas.microsoft.com/office/powerpoint/2010/main" val="1840230095"/>
+              </p:ext>
+            </p:extLst>
+          </p:nvPr>
+        </p:nvGraphicFramePr>
+        <p:xfrm>
+          <a:off x="914400" y="685800"/>
+          <a:ext cx="6864350" cy="4064000"/>
+        </p:xfrm>
+        <a:graphic>
+          <a:graphicData uri="http://schemas.openxmlformats.org/presentationml/2006/ole">
+            <mc:AlternateContent xmlns:mc="http://schemas.openxmlformats.org/markup-compatibility/2006">
+              <mc:Choice xmlns:v="urn:schemas-microsoft-com:vml" Requires="v">
+                <p:oleObj spid="_x0000_s35866" name="Document" r:id="rId3" imgW="6864202" imgH="4073648" progId="Word.Document.12">
+                  <p:embed/>
+                </p:oleObj>
+              </mc:Choice>
+              <mc:Fallback>
+                <p:oleObj name="Document" r:id="rId3" imgW="6864202" imgH="4073648" progId="Word.Document.12">
+                  <p:embed/>
+                  <p:pic>
+                    <p:nvPicPr>
+                      <p:cNvPr id="0" name=""/>
+                      <p:cNvPicPr/>
+                      <p:nvPr/>
+                    </p:nvPicPr>
+                    <p:blipFill>
+                      <a:blip r:embed="rId4"/>
+                      <a:stretch>
+                        <a:fillRect/>
+                      </a:stretch>
+                    </p:blipFill>
+                    <p:spPr>
+                      <a:xfrm>
+                        <a:off x="914400" y="685800"/>
+                        <a:ext cx="6864350" cy="4064000"/>
+                      </a:xfrm>
+                      <a:prstGeom prst="rect">
+                        <a:avLst/>
+                      </a:prstGeom>
+                    </p:spPr>
+                  </p:pic>
+                </p:oleObj>
+              </mc:Fallback>
+            </mc:AlternateContent>
+          </a:graphicData>
+        </a:graphic>
+      </p:graphicFrame>
+    </p:spTree>
+    <p:extLst>
+      <p:ext uri="{BB962C8B-B14F-4D97-AF65-F5344CB8AC3E}">
+        <p14:creationId xmlns:p14="http://schemas.microsoft.com/office/powerpoint/2010/main" val="3110753224"/>
+      </p:ext>
+    </p:extLst>
+  </p:cSld>
+  <p:clrMapOvr>
+    <a:masterClrMapping/>
+  </p:clrMapOvr>
+</p:sld>
+</file>
+
+<file path=ppt/slides/slide24.xml><?xml version="1.0" encoding="utf-8"?>
 <p:sld xmlns:a="http://schemas.openxmlformats.org/drawingml/2006/main" xmlns:r="http://schemas.openxmlformats.org/officeDocument/2006/relationships" xmlns:p="http://schemas.openxmlformats.org/presentationml/2006/main">
   <p:cSld>
     <p:bg>
@@ -7690,18 +7788,13 @@
           <a:lstStyle/>
           <a:p>
             <a:r>
-              <a:rPr lang="en-US" dirty="0" smtClean="0">
+              <a:rPr lang="en-US" dirty="0">
                 <a:solidFill>
                   <a:srgbClr val="0000FF"/>
                 </a:solidFill>
               </a:rPr>
               <a:t>Further ListView Reading</a:t>
             </a:r>
-            <a:endParaRPr lang="en-US" dirty="0">
-              <a:solidFill>
-                <a:srgbClr val="0000FF"/>
-              </a:solidFill>
-            </a:endParaRPr>
           </a:p>
         </p:txBody>
       </p:sp>
@@ -7729,17 +7822,13 @@
           <a:p>
             <a:r>
               <a:rPr lang="en-US" dirty="0"/>
-              <a:t>Using lists in Android (ListView) </a:t>
-            </a:r>
-            <a:r>
-              <a:rPr lang="en-US" dirty="0" smtClean="0"/>
-              <a:t>– Tutorial</a:t>
+              <a:t>Using lists in Android (ListView) – Tutorial</a:t>
             </a:r>
           </a:p>
           <a:p>
             <a:pPr lvl="1"/>
             <a:r>
-              <a:rPr lang="en-US" dirty="0" smtClean="0"/>
+              <a:rPr lang="en-US" dirty="0"/>
               <a:t>by Lars Vogel, 9/29/2015</a:t>
             </a:r>
           </a:p>
@@ -7749,19 +7838,13 @@
               <a:rPr lang="en-US" dirty="0">
                 <a:hlinkClick r:id="rId2"/>
               </a:rPr>
-              <a:t>http://www.vogella.com/tutorials/AndroidListView/article.html#</a:t>
-            </a:r>
-            <a:r>
-              <a:rPr lang="en-US" dirty="0" smtClean="0">
-                <a:hlinkClick r:id="rId2"/>
-              </a:rPr>
-              <a:t>arrayAdapter</a:t>
-            </a:r>
-            <a:endParaRPr lang="en-US" dirty="0" smtClean="0"/>
-          </a:p>
-          <a:p>
-            <a:r>
-              <a:rPr lang="en-US" dirty="0" smtClean="0"/>
+              <a:t>http://www.vogella.com/tutorials/AndroidListView/article.html#arrayAdapter</a:t>
+            </a:r>
+            <a:endParaRPr lang="en-US" dirty="0"/>
+          </a:p>
+          <a:p>
+            <a:r>
+              <a:rPr lang="en-US" dirty="0"/>
               <a:t>Fast scroll and Section indexer tutorial</a:t>
             </a:r>
           </a:p>
@@ -7771,22 +7854,16 @@
               <a:rPr lang="en-US" dirty="0">
                 <a:hlinkClick r:id="rId3"/>
               </a:rPr>
-              <a:t>http://androidopentutorials.com/android-listview-</a:t>
-            </a:r>
-            <a:r>
-              <a:rPr lang="en-US" dirty="0" smtClean="0">
-                <a:hlinkClick r:id="rId3"/>
-              </a:rPr>
-              <a:t>fastscroll</a:t>
-            </a:r>
-            <a:r>
-              <a:rPr lang="en-US" dirty="0" smtClean="0"/>
+              <a:t>http://androidopentutorials.com/android-listview-fastscroll</a:t>
+            </a:r>
+            <a:r>
+              <a:rPr lang="en-US" dirty="0"/>
               <a:t> </a:t>
             </a:r>
           </a:p>
           <a:p>
             <a:r>
-              <a:rPr lang="en-US" dirty="0" smtClean="0"/>
+              <a:rPr lang="en-US" dirty="0"/>
               <a:t>Android Developers ListView Guide</a:t>
             </a:r>
           </a:p>
@@ -7796,19 +7873,13 @@
               <a:rPr lang="en-US" dirty="0">
                 <a:hlinkClick r:id="rId4"/>
               </a:rPr>
-              <a:t>https://</a:t>
-            </a:r>
-            <a:r>
-              <a:rPr lang="en-US" dirty="0" smtClean="0">
-                <a:hlinkClick r:id="rId4"/>
-              </a:rPr>
-              <a:t>developer.android.com/guide/topics/ui/layout/listview.html</a:t>
-            </a:r>
-            <a:endParaRPr lang="en-US" dirty="0" smtClean="0"/>
-          </a:p>
-          <a:p>
-            <a:r>
-              <a:rPr lang="en-US" dirty="0" smtClean="0"/>
+              <a:t>https://developer.android.com/guide/topics/ui/layout/listview.html</a:t>
+            </a:r>
+            <a:endParaRPr lang="en-US" dirty="0"/>
+          </a:p>
+          <a:p>
+            <a:r>
+              <a:rPr lang="en-US" dirty="0"/>
               <a:t>Android Developers: Recycler View</a:t>
             </a:r>
           </a:p>
@@ -7818,16 +7889,10 @@
               <a:rPr lang="en-US" dirty="0">
                 <a:hlinkClick r:id="rId5"/>
               </a:rPr>
-              <a:t>https://</a:t>
-            </a:r>
-            <a:r>
-              <a:rPr lang="en-US" dirty="0" smtClean="0">
-                <a:hlinkClick r:id="rId5"/>
-              </a:rPr>
-              <a:t>developer.android.com/guide/topics/ui/layout/recyclerview.html</a:t>
-            </a:r>
-            <a:r>
-              <a:rPr lang="en-US" dirty="0" smtClean="0"/>
+              <a:t>https://developer.android.com/guide/topics/ui/layout/recyclerview.html</a:t>
+            </a:r>
+            <a:r>
+              <a:rPr lang="en-US" dirty="0"/>
               <a:t> </a:t>
             </a:r>
           </a:p>
@@ -7909,18 +7974,13 @@
           <a:p>
             <a:pPr algn="ctr"/>
             <a:r>
-              <a:rPr lang="en-US" sz="6600" dirty="0" smtClean="0">
+              <a:rPr lang="en-US" sz="6600" dirty="0">
                 <a:solidFill>
                   <a:srgbClr val="2D2DB9"/>
                 </a:solidFill>
               </a:rPr>
               <a:t>ListViews</a:t>
             </a:r>
-            <a:endParaRPr lang="en-US" sz="6600" dirty="0">
-              <a:solidFill>
-                <a:srgbClr val="2D2DB9"/>
-              </a:solidFill>
-            </a:endParaRPr>
           </a:p>
         </p:txBody>
       </p:sp>
@@ -7958,13 +8018,6 @@
   <p:clrMapOvr>
     <a:masterClrMapping/>
   </p:clrMapOvr>
-  <p:timing>
-    <p:tnLst>
-      <p:par>
-        <p:cTn id="1" dur="indefinite" restart="never" nodeType="tmRoot"/>
-      </p:par>
-    </p:tnLst>
-  </p:timing>
 </p:sld>
 </file>
 
@@ -8001,12 +8054,8 @@
           <a:lstStyle/>
           <a:p>
             <a:r>
-              <a:rPr lang="en-US" dirty="0" smtClean="0"/>
-              <a:t>Examples of ListView</a:t>
-            </a:r>
-            <a:r>
               <a:rPr lang="en-US" dirty="0"/>
-              <a:t>s</a:t>
+              <a:t>Examples of ListViews</a:t>
             </a:r>
           </a:p>
         </p:txBody>
@@ -8081,13 +8130,6 @@
   <p:clrMapOvr>
     <a:masterClrMapping/>
   </p:clrMapOvr>
-  <p:timing>
-    <p:tnLst>
-      <p:par>
-        <p:cTn id="1" dur="indefinite" restart="never" nodeType="tmRoot"/>
-      </p:par>
-    </p:tnLst>
-  </p:timing>
 </p:sld>
 </file>
 
@@ -8129,18 +8171,13 @@
           <a:lstStyle/>
           <a:p>
             <a:r>
-              <a:rPr lang="en-US" dirty="0" smtClean="0">
+              <a:rPr lang="en-US" dirty="0">
                 <a:solidFill>
                   <a:srgbClr val="0000FF"/>
                 </a:solidFill>
               </a:rPr>
               <a:t>Using a ListView</a:t>
             </a:r>
-            <a:endParaRPr lang="en-US" dirty="0">
-              <a:solidFill>
-                <a:srgbClr val="0000FF"/>
-              </a:solidFill>
-            </a:endParaRPr>
           </a:p>
         </p:txBody>
       </p:sp>
@@ -8167,42 +8204,26 @@
           <a:lstStyle/>
           <a:p>
             <a:r>
-              <a:rPr lang="en-US" dirty="0" smtClean="0"/>
-              <a:t>ListView is a subclass of ViewGroup and can be declared in an XML layout like other UI elements.</a:t>
-            </a:r>
-          </a:p>
-          <a:p>
-            <a:r>
-              <a:rPr lang="en-US" dirty="0" smtClean="0"/>
+              <a:rPr lang="en-US" dirty="0"/>
+              <a:t>ListView is a subclass of ViewGroup and can be declared in an XML layout like other UI element.</a:t>
+            </a:r>
+          </a:p>
+          <a:p>
+            <a:r>
+              <a:rPr lang="en-US" dirty="0"/>
               <a:t>The ListView displays a list of scrollable rows.</a:t>
             </a:r>
           </a:p>
           <a:p>
             <a:r>
-              <a:rPr lang="en-US" dirty="0" smtClean="0"/>
-              <a:t>Each row is a View and it’s layout can be defined in an XML layout.</a:t>
-            </a:r>
-          </a:p>
-          <a:p>
-            <a:r>
-              <a:rPr lang="en-US" dirty="0" smtClean="0"/>
-              <a:t>An </a:t>
-            </a:r>
-            <a:r>
               <a:rPr lang="en-US" dirty="0"/>
-              <a:t>A</a:t>
-            </a:r>
-            <a:r>
-              <a:rPr lang="en-US" dirty="0" smtClean="0"/>
-              <a:t>dapter object inserts </a:t>
-            </a:r>
+              <a:t>Each row is a View and it’s layout can be defined in an XML layout file.</a:t>
+            </a:r>
+          </a:p>
+          <a:p>
             <a:r>
               <a:rPr lang="en-US" dirty="0"/>
-              <a:t>Items into the </a:t>
-            </a:r>
-            <a:r>
-              <a:rPr lang="en-US" dirty="0" smtClean="0"/>
-              <a:t>ListView. Either pre-defined adapters or custom adapters can be used.</a:t>
+              <a:t>An Adapter object inserts Items into the ListView. Either pre-defined adapters or custom adapters can be used.</a:t>
             </a:r>
           </a:p>
         </p:txBody>
@@ -8217,13 +8238,6 @@
   <p:clrMapOvr>
     <a:masterClrMapping/>
   </p:clrMapOvr>
-  <p:timing>
-    <p:tnLst>
-      <p:par>
-        <p:cTn id="1" dur="indefinite" restart="never" nodeType="tmRoot"/>
-      </p:par>
-    </p:tnLst>
-  </p:timing>
 </p:sld>
 </file>
 
@@ -8267,18 +8281,13 @@
           <a:lstStyle/>
           <a:p>
             <a:r>
-              <a:rPr lang="en-US" dirty="0" smtClean="0">
+              <a:rPr lang="en-US" dirty="0">
                 <a:solidFill>
                   <a:srgbClr val="0000FF"/>
                 </a:solidFill>
               </a:rPr>
               <a:t>ListView Row Layout</a:t>
             </a:r>
-            <a:endParaRPr lang="en-US" dirty="0">
-              <a:solidFill>
-                <a:srgbClr val="0000FF"/>
-              </a:solidFill>
-            </a:endParaRPr>
           </a:p>
         </p:txBody>
       </p:sp>
@@ -8303,82 +8312,64 @@
           <a:lstStyle/>
           <a:p>
             <a:r>
-              <a:rPr lang="en-US" dirty="0" smtClean="0"/>
+              <a:rPr lang="en-US" dirty="0"/>
               <a:t>Can be a pre-defined layout from </a:t>
             </a:r>
             <a:r>
-              <a:rPr lang="en-US" i="1" dirty="0" err="1" smtClean="0"/>
+              <a:rPr lang="en-US" i="1" dirty="0" err="1"/>
               <a:t>R.layout</a:t>
             </a:r>
             <a:r>
-              <a:rPr lang="en-US" dirty="0" smtClean="0"/>
+              <a:rPr lang="en-US" dirty="0"/>
               <a:t>.</a:t>
-            </a:r>
-            <a:r>
-              <a:rPr lang="en-US" dirty="0"/>
-              <a:t/>
             </a:r>
             <a:br>
               <a:rPr lang="en-US" dirty="0"/>
             </a:br>
             <a:r>
-              <a:rPr lang="en-US" dirty="0" smtClean="0"/>
+              <a:rPr lang="en-US" dirty="0"/>
               <a:t>For example:</a:t>
             </a:r>
           </a:p>
           <a:p>
             <a:pPr lvl="1"/>
             <a:r>
-              <a:rPr lang="en-US" i="1" dirty="0" smtClean="0"/>
+              <a:rPr lang="en-US" i="1" dirty="0"/>
               <a:t>simple_list_item_1</a:t>
             </a:r>
           </a:p>
           <a:p>
             <a:pPr lvl="1"/>
             <a:r>
-              <a:rPr lang="en-US" i="1" dirty="0" err="1" smtClean="0"/>
+              <a:rPr lang="en-US" i="1" dirty="0" err="1"/>
               <a:t>two_line_list_item</a:t>
             </a:r>
-            <a:endParaRPr lang="en-US" i="1" dirty="0" smtClean="0"/>
+            <a:endParaRPr lang="en-US" i="1" dirty="0"/>
           </a:p>
           <a:p>
             <a:pPr lvl="1"/>
             <a:r>
               <a:rPr lang="en-US" dirty="0"/>
-              <a:t>See more </a:t>
-            </a:r>
-            <a:r>
-              <a:rPr lang="en-US" dirty="0" smtClean="0"/>
-              <a:t>here: </a:t>
-            </a:r>
-            <a:r>
-              <a:rPr lang="en-US" dirty="0" smtClean="0">
-                <a:hlinkClick r:id="rId3"/>
-              </a:rPr>
-              <a:t>https</a:t>
+              <a:t>See more here: </a:t>
             </a:r>
             <a:r>
               <a:rPr lang="en-US" dirty="0">
                 <a:hlinkClick r:id="rId3"/>
               </a:rPr>
-              <a:t>://developer.android.com/reference/android/</a:t>
-            </a:r>
-            <a:r>
-              <a:rPr lang="en-US" dirty="0" smtClean="0">
-                <a:hlinkClick r:id="rId3"/>
-              </a:rPr>
-              <a:t>R.layout.html</a:t>
-            </a:r>
-            <a:r>
-              <a:rPr lang="en-US" dirty="0" smtClean="0"/>
+              <a:t>https://developer.android.com/reference/android/R.layout.html</a:t>
+            </a:r>
+            <a:r>
+              <a:rPr lang="en-US" dirty="0"/>
               <a:t> </a:t>
             </a:r>
           </a:p>
           <a:p>
             <a:r>
-              <a:rPr lang="en-US" dirty="0" smtClean="0"/>
+              <a:rPr lang="en-US" dirty="0"/>
               <a:t>Can be a custom XML layout you define</a:t>
             </a:r>
+          </a:p>
+          <a:p>
             <a:endParaRPr lang="en-US" dirty="0"/>
           </a:p>
         </p:txBody>
@@ -8425,8 +8416,8 @@
         </p:nvSpPr>
         <p:spPr>
           <a:xfrm>
-            <a:off x="457200" y="274639"/>
-            <a:ext cx="8229600" cy="491970"/>
+            <a:off x="457200" y="274638"/>
+            <a:ext cx="8229600" cy="720809"/>
           </a:xfrm>
         </p:spPr>
         <p:txBody>
@@ -8436,18 +8427,29 @@
           <a:lstStyle/>
           <a:p>
             <a:r>
-              <a:rPr lang="en-US" dirty="0" smtClean="0">
+              <a:rPr lang="en-US" dirty="0">
                 <a:solidFill>
                   <a:srgbClr val="0000FF"/>
                 </a:solidFill>
               </a:rPr>
-              <a:t>ListActivity</a:t>
-            </a:r>
-            <a:endParaRPr lang="en-US" dirty="0">
-              <a:solidFill>
-                <a:srgbClr val="0000FF"/>
-              </a:solidFill>
-            </a:endParaRPr>
+              <a:t>Specifying a </a:t>
+            </a:r>
+            <a:r>
+              <a:rPr lang="en-US" dirty="0" err="1">
+                <a:solidFill>
+                  <a:srgbClr val="0000FF"/>
+                </a:solidFill>
+              </a:rPr>
+              <a:t>ListView</a:t>
+            </a:r>
+            <a:r>
+              <a:rPr lang="en-US" dirty="0">
+                <a:solidFill>
+                  <a:srgbClr val="0000FF"/>
+                </a:solidFill>
+              </a:rPr>
+              <a:t> Row Layout</a:t>
+            </a:r>
           </a:p>
         </p:txBody>
       </p:sp>
@@ -8463,133 +8465,269 @@
         </p:nvSpPr>
         <p:spPr>
           <a:xfrm>
-            <a:off x="457200" y="1018331"/>
-            <a:ext cx="8229600" cy="5572214"/>
+            <a:off x="457200" y="1292938"/>
+            <a:ext cx="8229600" cy="4833226"/>
           </a:xfrm>
         </p:spPr>
         <p:txBody>
           <a:bodyPr>
-            <a:normAutofit lnSpcReduction="10000"/>
+            <a:normAutofit fontScale="77500" lnSpcReduction="20000"/>
           </a:bodyPr>
           <a:lstStyle/>
           <a:p>
             <a:r>
-              <a:rPr lang="en-US" dirty="0" smtClean="0"/>
-              <a:t>The ListActivity </a:t>
-            </a:r>
-            <a:r>
+              <a:rPr lang="en-US" sz="4100" dirty="0"/>
+              <a:t>The row layout is specified in the constructor for a </a:t>
+            </a:r>
+            <a:r>
+              <a:rPr lang="en-US" sz="4100" dirty="0" err="1"/>
+              <a:t>ListView</a:t>
+            </a:r>
+            <a:r>
+              <a:rPr lang="en-US" sz="4100" dirty="0"/>
+              <a:t> adapter. </a:t>
+            </a:r>
+          </a:p>
+          <a:p>
+            <a:r>
+              <a:rPr lang="en-US" sz="4100" dirty="0"/>
+              <a:t>Here’s an example using a custom row layout:</a:t>
+            </a:r>
+            <a:br>
               <a:rPr lang="en-US" dirty="0"/>
-              <a:t>hosts a ListView object </a:t>
-            </a:r>
-            <a:endParaRPr lang="en-US" dirty="0" smtClean="0"/>
-          </a:p>
-          <a:p>
-            <a:r>
-              <a:rPr lang="en-US" dirty="0" smtClean="0"/>
-              <a:t>Screen Layout</a:t>
-            </a:r>
-          </a:p>
-          <a:p>
-            <a:pPr lvl="1"/>
-            <a:r>
-              <a:rPr lang="en-US" dirty="0" smtClean="0"/>
-              <a:t>A single</a:t>
-            </a:r>
-            <a:r>
-              <a:rPr lang="en-US" dirty="0"/>
-              <a:t>, full-screen list in the center of the screen</a:t>
-            </a:r>
-            <a:r>
-              <a:rPr lang="en-US" dirty="0" smtClean="0"/>
-              <a:t>.</a:t>
-            </a:r>
-          </a:p>
-          <a:p>
-            <a:pPr lvl="1"/>
-            <a:r>
-              <a:rPr lang="en-US" dirty="0" smtClean="0"/>
-              <a:t>Customize the layout </a:t>
-            </a:r>
-            <a:r>
-              <a:rPr lang="en-US" dirty="0"/>
-              <a:t>by setting your own </a:t>
-            </a:r>
-            <a:r>
-              <a:rPr lang="en-US" dirty="0" smtClean="0"/>
-              <a:t>XML layout </a:t>
-            </a:r>
-            <a:r>
-              <a:rPr lang="en-US" dirty="0"/>
-              <a:t>with setContentView() in onCreate()</a:t>
-            </a:r>
-          </a:p>
-          <a:p>
-            <a:r>
-              <a:rPr lang="en-US" dirty="0"/>
-              <a:t>Row </a:t>
-            </a:r>
-            <a:r>
-              <a:rPr lang="en-US" dirty="0" smtClean="0"/>
-              <a:t>Layout</a:t>
-            </a:r>
-          </a:p>
-          <a:p>
-            <a:pPr lvl="1"/>
-            <a:r>
-              <a:rPr lang="en-US" dirty="0" smtClean="0"/>
-              <a:t>The constructor for the ListAdapter hosted by the activity has a parameter for a </a:t>
-            </a:r>
-            <a:r>
-              <a:rPr lang="en-US" dirty="0"/>
-              <a:t>layout </a:t>
-            </a:r>
-            <a:r>
-              <a:rPr lang="en-US" dirty="0" smtClean="0"/>
-              <a:t>resource</a:t>
-            </a:r>
-          </a:p>
-          <a:p>
-            <a:r>
-              <a:rPr lang="en-US" dirty="0" smtClean="0"/>
-              <a:t>Binding to Data</a:t>
-            </a:r>
-          </a:p>
-          <a:p>
-            <a:pPr lvl="1"/>
-            <a:r>
-              <a:rPr lang="en-US" dirty="0" smtClean="0"/>
-              <a:t>Done the same way as a </a:t>
-            </a:r>
-            <a:r>
-              <a:rPr lang="en-US" dirty="0" err="1" smtClean="0"/>
-              <a:t>ListView</a:t>
-            </a:r>
-            <a:r>
-              <a:rPr lang="en-US" dirty="0" smtClean="0"/>
-              <a:t>-- bind the </a:t>
-            </a:r>
-            <a:r>
-              <a:rPr lang="en-US" dirty="0"/>
-              <a:t>ListActivity's ListView object to </a:t>
-            </a:r>
-            <a:r>
-              <a:rPr lang="en-US" dirty="0" smtClean="0"/>
-              <a:t>a data source </a:t>
-            </a:r>
-            <a:r>
-              <a:rPr lang="en-US" dirty="0"/>
-              <a:t>using </a:t>
-            </a:r>
-            <a:r>
-              <a:rPr lang="en-US" dirty="0" smtClean="0"/>
-              <a:t>an adapter</a:t>
-            </a:r>
-          </a:p>
-          <a:p>
-            <a:endParaRPr lang="en-US" dirty="0" smtClean="0"/>
-          </a:p>
-          <a:p>
-            <a:pPr lvl="1"/>
+            </a:br>
+            <a:endParaRPr lang="en-US" dirty="0"/>
+          </a:p>
+          <a:p>
+            <a:pPr marL="0" indent="0">
+              <a:buNone/>
+            </a:pPr>
+            <a:r>
+              <a:rPr lang="en-US" dirty="0" err="1">
+                <a:latin typeface="Courier" pitchFamily="2" charset="0"/>
+              </a:rPr>
+              <a:t>SimpleAdapter</a:t>
+            </a:r>
+            <a:r>
+              <a:rPr lang="en-US" dirty="0">
+                <a:latin typeface="Courier" pitchFamily="2" charset="0"/>
+              </a:rPr>
+              <a:t> adapter = </a:t>
+            </a:r>
+            <a:r>
+              <a:rPr lang="en-US" b="1" dirty="0">
+                <a:latin typeface="Courier" pitchFamily="2" charset="0"/>
+              </a:rPr>
+              <a:t>new </a:t>
+            </a:r>
+            <a:r>
+              <a:rPr lang="en-US" dirty="0" err="1">
+                <a:latin typeface="Courier" pitchFamily="2" charset="0"/>
+              </a:rPr>
+              <a:t>SimpleAdapter</a:t>
+            </a:r>
+            <a:r>
+              <a:rPr lang="en-US" dirty="0">
+                <a:latin typeface="Courier" pitchFamily="2" charset="0"/>
+              </a:rPr>
+              <a:t>(</a:t>
+            </a:r>
+            <a:br>
+              <a:rPr lang="en-US" dirty="0">
+                <a:latin typeface="Courier" pitchFamily="2" charset="0"/>
+              </a:rPr>
+            </a:br>
+            <a:r>
+              <a:rPr lang="en-US" dirty="0">
+                <a:latin typeface="Courier" pitchFamily="2" charset="0"/>
+              </a:rPr>
+              <a:t>   </a:t>
+            </a:r>
+            <a:r>
+              <a:rPr lang="en-US" b="1" dirty="0">
+                <a:latin typeface="Courier" pitchFamily="2" charset="0"/>
+              </a:rPr>
+              <a:t>this</a:t>
+            </a:r>
+            <a:r>
+              <a:rPr lang="en-US" dirty="0">
+                <a:latin typeface="Courier" pitchFamily="2" charset="0"/>
+              </a:rPr>
+              <a:t>,</a:t>
+            </a:r>
+            <a:br>
+              <a:rPr lang="en-US" dirty="0">
+                <a:latin typeface="Courier" pitchFamily="2" charset="0"/>
+              </a:rPr>
+            </a:br>
+            <a:r>
+              <a:rPr lang="en-US" dirty="0">
+                <a:latin typeface="Courier" pitchFamily="2" charset="0"/>
+              </a:rPr>
+              <a:t>   data,</a:t>
+            </a:r>
+            <a:br>
+              <a:rPr lang="en-US" dirty="0">
+                <a:latin typeface="Courier" pitchFamily="2" charset="0"/>
+              </a:rPr>
+            </a:br>
+            <a:r>
+              <a:rPr lang="en-US" dirty="0">
+                <a:latin typeface="Courier" pitchFamily="2" charset="0"/>
+              </a:rPr>
+              <a:t>   </a:t>
+            </a:r>
+            <a:r>
+              <a:rPr lang="en-US" dirty="0" err="1">
+                <a:effectLst>
+                  <a:glow rad="228600">
+                    <a:srgbClr val="FFFF00"/>
+                  </a:glow>
+                </a:effectLst>
+                <a:latin typeface="Courier" pitchFamily="2" charset="0"/>
+              </a:rPr>
+              <a:t>R.layout.</a:t>
+            </a:r>
+            <a:r>
+              <a:rPr lang="en-US" b="1" i="1" dirty="0" err="1">
+                <a:effectLst>
+                  <a:glow rad="228600">
+                    <a:srgbClr val="FFFF00"/>
+                  </a:glow>
+                </a:effectLst>
+                <a:latin typeface="Courier" pitchFamily="2" charset="0"/>
+              </a:rPr>
+              <a:t>listview_items</a:t>
+            </a:r>
+            <a:r>
+              <a:rPr lang="en-US" dirty="0">
+                <a:latin typeface="Courier" pitchFamily="2" charset="0"/>
+              </a:rPr>
+              <a:t>,</a:t>
+            </a:r>
+            <a:br>
+              <a:rPr lang="en-US" dirty="0">
+                <a:latin typeface="Courier" pitchFamily="2" charset="0"/>
+              </a:rPr>
+            </a:br>
+            <a:r>
+              <a:rPr lang="en-US" dirty="0">
+                <a:latin typeface="Courier" pitchFamily="2" charset="0"/>
+              </a:rPr>
+              <a:t>   </a:t>
+            </a:r>
+            <a:r>
+              <a:rPr lang="en-US" b="1" dirty="0">
+                <a:latin typeface="Courier" pitchFamily="2" charset="0"/>
+              </a:rPr>
+              <a:t>new </a:t>
+            </a:r>
+            <a:r>
+              <a:rPr lang="en-US" dirty="0">
+                <a:latin typeface="Courier" pitchFamily="2" charset="0"/>
+              </a:rPr>
+              <a:t>String[]{</a:t>
+            </a:r>
+            <a:r>
+              <a:rPr lang="en-US" b="1" i="1" dirty="0">
+                <a:latin typeface="Courier" pitchFamily="2" charset="0"/>
+              </a:rPr>
+              <a:t>IMAGE_NAME</a:t>
+            </a:r>
+            <a:r>
+              <a:rPr lang="en-US" dirty="0">
+                <a:latin typeface="Courier" pitchFamily="2" charset="0"/>
+              </a:rPr>
+              <a:t>, </a:t>
+            </a:r>
+            <a:r>
+              <a:rPr lang="en-US" b="1" i="1" dirty="0">
+                <a:latin typeface="Courier" pitchFamily="2" charset="0"/>
+              </a:rPr>
+              <a:t>DATE</a:t>
+            </a:r>
+            <a:r>
+              <a:rPr lang="en-US" dirty="0">
+                <a:latin typeface="Courier" pitchFamily="2" charset="0"/>
+              </a:rPr>
+              <a:t>},</a:t>
+            </a:r>
+            <a:br>
+              <a:rPr lang="en-US" dirty="0">
+                <a:latin typeface="Courier" pitchFamily="2" charset="0"/>
+              </a:rPr>
+            </a:br>
+            <a:r>
+              <a:rPr lang="en-US" dirty="0">
+                <a:latin typeface="Courier" pitchFamily="2" charset="0"/>
+              </a:rPr>
+              <a:t>   </a:t>
+            </a:r>
+            <a:r>
+              <a:rPr lang="en-US" b="1" dirty="0">
+                <a:latin typeface="Courier" pitchFamily="2" charset="0"/>
+              </a:rPr>
+              <a:t>new </a:t>
+            </a:r>
+            <a:r>
+              <a:rPr lang="en-US" b="1" dirty="0" err="1">
+                <a:latin typeface="Courier" pitchFamily="2" charset="0"/>
+              </a:rPr>
+              <a:t>int</a:t>
+            </a:r>
+            <a:r>
+              <a:rPr lang="en-US" dirty="0">
+                <a:latin typeface="Courier" pitchFamily="2" charset="0"/>
+              </a:rPr>
+              <a:t>[]{</a:t>
+            </a:r>
+            <a:r>
+              <a:rPr lang="en-US" dirty="0" err="1">
+                <a:latin typeface="Courier" pitchFamily="2" charset="0"/>
+              </a:rPr>
+              <a:t>R.id.</a:t>
+            </a:r>
+            <a:r>
+              <a:rPr lang="en-US" b="1" i="1" dirty="0" err="1">
+                <a:latin typeface="Courier" pitchFamily="2" charset="0"/>
+              </a:rPr>
+              <a:t>iconImageView</a:t>
+            </a:r>
+            <a:r>
+              <a:rPr lang="en-US" dirty="0">
+                <a:latin typeface="Courier" pitchFamily="2" charset="0"/>
+              </a:rPr>
+              <a:t>, </a:t>
+            </a:r>
+            <a:r>
+              <a:rPr lang="en-US" dirty="0" err="1">
+                <a:latin typeface="Courier" pitchFamily="2" charset="0"/>
+              </a:rPr>
+              <a:t>R.id.</a:t>
+            </a:r>
+            <a:r>
+              <a:rPr lang="en-US" b="1" i="1" dirty="0" err="1">
+                <a:latin typeface="Courier" pitchFamily="2" charset="0"/>
+              </a:rPr>
+              <a:t>dateTextView</a:t>
+            </a:r>
+            <a:r>
+              <a:rPr lang="en-US" dirty="0">
+                <a:latin typeface="Courier" pitchFamily="2" charset="0"/>
+              </a:rPr>
+              <a:t>}</a:t>
+            </a:r>
+            <a:br>
+              <a:rPr lang="en-US" dirty="0">
+                <a:latin typeface="Courier" pitchFamily="2" charset="0"/>
+              </a:rPr>
+            </a:br>
+            <a:r>
+              <a:rPr lang="en-US" dirty="0">
+                <a:latin typeface="Courier" pitchFamily="2" charset="0"/>
+              </a:rPr>
+              <a:t>);</a:t>
+            </a:r>
             <a:endParaRPr lang="en-US" dirty="0"/>
           </a:p>
         </p:txBody>
@@ -8597,7 +8735,7 @@
     </p:spTree>
     <p:extLst>
       <p:ext uri="{BB962C8B-B14F-4D97-AF65-F5344CB8AC3E}">
-        <p14:creationId xmlns:p14="http://schemas.microsoft.com/office/powerpoint/2010/main" val="2132552539"/>
+        <p14:creationId xmlns:p14="http://schemas.microsoft.com/office/powerpoint/2010/main" val="1138416295"/>
       </p:ext>
     </p:extLst>
   </p:cSld>
@@ -8634,24 +8772,172 @@
             <p:ph type="title"/>
           </p:nvPr>
         </p:nvSpPr>
+        <p:spPr>
+          <a:xfrm>
+            <a:off x="457200" y="274639"/>
+            <a:ext cx="8229600" cy="491970"/>
+          </a:xfrm>
+        </p:spPr>
+        <p:txBody>
+          <a:bodyPr>
+            <a:normAutofit fontScale="90000"/>
+          </a:bodyPr>
+          <a:lstStyle/>
+          <a:p>
+            <a:r>
+              <a:rPr lang="en-US" dirty="0">
+                <a:solidFill>
+                  <a:srgbClr val="0000FF"/>
+                </a:solidFill>
+              </a:rPr>
+              <a:t>ListActivity</a:t>
+            </a:r>
+          </a:p>
+        </p:txBody>
+      </p:sp>
+      <p:sp>
+        <p:nvSpPr>
+          <p:cNvPr id="3" name="Content Placeholder 2"/>
+          <p:cNvSpPr>
+            <a:spLocks noGrp="1"/>
+          </p:cNvSpPr>
+          <p:nvPr>
+            <p:ph idx="1"/>
+          </p:nvPr>
+        </p:nvSpPr>
+        <p:spPr>
+          <a:xfrm>
+            <a:off x="457200" y="1018331"/>
+            <a:ext cx="8229600" cy="5572214"/>
+          </a:xfrm>
+        </p:spPr>
+        <p:txBody>
+          <a:bodyPr>
+            <a:normAutofit lnSpcReduction="10000"/>
+          </a:bodyPr>
+          <a:lstStyle/>
+          <a:p>
+            <a:r>
+              <a:rPr lang="en-US" dirty="0"/>
+              <a:t>The ListActivity hosts a ListView object </a:t>
+            </a:r>
+          </a:p>
+          <a:p>
+            <a:r>
+              <a:rPr lang="en-US" dirty="0"/>
+              <a:t>Screen Layout</a:t>
+            </a:r>
+          </a:p>
+          <a:p>
+            <a:pPr lvl="1"/>
+            <a:r>
+              <a:rPr lang="en-US" dirty="0"/>
+              <a:t>A single, full-screen list in the center of the screen.</a:t>
+            </a:r>
+          </a:p>
+          <a:p>
+            <a:pPr lvl="1"/>
+            <a:r>
+              <a:rPr lang="en-US" dirty="0"/>
+              <a:t>Customize the layout by setting your own XML layout with setContentView() in onCreate()</a:t>
+            </a:r>
+          </a:p>
+          <a:p>
+            <a:r>
+              <a:rPr lang="en-US" dirty="0"/>
+              <a:t>Row Layout</a:t>
+            </a:r>
+          </a:p>
+          <a:p>
+            <a:pPr lvl="1"/>
+            <a:r>
+              <a:rPr lang="en-US" dirty="0"/>
+              <a:t>The constructor for the ListAdapter hosted by the activity has a parameter for a layout resource</a:t>
+            </a:r>
+          </a:p>
+          <a:p>
+            <a:r>
+              <a:rPr lang="en-US" dirty="0"/>
+              <a:t>Binding to Data</a:t>
+            </a:r>
+          </a:p>
+          <a:p>
+            <a:pPr lvl="1"/>
+            <a:r>
+              <a:rPr lang="en-US" dirty="0"/>
+              <a:t>Done the same way as a </a:t>
+            </a:r>
+            <a:r>
+              <a:rPr lang="en-US" dirty="0" err="1"/>
+              <a:t>ListView</a:t>
+            </a:r>
+            <a:r>
+              <a:rPr lang="en-US" dirty="0"/>
+              <a:t>-- bind the ListActivity's ListView object to a data source using an adapter</a:t>
+            </a:r>
+          </a:p>
+          <a:p>
+            <a:endParaRPr lang="en-US" dirty="0"/>
+          </a:p>
+          <a:p>
+            <a:pPr lvl="1"/>
+            <a:endParaRPr lang="en-US" dirty="0"/>
+          </a:p>
+        </p:txBody>
+      </p:sp>
+    </p:spTree>
+    <p:extLst>
+      <p:ext uri="{BB962C8B-B14F-4D97-AF65-F5344CB8AC3E}">
+        <p14:creationId xmlns:p14="http://schemas.microsoft.com/office/powerpoint/2010/main" val="2132552539"/>
+      </p:ext>
+    </p:extLst>
+  </p:cSld>
+  <p:clrMapOvr>
+    <a:masterClrMapping/>
+  </p:clrMapOvr>
+</p:sld>
+</file>
+
+<file path=ppt/slides/slide9.xml><?xml version="1.0" encoding="utf-8"?>
+<p:sld xmlns:a="http://schemas.openxmlformats.org/drawingml/2006/main" xmlns:r="http://schemas.openxmlformats.org/officeDocument/2006/relationships" xmlns:p="http://schemas.openxmlformats.org/presentationml/2006/main">
+  <p:cSld>
+    <p:spTree>
+      <p:nvGrpSpPr>
+        <p:cNvPr id="1" name=""/>
+        <p:cNvGrpSpPr/>
+        <p:nvPr/>
+      </p:nvGrpSpPr>
+      <p:grpSpPr>
+        <a:xfrm>
+          <a:off x="0" y="0"/>
+          <a:ext cx="0" cy="0"/>
+          <a:chOff x="0" y="0"/>
+          <a:chExt cx="0" cy="0"/>
+        </a:xfrm>
+      </p:grpSpPr>
+      <p:sp>
+        <p:nvSpPr>
+          <p:cNvPr id="2" name="Title 1"/>
+          <p:cNvSpPr>
+            <a:spLocks noGrp="1"/>
+          </p:cNvSpPr>
+          <p:nvPr>
+            <p:ph type="title"/>
+          </p:nvPr>
+        </p:nvSpPr>
         <p:spPr/>
         <p:txBody>
           <a:bodyPr/>
           <a:lstStyle/>
           <a:p>
             <a:r>
-              <a:rPr lang="en-US" dirty="0" smtClean="0">
+              <a:rPr lang="en-US" dirty="0">
                 <a:solidFill>
                   <a:srgbClr val="0000FF"/>
                 </a:solidFill>
               </a:rPr>
               <a:t>ListActivity Class Diagram</a:t>
             </a:r>
-            <a:endParaRPr lang="en-US" dirty="0">
-              <a:solidFill>
-                <a:srgbClr val="0000FF"/>
-              </a:solidFill>
-            </a:endParaRPr>
           </a:p>
         </p:txBody>
       </p:sp>
@@ -8687,204 +8973,6 @@
   <p:clrMapOvr>
     <a:masterClrMapping/>
   </p:clrMapOvr>
-  <p:timing>
-    <p:tnLst>
-      <p:par>
-        <p:cTn id="1" dur="indefinite" restart="never" nodeType="tmRoot"/>
-      </p:par>
-    </p:tnLst>
-  </p:timing>
-</p:sld>
-</file>
-
-<file path=ppt/slides/slide9.xml><?xml version="1.0" encoding="utf-8"?>
-<p:sld xmlns:a="http://schemas.openxmlformats.org/drawingml/2006/main" xmlns:r="http://schemas.openxmlformats.org/officeDocument/2006/relationships" xmlns:p="http://schemas.openxmlformats.org/presentationml/2006/main">
-  <p:cSld>
-    <p:spTree>
-      <p:nvGrpSpPr>
-        <p:cNvPr id="1" name=""/>
-        <p:cNvGrpSpPr/>
-        <p:nvPr/>
-      </p:nvGrpSpPr>
-      <p:grpSpPr>
-        <a:xfrm>
-          <a:off x="0" y="0"/>
-          <a:ext cx="0" cy="0"/>
-          <a:chOff x="0" y="0"/>
-          <a:chExt cx="0" cy="0"/>
-        </a:xfrm>
-      </p:grpSpPr>
-      <p:sp>
-        <p:nvSpPr>
-          <p:cNvPr id="2" name="Date Placeholder 1"/>
-          <p:cNvSpPr>
-            <a:spLocks noGrp="1"/>
-          </p:cNvSpPr>
-          <p:nvPr>
-            <p:ph type="dt" sz="half" idx="10"/>
-          </p:nvPr>
-        </p:nvSpPr>
-        <p:spPr/>
-        <p:txBody>
-          <a:bodyPr/>
-          <a:lstStyle/>
-          <a:p>
-            <a:pPr>
-              <a:defRPr/>
-            </a:pPr>
-            <a:r>
-              <a:rPr lang="en-US" smtClean="0"/>
-              <a:t>Murach's Android Programming, C10</a:t>
-            </a:r>
-            <a:endParaRPr lang="en-US"/>
-          </a:p>
-        </p:txBody>
-      </p:sp>
-      <p:sp>
-        <p:nvSpPr>
-          <p:cNvPr id="3" name="Footer Placeholder 2"/>
-          <p:cNvSpPr>
-            <a:spLocks noGrp="1"/>
-          </p:cNvSpPr>
-          <p:nvPr>
-            <p:ph type="ftr" sz="quarter" idx="11"/>
-          </p:nvPr>
-        </p:nvSpPr>
-        <p:spPr/>
-        <p:txBody>
-          <a:bodyPr/>
-          <a:lstStyle/>
-          <a:p>
-            <a:pPr>
-              <a:defRPr/>
-            </a:pPr>
-            <a:r>
-              <a:rPr lang="en-US" dirty="0" smtClean="0"/>
-              <a:t>© 2015, Mike Murach &amp; Associates, Inc.</a:t>
-            </a:r>
-            <a:endParaRPr lang="en-US" dirty="0"/>
-          </a:p>
-        </p:txBody>
-      </p:sp>
-      <p:sp>
-        <p:nvSpPr>
-          <p:cNvPr id="4" name="Slide Number Placeholder 3"/>
-          <p:cNvSpPr>
-            <a:spLocks noGrp="1"/>
-          </p:cNvSpPr>
-          <p:nvPr>
-            <p:ph type="sldNum" sz="quarter" idx="12"/>
-          </p:nvPr>
-        </p:nvSpPr>
-        <p:spPr/>
-        <p:txBody>
-          <a:bodyPr/>
-          <a:lstStyle/>
-          <a:p>
-            <a:pPr>
-              <a:defRPr/>
-            </a:pPr>
-            <a:endParaRPr lang="en-US" smtClean="0"/>
-          </a:p>
-          <a:p>
-            <a:pPr algn="r">
-              <a:defRPr/>
-            </a:pPr>
-            <a:r>
-              <a:rPr lang="en-US" sz="900" smtClean="0">
-                <a:latin typeface="Arial Narrow" pitchFamily="34" charset="0"/>
-              </a:rPr>
-              <a:t>Slide </a:t>
-            </a:r>
-            <a:fld id="{5ECE9829-65B2-40C6-AEFF-7C648FF56A9C}" type="slidenum">
-              <a:rPr lang="en-US" sz="900" smtClean="0">
-                <a:latin typeface="Arial Narrow" pitchFamily="34" charset="0"/>
-              </a:rPr>
-              <a:pPr algn="r">
-                <a:defRPr/>
-              </a:pPr>
-              <a:t>9</a:t>
-            </a:fld>
-            <a:endParaRPr lang="en-US" sz="900">
-              <a:latin typeface="Arial Narrow" pitchFamily="34" charset="0"/>
-            </a:endParaRPr>
-          </a:p>
-        </p:txBody>
-      </p:sp>
-      <p:graphicFrame>
-        <p:nvGraphicFramePr>
-          <p:cNvPr id="5" name="Object 4"/>
-          <p:cNvGraphicFramePr>
-            <a:graphicFrameLocks noChangeAspect="1"/>
-          </p:cNvGraphicFramePr>
-          <p:nvPr>
-            <p:extLst>
-              <p:ext uri="{D42A27DB-BD31-4B8C-83A1-F6EECF244321}">
-                <p14:modId xmlns:p14="http://schemas.microsoft.com/office/powerpoint/2010/main" val="1266589731"/>
-              </p:ext>
-            </p:extLst>
-          </p:nvPr>
-        </p:nvGraphicFramePr>
-        <p:xfrm>
-          <a:off x="914400" y="685800"/>
-          <a:ext cx="6864350" cy="4673600"/>
-        </p:xfrm>
-        <a:graphic>
-          <a:graphicData uri="http://schemas.openxmlformats.org/presentationml/2006/ole">
-            <mc:AlternateContent xmlns:mc="http://schemas.openxmlformats.org/markup-compatibility/2006">
-              <mc:Choice xmlns:v="urn:schemas-microsoft-com:vml" Requires="v">
-                <p:oleObj spid="_x0000_s31774" name="Document" r:id="rId4" imgW="6864202" imgH="4685182" progId="Word.Document.12">
-                  <p:embed/>
-                </p:oleObj>
-              </mc:Choice>
-              <mc:Fallback>
-                <p:oleObj name="Document" r:id="rId4" imgW="6864202" imgH="4685182" progId="Word.Document.12">
-                  <p:embed/>
-                  <p:pic>
-                    <p:nvPicPr>
-                      <p:cNvPr id="0" name=""/>
-                      <p:cNvPicPr/>
-                      <p:nvPr/>
-                    </p:nvPicPr>
-                    <p:blipFill>
-                      <a:blip r:embed="rId5"/>
-                      <a:stretch>
-                        <a:fillRect/>
-                      </a:stretch>
-                    </p:blipFill>
-                    <p:spPr>
-                      <a:xfrm>
-                        <a:off x="914400" y="685800"/>
-                        <a:ext cx="6864350" cy="4673600"/>
-                      </a:xfrm>
-                      <a:prstGeom prst="rect">
-                        <a:avLst/>
-                      </a:prstGeom>
-                    </p:spPr>
-                  </p:pic>
-                </p:oleObj>
-              </mc:Fallback>
-            </mc:AlternateContent>
-          </a:graphicData>
-        </a:graphic>
-      </p:graphicFrame>
-    </p:spTree>
-    <p:extLst>
-      <p:ext uri="{BB962C8B-B14F-4D97-AF65-F5344CB8AC3E}">
-        <p14:creationId xmlns:p14="http://schemas.microsoft.com/office/powerpoint/2010/main" val="4153750129"/>
-      </p:ext>
-    </p:extLst>
-  </p:cSld>
-  <p:clrMapOvr>
-    <a:masterClrMapping/>
-  </p:clrMapOvr>
-  <p:timing>
-    <p:tnLst>
-      <p:par>
-        <p:cTn id="1" dur="indefinite" restart="never" nodeType="tmRoot"/>
-      </p:par>
-    </p:tnLst>
-  </p:timing>
 </p:sld>
 </file>
 
